--- a/slides/kint.pptx
+++ b/slides/kint.pptx
@@ -5,7 +5,7 @@
     <p:sldMasterId id="2147483648" r:id="rId1"/>
   </p:sldMasterIdLst>
   <p:notesMasterIdLst>
-    <p:notesMasterId r:id="rId38"/>
+    <p:notesMasterId r:id="rId37"/>
   </p:notesMasterIdLst>
   <p:sldIdLst>
     <p:sldId id="256" r:id="rId2"/>
@@ -42,8 +42,7 @@
     <p:sldId id="280" r:id="rId33"/>
     <p:sldId id="271" r:id="rId34"/>
     <p:sldId id="285" r:id="rId35"/>
-    <p:sldId id="283" r:id="rId36"/>
-    <p:sldId id="293" r:id="rId37"/>
+    <p:sldId id="293" r:id="rId36"/>
   </p:sldIdLst>
   <p:sldSz cx="9144000" cy="6858000" type="screen4x3"/>
   <p:notesSz cx="6858000" cy="9144000"/>
@@ -292,11 +291,11 @@
           <c:showBubbleSize val="0"/>
         </c:dLbls>
         <c:gapWidth val="300"/>
-        <c:axId val="1420824"/>
-        <c:axId val="1423800"/>
+        <c:axId val="589636552"/>
+        <c:axId val="589639528"/>
       </c:barChart>
       <c:catAx>
-        <c:axId val="1420824"/>
+        <c:axId val="589636552"/>
         <c:scaling>
           <c:orientation val="minMax"/>
         </c:scaling>
@@ -305,7 +304,7 @@
         <c:majorTickMark val="none"/>
         <c:minorTickMark val="none"/>
         <c:tickLblPos val="nextTo"/>
-        <c:crossAx val="1423800"/>
+        <c:crossAx val="589639528"/>
         <c:crosses val="autoZero"/>
         <c:auto val="1"/>
         <c:lblAlgn val="ctr"/>
@@ -313,7 +312,7 @@
         <c:noMultiLvlLbl val="0"/>
       </c:catAx>
       <c:valAx>
-        <c:axId val="1423800"/>
+        <c:axId val="589639528"/>
         <c:scaling>
           <c:orientation val="minMax"/>
         </c:scaling>
@@ -353,7 +352,7 @@
         <c:majorTickMark val="out"/>
         <c:minorTickMark val="none"/>
         <c:tickLblPos val="nextTo"/>
-        <c:crossAx val="1420824"/>
+        <c:crossAx val="589636552"/>
         <c:crosses val="autoZero"/>
         <c:crossBetween val="between"/>
       </c:valAx>
@@ -4909,11 +4908,7 @@
           <a:p>
             <a:r>
               <a:rPr lang="en-US" dirty="0" smtClean="0"/>
-              <a:t>Predicate </a:t>
-            </a:r>
-            <a:r>
-              <a:rPr lang="en-US" dirty="0" smtClean="0"/>
-              <a:t>generation</a:t>
+              <a:t>Predicate generation</a:t>
             </a:r>
             <a:endParaRPr lang="en-US" dirty="0"/>
           </a:p>
@@ -6605,11 +6600,7 @@
           <a:p>
             <a:r>
               <a:rPr lang="en-US" dirty="0" smtClean="0"/>
-              <a:t>Goal: simple and </a:t>
-            </a:r>
-            <a:r>
-              <a:rPr lang="en-US" dirty="0" smtClean="0"/>
-              <a:t>scalable</a:t>
+              <a:t>Goal: simple and scalable</a:t>
             </a:r>
           </a:p>
           <a:p>
@@ -6618,7 +6609,6 @@
               <a:rPr lang="en-US" dirty="0" smtClean="0"/>
               <a:t>Within a single function</a:t>
             </a:r>
-            <a:endParaRPr lang="en-US" dirty="0" smtClean="0"/>
           </a:p>
           <a:p>
             <a:r>
@@ -6754,7 +6744,6 @@
               <a:rPr lang="en-US" dirty="0" smtClean="0"/>
               <a:t>ange predicates across functions</a:t>
             </a:r>
-            <a:endParaRPr lang="en-US" dirty="0" smtClean="0"/>
           </a:p>
           <a:p>
             <a:pPr lvl="1"/>
@@ -6771,11 +6760,7 @@
             <a:pPr lvl="1"/>
             <a:r>
               <a:rPr lang="en-US" dirty="0" smtClean="0"/>
-              <a:t>Parameters</a:t>
-            </a:r>
-            <a:r>
-              <a:rPr lang="en-US" dirty="0" smtClean="0"/>
-              <a:t>, global variables, structure fields</a:t>
+              <a:t>Parameters, global variables, structure fields</a:t>
             </a:r>
           </a:p>
           <a:p>
@@ -6878,11 +6863,7 @@
           <a:p>
             <a:r>
               <a:rPr lang="en-US" dirty="0" smtClean="0"/>
-              <a:t>O</a:t>
-            </a:r>
-            <a:r>
-              <a:rPr lang="en-US" dirty="0" smtClean="0"/>
-              <a:t>ptimization example: rewriting (1/2)</a:t>
+              <a:t>Optimization example: rewriting (1/2)</a:t>
             </a:r>
             <a:endParaRPr lang="en-US" dirty="0"/>
           </a:p>
@@ -6909,7 +6890,15 @@
                   <a:srgbClr val="FF0000"/>
                 </a:solidFill>
               </a:rPr>
-              <a:t>N </a:t>
+              <a:t>N /</a:t>
+            </a:r>
+            <a:r>
+              <a:rPr lang="en-US" baseline="-25000" dirty="0" smtClean="0">
+                <a:solidFill>
+                  <a:srgbClr val="FF0000"/>
+                </a:solidFill>
+              </a:rPr>
+              <a:t>u</a:t>
             </a:r>
             <a:r>
               <a:rPr lang="en-US" dirty="0" smtClean="0">
@@ -6917,33 +6906,12 @@
                   <a:srgbClr val="FF0000"/>
                 </a:solidFill>
               </a:rPr>
-              <a:t>/</a:t>
-            </a:r>
-            <a:r>
-              <a:rPr lang="en-US" baseline="-25000" dirty="0" smtClean="0">
-                <a:solidFill>
-                  <a:srgbClr val="FF0000"/>
-                </a:solidFill>
-              </a:rPr>
-              <a:t>u</a:t>
-            </a:r>
-            <a:r>
-              <a:rPr lang="en-US" dirty="0" smtClean="0">
-                <a:solidFill>
-                  <a:srgbClr val="FF0000"/>
-                </a:solidFill>
-              </a:rPr>
               <a:t> x &gt; y </a:t>
             </a:r>
             <a:r>
               <a:rPr lang="en-US" dirty="0" smtClean="0"/>
-              <a:t>(div</a:t>
-            </a:r>
-            <a:r>
-              <a:rPr lang="en-US" dirty="0" smtClean="0"/>
-              <a:t>): solver not good at div</a:t>
-            </a:r>
-            <a:endParaRPr lang="en-US" dirty="0" smtClean="0"/>
+              <a:t>(div): solver not good at div</a:t>
+            </a:r>
           </a:p>
           <a:p>
             <a:r>
@@ -7968,11 +7936,7 @@
             <a:pPr lvl="1"/>
             <a:r>
               <a:rPr lang="en-US" dirty="0" smtClean="0"/>
-              <a:t>User space, disk, </a:t>
-            </a:r>
-            <a:r>
-              <a:rPr lang="en-US" dirty="0" smtClean="0"/>
-              <a:t>network</a:t>
+              <a:t>User space, disk, network</a:t>
             </a:r>
             <a:endParaRPr lang="en-US" dirty="0"/>
           </a:p>
@@ -7982,7 +7946,6 @@
               <a:rPr lang="en-US" dirty="0" smtClean="0"/>
               <a:t>Limited hardware trust: USB</a:t>
             </a:r>
-            <a:endParaRPr lang="en-US" dirty="0" smtClean="0"/>
           </a:p>
           <a:p>
             <a:r>
@@ -8311,11 +8274,7 @@
           <a:p>
             <a:r>
               <a:rPr lang="en-US" dirty="0" smtClean="0"/>
-              <a:t>80</a:t>
-            </a:r>
-            <a:r>
-              <a:rPr lang="en-US" dirty="0" smtClean="0"/>
-              <a:t>+ confirmed/fixed bugs in the Linux kernel</a:t>
+              <a:t>80+ confirmed/fixed bugs in the Linux kernel</a:t>
             </a:r>
           </a:p>
           <a:p>
@@ -8330,11 +8289,7 @@
             </a:r>
             <a:r>
               <a:rPr lang="en-US" dirty="0" smtClean="0"/>
-              <a:t>/net/</a:t>
-            </a:r>
-            <a:r>
-              <a:rPr lang="en-US" dirty="0" smtClean="0"/>
-              <a:t>sound</a:t>
+              <a:t>/net/sound</a:t>
             </a:r>
           </a:p>
           <a:p>
@@ -8526,7 +8481,6 @@
               <a:rPr lang="en-US" dirty="0" smtClean="0"/>
               <a:t>Out-of-range cases</a:t>
             </a:r>
-            <a:endParaRPr lang="en-US" dirty="0" smtClean="0"/>
           </a:p>
           <a:p>
             <a:pPr lvl="1"/>
@@ -11787,13 +11741,8 @@
           <a:p>
             <a:r>
               <a:rPr lang="en-US" dirty="0" smtClean="0"/>
-              <a:t>Undefined behavior: aggressive </a:t>
-            </a:r>
-            <a:r>
-              <a:rPr lang="en-US" dirty="0" smtClean="0"/>
-              <a:t>compiler</a:t>
-            </a:r>
-            <a:endParaRPr lang="en-US" dirty="0" smtClean="0"/>
+              <a:t>Undefined behavior: aggressive compiler</a:t>
+            </a:r>
           </a:p>
           <a:p>
             <a:r>
@@ -12825,11 +12774,7 @@
             <a:pPr lvl="1"/>
             <a:r>
               <a:rPr lang="en-US" dirty="0" smtClean="0"/>
-              <a:t>1 </a:t>
-            </a:r>
-            <a:r>
-              <a:rPr lang="en-US" dirty="0" smtClean="0"/>
-              <a:t>architecture</a:t>
+              <a:t>1 architecture</a:t>
             </a:r>
             <a:r>
               <a:rPr lang="en-US" dirty="0"/>
@@ -12934,11 +12879,7 @@
             <a:pPr lvl="1"/>
             <a:r>
               <a:rPr lang="en-US" dirty="0" smtClean="0"/>
-              <a:t>Useful </a:t>
-            </a:r>
-            <a:r>
-              <a:rPr lang="en-US" dirty="0" smtClean="0"/>
-              <a:t>for verifying patches</a:t>
+              <a:t>Useful for verifying patches</a:t>
             </a:r>
           </a:p>
           <a:p>
@@ -12958,19 +12899,7 @@
             <a:pPr lvl="1"/>
             <a:r>
               <a:rPr lang="en-US" dirty="0" smtClean="0"/>
-              <a:t>Found 6 </a:t>
-            </a:r>
-            <a:r>
-              <a:rPr lang="en-US" dirty="0" smtClean="0"/>
-              <a:t>exploitable </a:t>
-            </a:r>
-            <a:r>
-              <a:rPr lang="en-US" dirty="0" smtClean="0"/>
-              <a:t>bugs in 12 </a:t>
-            </a:r>
-            <a:r>
-              <a:rPr lang="en-US" dirty="0" smtClean="0"/>
-              <a:t>hours</a:t>
+              <a:t>Found 6 exploitable bugs in 12 hours</a:t>
             </a:r>
             <a:endParaRPr lang="en-US" dirty="0"/>
           </a:p>
@@ -13053,22 +12982,14 @@
           <a:p>
             <a:r>
               <a:rPr lang="en-US" dirty="0" smtClean="0"/>
-              <a:t>6 CPU cores (SMT), </a:t>
-            </a:r>
+              <a:t>6 CPU cores (SMT), Linux 3.2</a:t>
+            </a:r>
+          </a:p>
+          <a:p>
+            <a:pPr lvl="1"/>
             <a:r>
               <a:rPr lang="en-US" dirty="0" smtClean="0"/>
-              <a:t>Linux 3.2</a:t>
-            </a:r>
-          </a:p>
-          <a:p>
-            <a:pPr lvl="1"/>
-            <a:r>
-              <a:rPr lang="en-US" dirty="0" smtClean="0"/>
-              <a:t>22 min (</a:t>
-            </a:r>
-            <a:r>
-              <a:rPr lang="en-US" dirty="0" smtClean="0"/>
-              <a:t>predicate generation + solving)</a:t>
+              <a:t>22 min (predicate generation + solving)</a:t>
             </a:r>
           </a:p>
           <a:p>
@@ -13653,16 +13574,11 @@
               <a:rPr lang="en-US" dirty="0" smtClean="0"/>
               <a:t>Integer overflow in browser/kernel</a:t>
             </a:r>
-            <a:endParaRPr lang="en-US" dirty="0" smtClean="0"/>
           </a:p>
           <a:p>
             <a:r>
               <a:rPr lang="en-US" dirty="0" smtClean="0"/>
-              <a:t>2007 </a:t>
-            </a:r>
-            <a:r>
-              <a:rPr lang="en-US" dirty="0" smtClean="0"/>
-              <a:t>CVE survey:</a:t>
+              <a:t>2007 CVE survey:</a:t>
             </a:r>
           </a:p>
           <a:p>
@@ -13794,11 +13710,7 @@
           <a:p>
             <a:r>
               <a:rPr lang="en-US" dirty="0" smtClean="0"/>
-              <a:t>Static </a:t>
-            </a:r>
-            <a:r>
-              <a:rPr lang="en-US" dirty="0" smtClean="0"/>
-              <a:t>analysis</a:t>
+              <a:t>Static analysis</a:t>
             </a:r>
           </a:p>
           <a:p>
@@ -13818,7 +13730,6 @@
               <a:rPr lang="en-US" dirty="0" smtClean="0"/>
               <a:t>Saturn: solver-based analysis</a:t>
             </a:r>
-            <a:endParaRPr lang="en-US" dirty="0" smtClean="0"/>
           </a:p>
           <a:p>
             <a:r>
@@ -13845,14 +13756,40 @@
           <a:p>
             <a:r>
               <a:rPr lang="en-US" dirty="0" smtClean="0"/>
-              <a:t>Runtime analysis</a:t>
-            </a:r>
+              <a:t>Runtime </a:t>
+            </a:r>
+            <a:r>
+              <a:rPr lang="en-US" dirty="0" smtClean="0"/>
+              <a:t>analysis: extend </a:t>
+            </a:r>
+            <a:r>
+              <a:rPr lang="en-US" dirty="0" smtClean="0">
+                <a:latin typeface="Consolas"/>
+                <a:cs typeface="Consolas"/>
+              </a:rPr>
+              <a:t>-</a:t>
+            </a:r>
+            <a:r>
+              <a:rPr lang="en-US" dirty="0" err="1" smtClean="0">
+                <a:latin typeface="Consolas"/>
+                <a:cs typeface="Consolas"/>
+              </a:rPr>
+              <a:t>ftrap</a:t>
+            </a:r>
+            <a:endParaRPr lang="en-US" dirty="0" smtClean="0">
+              <a:latin typeface="Consolas"/>
+              <a:cs typeface="Consolas"/>
+            </a:endParaRPr>
           </a:p>
           <a:p>
             <a:pPr lvl="1"/>
             <a:r>
               <a:rPr lang="en-US" dirty="0" smtClean="0"/>
-              <a:t>RICH/IOC: coverage</a:t>
+              <a:t>RICH/IOC: </a:t>
+            </a:r>
+            <a:r>
+              <a:rPr lang="en-US" dirty="0" smtClean="0"/>
+              <a:t>coverage</a:t>
             </a:r>
             <a:endParaRPr lang="en-US" dirty="0" smtClean="0"/>
           </a:p>
@@ -13970,36 +13907,29 @@
             <a:pPr lvl="1"/>
             <a:r>
               <a:rPr lang="en-US" dirty="0" smtClean="0"/>
-              <a:t>Pragmatic integer model</a:t>
-            </a:r>
+              <a:t>Pragmatic integer </a:t>
+            </a:r>
+            <a:r>
+              <a:rPr lang="en-US" dirty="0" smtClean="0"/>
+              <a:t>semantics</a:t>
+            </a:r>
+            <a:endParaRPr lang="en-US" dirty="0" smtClean="0"/>
           </a:p>
           <a:p>
             <a:pPr lvl="1"/>
             <a:r>
               <a:rPr lang="en-US" dirty="0" smtClean="0"/>
-              <a:t>Predicate </a:t>
+              <a:t>Scalable analysis with tailored </a:t>
             </a:r>
             <a:r>
               <a:rPr lang="en-US" dirty="0" smtClean="0"/>
-              <a:t>generation and constraint solving</a:t>
-            </a:r>
-          </a:p>
-          <a:p>
-            <a:pPr lvl="1"/>
+              <a:t>optimizations</a:t>
+            </a:r>
+          </a:p>
+          <a:p>
             <a:r>
               <a:rPr lang="en-US" dirty="0" smtClean="0"/>
-              <a:t>Tailored optimizations</a:t>
-            </a:r>
-            <a:endParaRPr lang="en-US" dirty="0" smtClean="0"/>
-          </a:p>
-          <a:p>
-            <a:r>
-              <a:rPr lang="en-US" dirty="0" smtClean="0"/>
-              <a:t>80+ </a:t>
-            </a:r>
-            <a:r>
-              <a:rPr lang="en-US" dirty="0" smtClean="0"/>
-              <a:t>bugs confirmed and fixed upstream</a:t>
+              <a:t>80+ bugs confirmed and fixed upstream</a:t>
             </a:r>
             <a:endParaRPr lang="en-US" dirty="0"/>
           </a:p>
@@ -14359,189 +14289,12 @@
           <a:p>
             <a:r>
               <a:rPr lang="en-US" dirty="0" smtClean="0"/>
-              <a:t>Optimizations</a:t>
-            </a:r>
-            <a:endParaRPr lang="en-US" dirty="0"/>
-          </a:p>
-        </p:txBody>
-      </p:sp>
-      <p:sp>
-        <p:nvSpPr>
-          <p:cNvPr id="3" name="Content Placeholder 2"/>
-          <p:cNvSpPr>
-            <a:spLocks noGrp="1"/>
-          </p:cNvSpPr>
-          <p:nvPr>
-            <p:ph idx="1"/>
-          </p:nvPr>
-        </p:nvSpPr>
-        <p:spPr/>
-        <p:txBody>
-          <a:bodyPr/>
-          <a:lstStyle/>
-          <a:p>
-            <a:r>
-              <a:rPr lang="en-US" dirty="0"/>
-              <a:t>Move predicates out of </a:t>
-            </a:r>
-            <a:r>
-              <a:rPr lang="en-US" dirty="0" smtClean="0"/>
-              <a:t>loops</a:t>
-            </a:r>
-          </a:p>
-          <a:p>
-            <a:r>
-              <a:rPr lang="en-US" dirty="0" smtClean="0"/>
-              <a:t>Simplify pointer arithmetic</a:t>
-            </a:r>
-          </a:p>
-          <a:p>
-            <a:r>
-              <a:rPr lang="en-US" dirty="0" smtClean="0"/>
-              <a:t>Aggressively merge load instructions</a:t>
-            </a:r>
-          </a:p>
-          <a:p>
-            <a:r>
-              <a:rPr lang="en-US" dirty="0" smtClean="0"/>
-              <a:t>Delay checks</a:t>
-            </a:r>
-          </a:p>
-          <a:p>
-            <a:r>
-              <a:rPr lang="en-US" dirty="0" smtClean="0"/>
-              <a:t>Rewrite predicates</a:t>
-            </a:r>
-            <a:endParaRPr lang="en-US" dirty="0"/>
-          </a:p>
-        </p:txBody>
-      </p:sp>
-    </p:spTree>
-    <p:extLst>
-      <p:ext uri="{BB962C8B-B14F-4D97-AF65-F5344CB8AC3E}">
-        <p14:creationId xmlns:p14="http://schemas.microsoft.com/office/powerpoint/2010/main" val="2251362461"/>
-      </p:ext>
-    </p:extLst>
-  </p:cSld>
-  <p:clrMapOvr>
-    <a:masterClrMapping/>
-  </p:clrMapOvr>
-  <p:timing>
-    <p:tnLst>
-      <p:par>
-        <p:cTn xmlns:p14="http://schemas.microsoft.com/office/powerpoint/2010/main" id="1" dur="indefinite" restart="never" nodeType="tmRoot">
-          <p:childTnLst>
-            <p:seq concurrent="1" nextAc="seek">
-              <p:cTn id="2" dur="indefinite" nodeType="mainSeq">
-                <p:childTnLst>
-                  <p:par>
-                    <p:cTn id="3" fill="hold">
-                      <p:stCondLst>
-                        <p:cond delay="indefinite"/>
-                      </p:stCondLst>
-                      <p:childTnLst>
-                        <p:par>
-                          <p:cTn id="4" fill="hold">
-                            <p:stCondLst>
-                              <p:cond delay="0"/>
-                            </p:stCondLst>
-                            <p:childTnLst>
-                              <p:par>
-                                <p:cTn id="5" presetID="8" presetClass="emph" presetSubtype="0" fill="hold" nodeType="clickEffect">
-                                  <p:stCondLst>
-                                    <p:cond delay="0"/>
-                                  </p:stCondLst>
-                                  <p:childTnLst>
-                                    <p:animRot by="21600000">
-                                      <p:cBhvr>
-                                        <p:cTn id="6" dur="2000" fill="hold"/>
-                                        <p:tgtEl>
-                                          <p:spTgt spid="3">
-                                            <p:txEl>
-                                              <p:pRg st="4" end="4"/>
-                                            </p:txEl>
-                                          </p:spTgt>
-                                        </p:tgtEl>
-                                        <p:attrNameLst>
-                                          <p:attrName>r</p:attrName>
-                                        </p:attrNameLst>
-                                      </p:cBhvr>
-                                    </p:animRot>
-                                  </p:childTnLst>
-                                </p:cTn>
-                              </p:par>
-                            </p:childTnLst>
-                          </p:cTn>
-                        </p:par>
-                      </p:childTnLst>
-                    </p:cTn>
-                  </p:par>
-                </p:childTnLst>
-              </p:cTn>
-              <p:prevCondLst>
-                <p:cond evt="onPrev" delay="0">
-                  <p:tgtEl>
-                    <p:sldTgt/>
-                  </p:tgtEl>
-                </p:cond>
-              </p:prevCondLst>
-              <p:nextCondLst>
-                <p:cond evt="onNext" delay="0">
-                  <p:tgtEl>
-                    <p:sldTgt/>
-                  </p:tgtEl>
-                </p:cond>
-              </p:nextCondLst>
-            </p:seq>
-          </p:childTnLst>
-        </p:cTn>
-      </p:par>
-    </p:tnLst>
-  </p:timing>
-</p:sld>
-</file>
-
-<file path=ppt/slides/slide36.xml><?xml version="1.0" encoding="utf-8"?>
-<p:sld xmlns:a="http://schemas.openxmlformats.org/drawingml/2006/main" xmlns:r="http://schemas.openxmlformats.org/officeDocument/2006/relationships" xmlns:p="http://schemas.openxmlformats.org/presentationml/2006/main">
-  <p:cSld>
-    <p:spTree>
-      <p:nvGrpSpPr>
-        <p:cNvPr id="1" name=""/>
-        <p:cNvGrpSpPr/>
-        <p:nvPr/>
-      </p:nvGrpSpPr>
-      <p:grpSpPr>
-        <a:xfrm>
-          <a:off x="0" y="0"/>
-          <a:ext cx="0" cy="0"/>
-          <a:chOff x="0" y="0"/>
-          <a:chExt cx="0" cy="0"/>
-        </a:xfrm>
-      </p:grpSpPr>
-      <p:sp>
-        <p:nvSpPr>
-          <p:cNvPr id="2" name="Title 1"/>
-          <p:cNvSpPr>
-            <a:spLocks noGrp="1"/>
-          </p:cNvSpPr>
-          <p:nvPr>
-            <p:ph type="title"/>
-          </p:nvPr>
-        </p:nvSpPr>
-        <p:spPr/>
-        <p:txBody>
-          <a:bodyPr/>
-          <a:lstStyle/>
-          <a:p>
-            <a:r>
-              <a:rPr lang="en-US" dirty="0" smtClean="0"/>
               <a:t>Example: </a:t>
             </a:r>
             <a:r>
               <a:rPr lang="en-US" dirty="0"/>
               <a:t>CVE-2009-2909</a:t>
             </a:r>
-            <a:endParaRPr lang="en-US" dirty="0"/>
           </a:p>
         </p:txBody>
       </p:sp>
@@ -15100,11 +14853,6 @@
               </a:rPr>
               <a:t>- 1 &lt; 4</a:t>
             </a:r>
-            <a:endParaRPr lang="en-US" sz="4400" dirty="0">
-              <a:solidFill>
-                <a:srgbClr val="FF0000"/>
-              </a:solidFill>
-            </a:endParaRPr>
           </a:p>
         </p:txBody>
       </p:sp>
@@ -15663,11 +15411,7 @@
           <a:p>
             <a:r>
               <a:rPr lang="en-US" dirty="0" smtClean="0"/>
-              <a:t>KINT </a:t>
-            </a:r>
-            <a:r>
-              <a:rPr lang="en-US" dirty="0" smtClean="0"/>
-              <a:t>Contributions</a:t>
+              <a:t>KINT Contributions</a:t>
             </a:r>
             <a:endParaRPr lang="en-US" dirty="0"/>
           </a:p>
@@ -15692,11 +15436,7 @@
           <a:p>
             <a:r>
               <a:rPr lang="en-US" dirty="0" smtClean="0"/>
-              <a:t>A pragmatic integer model for C </a:t>
-            </a:r>
-            <a:r>
-              <a:rPr lang="en-US" dirty="0" smtClean="0"/>
-              <a:t>programs</a:t>
+              <a:t>A pragmatic integer model for C programs</a:t>
             </a:r>
           </a:p>
           <a:p>
@@ -15712,16 +15452,11 @@
               <a:rPr lang="en-US" dirty="0" smtClean="0"/>
               <a:t>White listing: allowed idioms</a:t>
             </a:r>
-            <a:endParaRPr lang="en-US" dirty="0" smtClean="0"/>
           </a:p>
           <a:p>
             <a:r>
               <a:rPr lang="en-US" dirty="0" smtClean="0"/>
-              <a:t>A scalable analysis for finding integer </a:t>
-            </a:r>
-            <a:r>
-              <a:rPr lang="en-US" dirty="0" smtClean="0"/>
-              <a:t>errors</a:t>
+              <a:t>A scalable analysis for finding integer errors</a:t>
             </a:r>
           </a:p>
           <a:p>
@@ -15730,7 +15465,6 @@
               <a:rPr lang="en-US" dirty="0" smtClean="0"/>
               <a:t>Generate predicates that are efficient to solve</a:t>
             </a:r>
-            <a:endParaRPr lang="en-US" dirty="0" smtClean="0"/>
           </a:p>
           <a:p>
             <a:r>

--- a/slides/kint.pptx
+++ b/slides/kint.pptx
@@ -5,7 +5,7 @@
     <p:sldMasterId id="2147483648" r:id="rId1"/>
   </p:sldMasterIdLst>
   <p:notesMasterIdLst>
-    <p:notesMasterId r:id="rId40"/>
+    <p:notesMasterId r:id="rId39"/>
   </p:notesMasterIdLst>
   <p:sldIdLst>
     <p:sldId id="256" r:id="rId2"/>
@@ -17,35 +17,34 @@
     <p:sldId id="290" r:id="rId8"/>
     <p:sldId id="291" r:id="rId9"/>
     <p:sldId id="289" r:id="rId10"/>
-    <p:sldId id="292" r:id="rId11"/>
-    <p:sldId id="258" r:id="rId12"/>
-    <p:sldId id="262" r:id="rId13"/>
-    <p:sldId id="264" r:id="rId14"/>
+    <p:sldId id="258" r:id="rId11"/>
+    <p:sldId id="262" r:id="rId12"/>
+    <p:sldId id="264" r:id="rId13"/>
+    <p:sldId id="292" r:id="rId14"/>
     <p:sldId id="272" r:id="rId15"/>
-    <p:sldId id="265" r:id="rId16"/>
-    <p:sldId id="274" r:id="rId17"/>
-    <p:sldId id="273" r:id="rId18"/>
-    <p:sldId id="300" r:id="rId19"/>
+    <p:sldId id="300" r:id="rId16"/>
+    <p:sldId id="265" r:id="rId17"/>
+    <p:sldId id="274" r:id="rId18"/>
+    <p:sldId id="273" r:id="rId19"/>
     <p:sldId id="282" r:id="rId20"/>
     <p:sldId id="301" r:id="rId21"/>
     <p:sldId id="266" r:id="rId22"/>
     <p:sldId id="269" r:id="rId23"/>
-    <p:sldId id="294" r:id="rId24"/>
-    <p:sldId id="296" r:id="rId25"/>
-    <p:sldId id="281" r:id="rId26"/>
-    <p:sldId id="279" r:id="rId27"/>
-    <p:sldId id="277" r:id="rId28"/>
-    <p:sldId id="278" r:id="rId29"/>
-    <p:sldId id="267" r:id="rId30"/>
-    <p:sldId id="297" r:id="rId31"/>
-    <p:sldId id="298" r:id="rId32"/>
-    <p:sldId id="299" r:id="rId33"/>
-    <p:sldId id="276" r:id="rId34"/>
-    <p:sldId id="268" r:id="rId35"/>
-    <p:sldId id="280" r:id="rId36"/>
-    <p:sldId id="271" r:id="rId37"/>
-    <p:sldId id="285" r:id="rId38"/>
-    <p:sldId id="293" r:id="rId39"/>
+    <p:sldId id="296" r:id="rId24"/>
+    <p:sldId id="281" r:id="rId25"/>
+    <p:sldId id="279" r:id="rId26"/>
+    <p:sldId id="277" r:id="rId27"/>
+    <p:sldId id="278" r:id="rId28"/>
+    <p:sldId id="267" r:id="rId29"/>
+    <p:sldId id="298" r:id="rId30"/>
+    <p:sldId id="276" r:id="rId31"/>
+    <p:sldId id="299" r:id="rId32"/>
+    <p:sldId id="268" r:id="rId33"/>
+    <p:sldId id="280" r:id="rId34"/>
+    <p:sldId id="294" r:id="rId35"/>
+    <p:sldId id="293" r:id="rId36"/>
+    <p:sldId id="285" r:id="rId37"/>
+    <p:sldId id="297" r:id="rId38"/>
   </p:sldIdLst>
   <p:sldSz cx="9144000" cy="6858000" type="screen4x3"/>
   <p:notesSz cx="6858000" cy="9144000"/>
@@ -294,11 +293,11 @@
           <c:showBubbleSize val="0"/>
         </c:dLbls>
         <c:gapWidth val="300"/>
-        <c:axId val="1585304"/>
-        <c:axId val="1588280"/>
+        <c:axId val="1673416"/>
+        <c:axId val="1676392"/>
       </c:barChart>
       <c:catAx>
-        <c:axId val="1585304"/>
+        <c:axId val="1673416"/>
         <c:scaling>
           <c:orientation val="minMax"/>
         </c:scaling>
@@ -307,7 +306,7 @@
         <c:majorTickMark val="none"/>
         <c:minorTickMark val="none"/>
         <c:tickLblPos val="nextTo"/>
-        <c:crossAx val="1588280"/>
+        <c:crossAx val="1676392"/>
         <c:crosses val="autoZero"/>
         <c:auto val="1"/>
         <c:lblAlgn val="ctr"/>
@@ -315,7 +314,7 @@
         <c:noMultiLvlLbl val="0"/>
       </c:catAx>
       <c:valAx>
-        <c:axId val="1588280"/>
+        <c:axId val="1676392"/>
         <c:scaling>
           <c:orientation val="minMax"/>
         </c:scaling>
@@ -355,7 +354,7 @@
         <c:majorTickMark val="out"/>
         <c:minorTickMark val="none"/>
         <c:tickLblPos val="nextTo"/>
-        <c:crossAx val="1585304"/>
+        <c:crossAx val="1673416"/>
         <c:crosses val="autoZero"/>
         <c:crossBetween val="between"/>
       </c:valAx>
@@ -800,7 +799,7 @@
           <a:p>
             <a:fld id="{CDD707CB-BA6A-1F4C-893A-105F69AA6023}" type="slidenum">
               <a:rPr lang="en-US" smtClean="0"/>
-              <a:t>13</a:t>
+              <a:t>12</a:t>
             </a:fld>
             <a:endParaRPr lang="en-US"/>
           </a:p>
@@ -3884,889 +3883,6 @@
 </file>
 
 <file path=ppt/slides/slide10.xml><?xml version="1.0" encoding="utf-8"?>
-<p:sld xmlns:a="http://schemas.openxmlformats.org/drawingml/2006/main" xmlns:r="http://schemas.openxmlformats.org/officeDocument/2006/relationships" xmlns:p="http://schemas.openxmlformats.org/presentationml/2006/main">
-  <p:cSld>
-    <p:spTree>
-      <p:nvGrpSpPr>
-        <p:cNvPr id="1" name=""/>
-        <p:cNvGrpSpPr/>
-        <p:nvPr/>
-      </p:nvGrpSpPr>
-      <p:grpSpPr>
-        <a:xfrm>
-          <a:off x="0" y="0"/>
-          <a:ext cx="0" cy="0"/>
-          <a:chOff x="0" y="0"/>
-          <a:chExt cx="0" cy="0"/>
-        </a:xfrm>
-      </p:grpSpPr>
-      <p:sp>
-        <p:nvSpPr>
-          <p:cNvPr id="2" name="Title 1"/>
-          <p:cNvSpPr>
-            <a:spLocks noGrp="1"/>
-          </p:cNvSpPr>
-          <p:nvPr>
-            <p:ph type="title"/>
-          </p:nvPr>
-        </p:nvSpPr>
-        <p:spPr/>
-        <p:txBody>
-          <a:bodyPr/>
-          <a:lstStyle/>
-          <a:p>
-            <a:r>
-              <a:rPr lang="en-US" dirty="0" smtClean="0"/>
-              <a:t>KINT Overview</a:t>
-            </a:r>
-            <a:endParaRPr lang="en-US" dirty="0"/>
-          </a:p>
-        </p:txBody>
-      </p:sp>
-      <p:sp>
-        <p:nvSpPr>
-          <p:cNvPr id="4" name="Rectangle 3"/>
-          <p:cNvSpPr/>
-          <p:nvPr/>
-        </p:nvSpPr>
-        <p:spPr>
-          <a:xfrm>
-            <a:off x="584200" y="3149600"/>
-            <a:ext cx="1612900" cy="876300"/>
-          </a:xfrm>
-          <a:prstGeom prst="rect">
-            <a:avLst/>
-          </a:prstGeom>
-          <a:noFill/>
-          <a:ln>
-            <a:solidFill>
-              <a:schemeClr val="tx1"/>
-            </a:solidFill>
-          </a:ln>
-          <a:effectLst/>
-        </p:spPr>
-        <p:style>
-          <a:lnRef idx="1">
-            <a:schemeClr val="accent1"/>
-          </a:lnRef>
-          <a:fillRef idx="3">
-            <a:schemeClr val="accent1"/>
-          </a:fillRef>
-          <a:effectRef idx="2">
-            <a:schemeClr val="accent1"/>
-          </a:effectRef>
-          <a:fontRef idx="minor">
-            <a:schemeClr val="lt1"/>
-          </a:fontRef>
-        </p:style>
-        <p:txBody>
-          <a:bodyPr rtlCol="0" anchor="ctr"/>
-          <a:lstStyle/>
-          <a:p>
-            <a:pPr algn="ctr"/>
-            <a:r>
-              <a:rPr lang="en-US" dirty="0" smtClean="0">
-                <a:solidFill>
-                  <a:schemeClr val="tx1"/>
-                </a:solidFill>
-              </a:rPr>
-              <a:t>LLVM IR &amp; annotations</a:t>
-            </a:r>
-            <a:endParaRPr lang="en-US" dirty="0">
-              <a:solidFill>
-                <a:schemeClr val="tx1"/>
-              </a:solidFill>
-            </a:endParaRPr>
-          </a:p>
-        </p:txBody>
-      </p:sp>
-      <p:sp>
-        <p:nvSpPr>
-          <p:cNvPr id="6" name="Rectangle 5"/>
-          <p:cNvSpPr/>
-          <p:nvPr/>
-        </p:nvSpPr>
-        <p:spPr>
-          <a:xfrm>
-            <a:off x="3517900" y="1714500"/>
-            <a:ext cx="1384300" cy="876300"/>
-          </a:xfrm>
-          <a:prstGeom prst="rect">
-            <a:avLst/>
-          </a:prstGeom>
-          <a:noFill/>
-          <a:ln>
-            <a:solidFill>
-              <a:schemeClr val="tx1"/>
-            </a:solidFill>
-          </a:ln>
-          <a:effectLst/>
-        </p:spPr>
-        <p:style>
-          <a:lnRef idx="1">
-            <a:schemeClr val="accent1"/>
-          </a:lnRef>
-          <a:fillRef idx="3">
-            <a:schemeClr val="accent1"/>
-          </a:fillRef>
-          <a:effectRef idx="2">
-            <a:schemeClr val="accent1"/>
-          </a:effectRef>
-          <a:fontRef idx="minor">
-            <a:schemeClr val="lt1"/>
-          </a:fontRef>
-        </p:style>
-        <p:txBody>
-          <a:bodyPr rtlCol="0" anchor="ctr"/>
-          <a:lstStyle/>
-          <a:p>
-            <a:pPr algn="ctr"/>
-            <a:r>
-              <a:rPr lang="en-US" dirty="0" smtClean="0">
-                <a:solidFill>
-                  <a:schemeClr val="tx1"/>
-                </a:solidFill>
-              </a:rPr>
-              <a:t>Error predicate</a:t>
-            </a:r>
-            <a:endParaRPr lang="en-US" dirty="0">
-              <a:solidFill>
-                <a:schemeClr val="tx1"/>
-              </a:solidFill>
-            </a:endParaRPr>
-          </a:p>
-        </p:txBody>
-      </p:sp>
-      <p:sp>
-        <p:nvSpPr>
-          <p:cNvPr id="7" name="Rectangle 6"/>
-          <p:cNvSpPr/>
-          <p:nvPr/>
-        </p:nvSpPr>
-        <p:spPr>
-          <a:xfrm>
-            <a:off x="3517900" y="3155950"/>
-            <a:ext cx="1384300" cy="876300"/>
-          </a:xfrm>
-          <a:prstGeom prst="rect">
-            <a:avLst/>
-          </a:prstGeom>
-          <a:noFill/>
-          <a:ln>
-            <a:solidFill>
-              <a:schemeClr val="tx1"/>
-            </a:solidFill>
-          </a:ln>
-          <a:effectLst/>
-        </p:spPr>
-        <p:style>
-          <a:lnRef idx="1">
-            <a:schemeClr val="accent1"/>
-          </a:lnRef>
-          <a:fillRef idx="3">
-            <a:schemeClr val="accent1"/>
-          </a:fillRef>
-          <a:effectRef idx="2">
-            <a:schemeClr val="accent1"/>
-          </a:effectRef>
-          <a:fontRef idx="minor">
-            <a:schemeClr val="lt1"/>
-          </a:fontRef>
-        </p:style>
-        <p:txBody>
-          <a:bodyPr rtlCol="0" anchor="ctr"/>
-          <a:lstStyle/>
-          <a:p>
-            <a:pPr algn="ctr"/>
-            <a:r>
-              <a:rPr lang="en-US" dirty="0" smtClean="0">
-                <a:solidFill>
-                  <a:schemeClr val="tx1"/>
-                </a:solidFill>
-              </a:rPr>
-              <a:t>Path predicate</a:t>
-            </a:r>
-            <a:endParaRPr lang="en-US" dirty="0">
-              <a:solidFill>
-                <a:schemeClr val="tx1"/>
-              </a:solidFill>
-            </a:endParaRPr>
-          </a:p>
-        </p:txBody>
-      </p:sp>
-      <p:sp>
-        <p:nvSpPr>
-          <p:cNvPr id="8" name="Rectangle 7"/>
-          <p:cNvSpPr/>
-          <p:nvPr/>
-        </p:nvSpPr>
-        <p:spPr>
-          <a:xfrm>
-            <a:off x="3517900" y="4533900"/>
-            <a:ext cx="1384300" cy="876300"/>
-          </a:xfrm>
-          <a:prstGeom prst="rect">
-            <a:avLst/>
-          </a:prstGeom>
-          <a:noFill/>
-          <a:ln>
-            <a:solidFill>
-              <a:schemeClr val="tx1"/>
-            </a:solidFill>
-          </a:ln>
-          <a:effectLst/>
-        </p:spPr>
-        <p:style>
-          <a:lnRef idx="1">
-            <a:schemeClr val="accent1"/>
-          </a:lnRef>
-          <a:fillRef idx="3">
-            <a:schemeClr val="accent1"/>
-          </a:fillRef>
-          <a:effectRef idx="2">
-            <a:schemeClr val="accent1"/>
-          </a:effectRef>
-          <a:fontRef idx="minor">
-            <a:schemeClr val="lt1"/>
-          </a:fontRef>
-        </p:style>
-        <p:txBody>
-          <a:bodyPr rtlCol="0" anchor="ctr"/>
-          <a:lstStyle/>
-          <a:p>
-            <a:pPr algn="ctr"/>
-            <a:r>
-              <a:rPr lang="en-US" dirty="0" smtClean="0">
-                <a:solidFill>
-                  <a:schemeClr val="tx1"/>
-                </a:solidFill>
-              </a:rPr>
-              <a:t>Range predicate</a:t>
-            </a:r>
-            <a:endParaRPr lang="en-US" dirty="0">
-              <a:solidFill>
-                <a:schemeClr val="tx1"/>
-              </a:solidFill>
-            </a:endParaRPr>
-          </a:p>
-        </p:txBody>
-      </p:sp>
-      <p:sp>
-        <p:nvSpPr>
-          <p:cNvPr id="9" name="Rectangle 8"/>
-          <p:cNvSpPr/>
-          <p:nvPr/>
-        </p:nvSpPr>
-        <p:spPr>
-          <a:xfrm>
-            <a:off x="6413500" y="3149600"/>
-            <a:ext cx="1651000" cy="876300"/>
-          </a:xfrm>
-          <a:prstGeom prst="rect">
-            <a:avLst/>
-          </a:prstGeom>
-          <a:noFill/>
-          <a:ln>
-            <a:solidFill>
-              <a:schemeClr val="tx1"/>
-            </a:solidFill>
-          </a:ln>
-          <a:effectLst/>
-        </p:spPr>
-        <p:style>
-          <a:lnRef idx="1">
-            <a:schemeClr val="accent1"/>
-          </a:lnRef>
-          <a:fillRef idx="3">
-            <a:schemeClr val="accent1"/>
-          </a:fillRef>
-          <a:effectRef idx="2">
-            <a:schemeClr val="accent1"/>
-          </a:effectRef>
-          <a:fontRef idx="minor">
-            <a:schemeClr val="lt1"/>
-          </a:fontRef>
-        </p:style>
-        <p:txBody>
-          <a:bodyPr rtlCol="0" anchor="ctr"/>
-          <a:lstStyle/>
-          <a:p>
-            <a:pPr algn="ctr"/>
-            <a:r>
-              <a:rPr lang="en-US" dirty="0" smtClean="0">
-                <a:solidFill>
-                  <a:schemeClr val="tx1"/>
-                </a:solidFill>
-              </a:rPr>
-              <a:t>Constraint solver</a:t>
-            </a:r>
-            <a:endParaRPr lang="en-US" dirty="0">
-              <a:solidFill>
-                <a:schemeClr val="tx1"/>
-              </a:solidFill>
-            </a:endParaRPr>
-          </a:p>
-        </p:txBody>
-      </p:sp>
-      <p:cxnSp>
-        <p:nvCxnSpPr>
-          <p:cNvPr id="11" name="Straight Arrow Connector 10"/>
-          <p:cNvCxnSpPr>
-            <a:stCxn id="4" idx="0"/>
-            <a:endCxn id="6" idx="1"/>
-          </p:cNvCxnSpPr>
-          <p:nvPr/>
-        </p:nvCxnSpPr>
-        <p:spPr>
-          <a:xfrm rot="5400000" flipH="1" flipV="1">
-            <a:off x="1955800" y="1587500"/>
-            <a:ext cx="996950" cy="2127250"/>
-          </a:xfrm>
-          <a:prstGeom prst="bentConnector2">
-            <a:avLst/>
-          </a:prstGeom>
-          <a:ln>
-            <a:solidFill>
-              <a:schemeClr val="tx1"/>
-            </a:solidFill>
-            <a:tailEnd type="arrow"/>
-          </a:ln>
-          <a:effectLst/>
-        </p:spPr>
-        <p:style>
-          <a:lnRef idx="2">
-            <a:schemeClr val="accent1"/>
-          </a:lnRef>
-          <a:fillRef idx="0">
-            <a:schemeClr val="accent1"/>
-          </a:fillRef>
-          <a:effectRef idx="1">
-            <a:schemeClr val="accent1"/>
-          </a:effectRef>
-          <a:fontRef idx="minor">
-            <a:schemeClr val="tx1"/>
-          </a:fontRef>
-        </p:style>
-      </p:cxnSp>
-      <p:cxnSp>
-        <p:nvCxnSpPr>
-          <p:cNvPr id="12" name="Straight Arrow Connector 10"/>
-          <p:cNvCxnSpPr>
-            <a:stCxn id="4" idx="2"/>
-            <a:endCxn id="8" idx="1"/>
-          </p:cNvCxnSpPr>
-          <p:nvPr/>
-        </p:nvCxnSpPr>
-        <p:spPr>
-          <a:xfrm rot="16200000" flipH="1">
-            <a:off x="1981200" y="3435350"/>
-            <a:ext cx="946150" cy="2127250"/>
-          </a:xfrm>
-          <a:prstGeom prst="bentConnector2">
-            <a:avLst/>
-          </a:prstGeom>
-          <a:ln>
-            <a:solidFill>
-              <a:schemeClr val="tx1"/>
-            </a:solidFill>
-            <a:tailEnd type="arrow"/>
-          </a:ln>
-          <a:effectLst/>
-        </p:spPr>
-        <p:style>
-          <a:lnRef idx="2">
-            <a:schemeClr val="accent1"/>
-          </a:lnRef>
-          <a:fillRef idx="0">
-            <a:schemeClr val="accent1"/>
-          </a:fillRef>
-          <a:effectRef idx="1">
-            <a:schemeClr val="accent1"/>
-          </a:effectRef>
-          <a:fontRef idx="minor">
-            <a:schemeClr val="tx1"/>
-          </a:fontRef>
-        </p:style>
-      </p:cxnSp>
-      <p:cxnSp>
-        <p:nvCxnSpPr>
-          <p:cNvPr id="15" name="Straight Arrow Connector 10"/>
-          <p:cNvCxnSpPr>
-            <a:stCxn id="4" idx="3"/>
-            <a:endCxn id="7" idx="1"/>
-          </p:cNvCxnSpPr>
-          <p:nvPr/>
-        </p:nvCxnSpPr>
-        <p:spPr>
-          <a:xfrm>
-            <a:off x="2197100" y="3587750"/>
-            <a:ext cx="1320800" cy="6350"/>
-          </a:xfrm>
-          <a:prstGeom prst="straightConnector1">
-            <a:avLst/>
-          </a:prstGeom>
-          <a:ln>
-            <a:solidFill>
-              <a:schemeClr val="tx1"/>
-            </a:solidFill>
-            <a:tailEnd type="arrow"/>
-          </a:ln>
-          <a:effectLst/>
-        </p:spPr>
-        <p:style>
-          <a:lnRef idx="2">
-            <a:schemeClr val="accent1"/>
-          </a:lnRef>
-          <a:fillRef idx="0">
-            <a:schemeClr val="accent1"/>
-          </a:fillRef>
-          <a:effectRef idx="1">
-            <a:schemeClr val="accent1"/>
-          </a:effectRef>
-          <a:fontRef idx="minor">
-            <a:schemeClr val="tx1"/>
-          </a:fontRef>
-        </p:style>
-      </p:cxnSp>
-      <p:cxnSp>
-        <p:nvCxnSpPr>
-          <p:cNvPr id="21" name="Straight Arrow Connector 10"/>
-          <p:cNvCxnSpPr>
-            <a:stCxn id="7" idx="3"/>
-            <a:endCxn id="9" idx="1"/>
-          </p:cNvCxnSpPr>
-          <p:nvPr/>
-        </p:nvCxnSpPr>
-        <p:spPr>
-          <a:xfrm flipV="1">
-            <a:off x="4902200" y="3587750"/>
-            <a:ext cx="1511300" cy="6350"/>
-          </a:xfrm>
-          <a:prstGeom prst="straightConnector1">
-            <a:avLst/>
-          </a:prstGeom>
-          <a:ln>
-            <a:solidFill>
-              <a:schemeClr val="tx1"/>
-            </a:solidFill>
-            <a:tailEnd type="arrow"/>
-          </a:ln>
-          <a:effectLst/>
-        </p:spPr>
-        <p:style>
-          <a:lnRef idx="2">
-            <a:schemeClr val="accent1"/>
-          </a:lnRef>
-          <a:fillRef idx="0">
-            <a:schemeClr val="accent1"/>
-          </a:fillRef>
-          <a:effectRef idx="1">
-            <a:schemeClr val="accent1"/>
-          </a:effectRef>
-          <a:fontRef idx="minor">
-            <a:schemeClr val="tx1"/>
-          </a:fontRef>
-        </p:style>
-      </p:cxnSp>
-      <p:cxnSp>
-        <p:nvCxnSpPr>
-          <p:cNvPr id="24" name="Straight Arrow Connector 10"/>
-          <p:cNvCxnSpPr>
-            <a:stCxn id="6" idx="3"/>
-            <a:endCxn id="9" idx="0"/>
-          </p:cNvCxnSpPr>
-          <p:nvPr/>
-        </p:nvCxnSpPr>
-        <p:spPr>
-          <a:xfrm>
-            <a:off x="4902200" y="2152650"/>
-            <a:ext cx="2336800" cy="996950"/>
-          </a:xfrm>
-          <a:prstGeom prst="bentConnector2">
-            <a:avLst/>
-          </a:prstGeom>
-          <a:ln>
-            <a:solidFill>
-              <a:schemeClr val="tx1"/>
-            </a:solidFill>
-            <a:tailEnd type="arrow"/>
-          </a:ln>
-          <a:effectLst/>
-        </p:spPr>
-        <p:style>
-          <a:lnRef idx="2">
-            <a:schemeClr val="accent1"/>
-          </a:lnRef>
-          <a:fillRef idx="0">
-            <a:schemeClr val="accent1"/>
-          </a:fillRef>
-          <a:effectRef idx="1">
-            <a:schemeClr val="accent1"/>
-          </a:effectRef>
-          <a:fontRef idx="minor">
-            <a:schemeClr val="tx1"/>
-          </a:fontRef>
-        </p:style>
-      </p:cxnSp>
-      <p:cxnSp>
-        <p:nvCxnSpPr>
-          <p:cNvPr id="29" name="Straight Arrow Connector 10"/>
-          <p:cNvCxnSpPr>
-            <a:stCxn id="8" idx="3"/>
-            <a:endCxn id="9" idx="2"/>
-          </p:cNvCxnSpPr>
-          <p:nvPr/>
-        </p:nvCxnSpPr>
-        <p:spPr>
-          <a:xfrm flipV="1">
-            <a:off x="4902200" y="4025900"/>
-            <a:ext cx="2336800" cy="946150"/>
-          </a:xfrm>
-          <a:prstGeom prst="bentConnector2">
-            <a:avLst/>
-          </a:prstGeom>
-          <a:ln>
-            <a:solidFill>
-              <a:schemeClr val="tx1"/>
-            </a:solidFill>
-            <a:tailEnd type="arrow"/>
-          </a:ln>
-          <a:effectLst/>
-        </p:spPr>
-        <p:style>
-          <a:lnRef idx="2">
-            <a:schemeClr val="accent1"/>
-          </a:lnRef>
-          <a:fillRef idx="0">
-            <a:schemeClr val="accent1"/>
-          </a:fillRef>
-          <a:effectRef idx="1">
-            <a:schemeClr val="accent1"/>
-          </a:effectRef>
-          <a:fontRef idx="minor">
-            <a:schemeClr val="tx1"/>
-          </a:fontRef>
-        </p:style>
-      </p:cxnSp>
-      <p:sp>
-        <p:nvSpPr>
-          <p:cNvPr id="45" name="Oval Callout 44"/>
-          <p:cNvSpPr/>
-          <p:nvPr/>
-        </p:nvSpPr>
-        <p:spPr>
-          <a:xfrm>
-            <a:off x="4930775" y="1104900"/>
-            <a:ext cx="1851025" cy="750888"/>
-          </a:xfrm>
-          <a:prstGeom prst="wedgeEllipseCallout">
-            <a:avLst>
-              <a:gd name="adj1" fmla="val -68836"/>
-              <a:gd name="adj2" fmla="val 85658"/>
-            </a:avLst>
-          </a:prstGeom>
-        </p:spPr>
-        <p:style>
-          <a:lnRef idx="1">
-            <a:schemeClr val="accent1"/>
-          </a:lnRef>
-          <a:fillRef idx="3">
-            <a:schemeClr val="accent1"/>
-          </a:fillRef>
-          <a:effectRef idx="2">
-            <a:schemeClr val="accent1"/>
-          </a:effectRef>
-          <a:fontRef idx="minor">
-            <a:schemeClr val="lt1"/>
-          </a:fontRef>
-        </p:style>
-        <p:txBody>
-          <a:bodyPr rtlCol="0" anchor="ctr"/>
-          <a:lstStyle/>
-          <a:p>
-            <a:pPr algn="ctr"/>
-            <a:r>
-              <a:rPr lang="en-US" dirty="0" smtClean="0"/>
-              <a:t>Can the op go wrong?</a:t>
-            </a:r>
-            <a:endParaRPr lang="en-US" dirty="0"/>
-          </a:p>
-        </p:txBody>
-      </p:sp>
-      <p:sp>
-        <p:nvSpPr>
-          <p:cNvPr id="46" name="Oval Callout 45"/>
-          <p:cNvSpPr/>
-          <p:nvPr/>
-        </p:nvSpPr>
-        <p:spPr>
-          <a:xfrm>
-            <a:off x="4902200" y="2387600"/>
-            <a:ext cx="1879600" cy="768350"/>
-          </a:xfrm>
-          <a:prstGeom prst="wedgeEllipseCallout">
-            <a:avLst>
-              <a:gd name="adj1" fmla="val -66740"/>
-              <a:gd name="adj2" fmla="val 90725"/>
-            </a:avLst>
-          </a:prstGeom>
-        </p:spPr>
-        <p:style>
-          <a:lnRef idx="1">
-            <a:schemeClr val="accent1"/>
-          </a:lnRef>
-          <a:fillRef idx="3">
-            <a:schemeClr val="accent1"/>
-          </a:fillRef>
-          <a:effectRef idx="2">
-            <a:schemeClr val="accent1"/>
-          </a:effectRef>
-          <a:fontRef idx="minor">
-            <a:schemeClr val="lt1"/>
-          </a:fontRef>
-        </p:style>
-        <p:txBody>
-          <a:bodyPr rtlCol="0" anchor="ctr"/>
-          <a:lstStyle/>
-          <a:p>
-            <a:pPr algn="ctr"/>
-            <a:r>
-              <a:rPr lang="en-US" dirty="0" smtClean="0"/>
-              <a:t>Is the op reachable?</a:t>
-            </a:r>
-            <a:endParaRPr lang="en-US" dirty="0"/>
-          </a:p>
-        </p:txBody>
-      </p:sp>
-      <p:sp>
-        <p:nvSpPr>
-          <p:cNvPr id="47" name="Oval Callout 46"/>
-          <p:cNvSpPr/>
-          <p:nvPr/>
-        </p:nvSpPr>
-        <p:spPr>
-          <a:xfrm>
-            <a:off x="4902200" y="3860800"/>
-            <a:ext cx="2438400" cy="730250"/>
-          </a:xfrm>
-          <a:prstGeom prst="wedgeEllipseCallout">
-            <a:avLst>
-              <a:gd name="adj1" fmla="val -66064"/>
-              <a:gd name="adj2" fmla="val 78225"/>
-            </a:avLst>
-          </a:prstGeom>
-        </p:spPr>
-        <p:style>
-          <a:lnRef idx="1">
-            <a:schemeClr val="accent1"/>
-          </a:lnRef>
-          <a:fillRef idx="3">
-            <a:schemeClr val="accent1"/>
-          </a:fillRef>
-          <a:effectRef idx="2">
-            <a:schemeClr val="accent1"/>
-          </a:effectRef>
-          <a:fontRef idx="minor">
-            <a:schemeClr val="lt1"/>
-          </a:fontRef>
-        </p:style>
-        <p:txBody>
-          <a:bodyPr rtlCol="0" anchor="ctr"/>
-          <a:lstStyle/>
-          <a:p>
-            <a:pPr algn="ctr"/>
-            <a:r>
-              <a:rPr lang="en-US" dirty="0" smtClean="0"/>
-              <a:t>Constraints across functions</a:t>
-            </a:r>
-            <a:endParaRPr lang="en-US" dirty="0"/>
-          </a:p>
-        </p:txBody>
-      </p:sp>
-    </p:spTree>
-    <p:extLst>
-      <p:ext uri="{BB962C8B-B14F-4D97-AF65-F5344CB8AC3E}">
-        <p14:creationId xmlns:p14="http://schemas.microsoft.com/office/powerpoint/2010/main" val="684725727"/>
-      </p:ext>
-    </p:extLst>
-  </p:cSld>
-  <p:clrMapOvr>
-    <a:masterClrMapping/>
-  </p:clrMapOvr>
-  <p:timing>
-    <p:tnLst>
-      <p:par>
-        <p:cTn xmlns:p14="http://schemas.microsoft.com/office/powerpoint/2010/main" id="1" dur="indefinite" restart="never" nodeType="tmRoot">
-          <p:childTnLst>
-            <p:seq concurrent="1" nextAc="seek">
-              <p:cTn id="2" dur="indefinite" nodeType="mainSeq">
-                <p:childTnLst>
-                  <p:par>
-                    <p:cTn id="3" fill="hold">
-                      <p:stCondLst>
-                        <p:cond delay="indefinite"/>
-                      </p:stCondLst>
-                      <p:childTnLst>
-                        <p:par>
-                          <p:cTn id="4" fill="hold">
-                            <p:stCondLst>
-                              <p:cond delay="0"/>
-                            </p:stCondLst>
-                            <p:childTnLst>
-                              <p:par>
-                                <p:cTn id="5" presetID="1" presetClass="entr" presetSubtype="0" fill="hold" grpId="0" nodeType="clickEffect">
-                                  <p:stCondLst>
-                                    <p:cond delay="0"/>
-                                  </p:stCondLst>
-                                  <p:childTnLst>
-                                    <p:set>
-                                      <p:cBhvr>
-                                        <p:cTn id="6" dur="1" fill="hold">
-                                          <p:stCondLst>
-                                            <p:cond delay="0"/>
-                                          </p:stCondLst>
-                                        </p:cTn>
-                                        <p:tgtEl>
-                                          <p:spTgt spid="45"/>
-                                        </p:tgtEl>
-                                        <p:attrNameLst>
-                                          <p:attrName>style.visibility</p:attrName>
-                                        </p:attrNameLst>
-                                      </p:cBhvr>
-                                      <p:to>
-                                        <p:strVal val="visible"/>
-                                      </p:to>
-                                    </p:set>
-                                  </p:childTnLst>
-                                </p:cTn>
-                              </p:par>
-                            </p:childTnLst>
-                          </p:cTn>
-                        </p:par>
-                      </p:childTnLst>
-                    </p:cTn>
-                  </p:par>
-                  <p:par>
-                    <p:cTn id="7" fill="hold">
-                      <p:stCondLst>
-                        <p:cond delay="indefinite"/>
-                      </p:stCondLst>
-                      <p:childTnLst>
-                        <p:par>
-                          <p:cTn id="8" fill="hold">
-                            <p:stCondLst>
-                              <p:cond delay="0"/>
-                            </p:stCondLst>
-                            <p:childTnLst>
-                              <p:par>
-                                <p:cTn id="9" presetID="1" presetClass="entr" presetSubtype="0" fill="hold" grpId="0" nodeType="clickEffect">
-                                  <p:stCondLst>
-                                    <p:cond delay="0"/>
-                                  </p:stCondLst>
-                                  <p:childTnLst>
-                                    <p:set>
-                                      <p:cBhvr>
-                                        <p:cTn id="10" dur="1" fill="hold">
-                                          <p:stCondLst>
-                                            <p:cond delay="0"/>
-                                          </p:stCondLst>
-                                        </p:cTn>
-                                        <p:tgtEl>
-                                          <p:spTgt spid="46"/>
-                                        </p:tgtEl>
-                                        <p:attrNameLst>
-                                          <p:attrName>style.visibility</p:attrName>
-                                        </p:attrNameLst>
-                                      </p:cBhvr>
-                                      <p:to>
-                                        <p:strVal val="visible"/>
-                                      </p:to>
-                                    </p:set>
-                                  </p:childTnLst>
-                                </p:cTn>
-                              </p:par>
-                            </p:childTnLst>
-                          </p:cTn>
-                        </p:par>
-                      </p:childTnLst>
-                    </p:cTn>
-                  </p:par>
-                  <p:par>
-                    <p:cTn id="11" fill="hold">
-                      <p:stCondLst>
-                        <p:cond delay="indefinite"/>
-                      </p:stCondLst>
-                      <p:childTnLst>
-                        <p:par>
-                          <p:cTn id="12" fill="hold">
-                            <p:stCondLst>
-                              <p:cond delay="0"/>
-                            </p:stCondLst>
-                            <p:childTnLst>
-                              <p:par>
-                                <p:cTn id="13" presetID="1" presetClass="entr" presetSubtype="0" fill="hold" grpId="0" nodeType="clickEffect">
-                                  <p:stCondLst>
-                                    <p:cond delay="0"/>
-                                  </p:stCondLst>
-                                  <p:childTnLst>
-                                    <p:set>
-                                      <p:cBhvr>
-                                        <p:cTn id="14" dur="1" fill="hold">
-                                          <p:stCondLst>
-                                            <p:cond delay="0"/>
-                                          </p:stCondLst>
-                                        </p:cTn>
-                                        <p:tgtEl>
-                                          <p:spTgt spid="47"/>
-                                        </p:tgtEl>
-                                        <p:attrNameLst>
-                                          <p:attrName>style.visibility</p:attrName>
-                                        </p:attrNameLst>
-                                      </p:cBhvr>
-                                      <p:to>
-                                        <p:strVal val="visible"/>
-                                      </p:to>
-                                    </p:set>
-                                  </p:childTnLst>
-                                </p:cTn>
-                              </p:par>
-                            </p:childTnLst>
-                          </p:cTn>
-                        </p:par>
-                      </p:childTnLst>
-                    </p:cTn>
-                  </p:par>
-                </p:childTnLst>
-              </p:cTn>
-              <p:prevCondLst>
-                <p:cond evt="onPrev" delay="0">
-                  <p:tgtEl>
-                    <p:sldTgt/>
-                  </p:tgtEl>
-                </p:cond>
-              </p:prevCondLst>
-              <p:nextCondLst>
-                <p:cond evt="onNext" delay="0">
-                  <p:tgtEl>
-                    <p:sldTgt/>
-                  </p:tgtEl>
-                </p:cond>
-              </p:nextCondLst>
-            </p:seq>
-          </p:childTnLst>
-        </p:cTn>
-      </p:par>
-    </p:tnLst>
-    <p:bldLst>
-      <p:bldP spid="45" grpId="0" animBg="1"/>
-      <p:bldP spid="46" grpId="0" animBg="1"/>
-      <p:bldP spid="47" grpId="0" animBg="1"/>
-    </p:bldLst>
-  </p:timing>
-</p:sld>
-</file>
-
-<file path=ppt/slides/slide11.xml><?xml version="1.0" encoding="utf-8"?>
 <p:sld xmlns:a="http://schemas.openxmlformats.org/drawingml/2006/main" xmlns:r="http://schemas.openxmlformats.org/officeDocument/2006/relationships" xmlns:p="http://schemas.openxmlformats.org/presentationml/2006/main">
   <p:cSld>
     <p:spTree>
@@ -6418,7 +5534,7 @@
 </p:sld>
 </file>
 
-<file path=ppt/slides/slide12.xml><?xml version="1.0" encoding="utf-8"?>
+<file path=ppt/slides/slide11.xml><?xml version="1.0" encoding="utf-8"?>
 <p:sld xmlns:a="http://schemas.openxmlformats.org/drawingml/2006/main" xmlns:r="http://schemas.openxmlformats.org/officeDocument/2006/relationships" xmlns:p="http://schemas.openxmlformats.org/presentationml/2006/main">
   <p:cSld>
     <p:spTree>
@@ -6470,7 +5586,7 @@
         </p:nvSpPr>
         <p:spPr>
           <a:xfrm>
-            <a:off x="918800" y="3702359"/>
+            <a:off x="1029423" y="3740459"/>
             <a:ext cx="6668518" cy="2260347"/>
           </a:xfrm>
         </p:spPr>
@@ -6883,7 +5999,7 @@
         </p:nvSpPr>
         <p:spPr>
           <a:xfrm>
-            <a:off x="5368846" y="1920335"/>
+            <a:off x="5479469" y="1958435"/>
             <a:ext cx="2218472" cy="365943"/>
           </a:xfrm>
           <a:prstGeom prst="rect">
@@ -6958,7 +6074,7 @@
         </p:nvSpPr>
         <p:spPr>
           <a:xfrm>
-            <a:off x="5368846" y="1554392"/>
+            <a:off x="5479469" y="1592492"/>
             <a:ext cx="2218472" cy="365943"/>
           </a:xfrm>
           <a:prstGeom prst="rect">
@@ -7020,7 +6136,7 @@
         </p:nvSpPr>
         <p:spPr>
           <a:xfrm>
-            <a:off x="918800" y="1554258"/>
+            <a:off x="1029423" y="1592358"/>
             <a:ext cx="4258063" cy="1719262"/>
           </a:xfrm>
           <a:prstGeom prst="rect">
@@ -7357,7 +6473,7 @@
         </p:nvSpPr>
         <p:spPr>
           <a:xfrm>
-            <a:off x="497500" y="4009017"/>
+            <a:off x="608123" y="4047117"/>
             <a:ext cx="300613" cy="267888"/>
           </a:xfrm>
           <a:prstGeom prst="rightArrow">
@@ -7403,7 +6519,7 @@
         </p:blipFill>
         <p:spPr>
           <a:xfrm>
-            <a:off x="3336280" y="3022527"/>
+            <a:off x="3446903" y="3060627"/>
             <a:ext cx="960862" cy="960862"/>
           </a:xfrm>
           <a:prstGeom prst="rect">
@@ -7427,7 +6543,7 @@
         </p:blipFill>
         <p:spPr>
           <a:xfrm>
-            <a:off x="4210124" y="3086027"/>
+            <a:off x="4320747" y="3124127"/>
             <a:ext cx="641383" cy="635418"/>
           </a:xfrm>
           <a:prstGeom prst="rect">
@@ -7443,7 +6559,7 @@
         </p:nvSpPr>
         <p:spPr>
           <a:xfrm>
-            <a:off x="5416971" y="3018297"/>
+            <a:off x="5527594" y="3056397"/>
             <a:ext cx="3159206" cy="575672"/>
           </a:xfrm>
           <a:prstGeom prst="wedgeEllipseCallout">
@@ -7520,7 +6636,7 @@
         </p:nvSpPr>
         <p:spPr>
           <a:xfrm>
-            <a:off x="5368845" y="2287344"/>
+            <a:off x="5479468" y="2325444"/>
             <a:ext cx="2218474" cy="579806"/>
           </a:xfrm>
           <a:prstGeom prst="rect">
@@ -8286,7 +7402,7 @@
 </p:sld>
 </file>
 
-<file path=ppt/slides/slide13.xml><?xml version="1.0" encoding="utf-8"?>
+<file path=ppt/slides/slide12.xml><?xml version="1.0" encoding="utf-8"?>
 <p:sld xmlns:a="http://schemas.openxmlformats.org/drawingml/2006/main" xmlns:r="http://schemas.openxmlformats.org/officeDocument/2006/relationships" xmlns:p="http://schemas.openxmlformats.org/presentationml/2006/main">
   <p:cSld>
     <p:spTree>
@@ -8320,7 +7436,7 @@
           <a:p>
             <a:r>
               <a:rPr lang="en-US" dirty="0" smtClean="0"/>
-              <a:t>Fixing integer errors is non-trivial</a:t>
+              <a:t>Fixing integer error is non-trivial</a:t>
             </a:r>
             <a:endParaRPr lang="en-US" dirty="0"/>
           </a:p>
@@ -9280,6 +8396,889 @@
 </p:sld>
 </file>
 
+<file path=ppt/slides/slide13.xml><?xml version="1.0" encoding="utf-8"?>
+<p:sld xmlns:a="http://schemas.openxmlformats.org/drawingml/2006/main" xmlns:r="http://schemas.openxmlformats.org/officeDocument/2006/relationships" xmlns:p="http://schemas.openxmlformats.org/presentationml/2006/main">
+  <p:cSld>
+    <p:spTree>
+      <p:nvGrpSpPr>
+        <p:cNvPr id="1" name=""/>
+        <p:cNvGrpSpPr/>
+        <p:nvPr/>
+      </p:nvGrpSpPr>
+      <p:grpSpPr>
+        <a:xfrm>
+          <a:off x="0" y="0"/>
+          <a:ext cx="0" cy="0"/>
+          <a:chOff x="0" y="0"/>
+          <a:chExt cx="0" cy="0"/>
+        </a:xfrm>
+      </p:grpSpPr>
+      <p:sp>
+        <p:nvSpPr>
+          <p:cNvPr id="2" name="Title 1"/>
+          <p:cNvSpPr>
+            <a:spLocks noGrp="1"/>
+          </p:cNvSpPr>
+          <p:nvPr>
+            <p:ph type="title"/>
+          </p:nvPr>
+        </p:nvSpPr>
+        <p:spPr/>
+        <p:txBody>
+          <a:bodyPr/>
+          <a:lstStyle/>
+          <a:p>
+            <a:r>
+              <a:rPr lang="en-US" dirty="0" smtClean="0"/>
+              <a:t>KINT Overview</a:t>
+            </a:r>
+            <a:endParaRPr lang="en-US" dirty="0"/>
+          </a:p>
+        </p:txBody>
+      </p:sp>
+      <p:sp>
+        <p:nvSpPr>
+          <p:cNvPr id="4" name="Rectangle 3"/>
+          <p:cNvSpPr/>
+          <p:nvPr/>
+        </p:nvSpPr>
+        <p:spPr>
+          <a:xfrm>
+            <a:off x="584200" y="3149600"/>
+            <a:ext cx="1612900" cy="876300"/>
+          </a:xfrm>
+          <a:prstGeom prst="rect">
+            <a:avLst/>
+          </a:prstGeom>
+          <a:noFill/>
+          <a:ln>
+            <a:solidFill>
+              <a:schemeClr val="tx1"/>
+            </a:solidFill>
+          </a:ln>
+          <a:effectLst/>
+        </p:spPr>
+        <p:style>
+          <a:lnRef idx="1">
+            <a:schemeClr val="accent1"/>
+          </a:lnRef>
+          <a:fillRef idx="3">
+            <a:schemeClr val="accent1"/>
+          </a:fillRef>
+          <a:effectRef idx="2">
+            <a:schemeClr val="accent1"/>
+          </a:effectRef>
+          <a:fontRef idx="minor">
+            <a:schemeClr val="lt1"/>
+          </a:fontRef>
+        </p:style>
+        <p:txBody>
+          <a:bodyPr rtlCol="0" anchor="ctr"/>
+          <a:lstStyle/>
+          <a:p>
+            <a:pPr algn="ctr"/>
+            <a:r>
+              <a:rPr lang="en-US" sz="2000" dirty="0" smtClean="0">
+                <a:solidFill>
+                  <a:schemeClr val="tx1"/>
+                </a:solidFill>
+              </a:rPr>
+              <a:t>LLVM IR &amp; annotations</a:t>
+            </a:r>
+            <a:endParaRPr lang="en-US" sz="2000" dirty="0">
+              <a:solidFill>
+                <a:schemeClr val="tx1"/>
+              </a:solidFill>
+            </a:endParaRPr>
+          </a:p>
+        </p:txBody>
+      </p:sp>
+      <p:sp>
+        <p:nvSpPr>
+          <p:cNvPr id="6" name="Rectangle 5"/>
+          <p:cNvSpPr/>
+          <p:nvPr/>
+        </p:nvSpPr>
+        <p:spPr>
+          <a:xfrm>
+            <a:off x="3517900" y="1714500"/>
+            <a:ext cx="1384300" cy="876300"/>
+          </a:xfrm>
+          <a:prstGeom prst="rect">
+            <a:avLst/>
+          </a:prstGeom>
+          <a:noFill/>
+          <a:ln>
+            <a:solidFill>
+              <a:schemeClr val="tx1"/>
+            </a:solidFill>
+          </a:ln>
+          <a:effectLst/>
+        </p:spPr>
+        <p:style>
+          <a:lnRef idx="1">
+            <a:schemeClr val="accent1"/>
+          </a:lnRef>
+          <a:fillRef idx="3">
+            <a:schemeClr val="accent1"/>
+          </a:fillRef>
+          <a:effectRef idx="2">
+            <a:schemeClr val="accent1"/>
+          </a:effectRef>
+          <a:fontRef idx="minor">
+            <a:schemeClr val="lt1"/>
+          </a:fontRef>
+        </p:style>
+        <p:txBody>
+          <a:bodyPr rtlCol="0" anchor="ctr"/>
+          <a:lstStyle/>
+          <a:p>
+            <a:pPr algn="ctr"/>
+            <a:r>
+              <a:rPr lang="en-US" sz="2000" dirty="0" smtClean="0">
+                <a:solidFill>
+                  <a:schemeClr val="tx1"/>
+                </a:solidFill>
+              </a:rPr>
+              <a:t>Error predicate</a:t>
+            </a:r>
+            <a:endParaRPr lang="en-US" sz="2000" dirty="0">
+              <a:solidFill>
+                <a:schemeClr val="tx1"/>
+              </a:solidFill>
+            </a:endParaRPr>
+          </a:p>
+        </p:txBody>
+      </p:sp>
+      <p:sp>
+        <p:nvSpPr>
+          <p:cNvPr id="7" name="Rectangle 6"/>
+          <p:cNvSpPr/>
+          <p:nvPr/>
+        </p:nvSpPr>
+        <p:spPr>
+          <a:xfrm>
+            <a:off x="3517900" y="3155950"/>
+            <a:ext cx="1384300" cy="876300"/>
+          </a:xfrm>
+          <a:prstGeom prst="rect">
+            <a:avLst/>
+          </a:prstGeom>
+          <a:noFill/>
+          <a:ln>
+            <a:solidFill>
+              <a:schemeClr val="tx1"/>
+            </a:solidFill>
+          </a:ln>
+          <a:effectLst/>
+        </p:spPr>
+        <p:style>
+          <a:lnRef idx="1">
+            <a:schemeClr val="accent1"/>
+          </a:lnRef>
+          <a:fillRef idx="3">
+            <a:schemeClr val="accent1"/>
+          </a:fillRef>
+          <a:effectRef idx="2">
+            <a:schemeClr val="accent1"/>
+          </a:effectRef>
+          <a:fontRef idx="minor">
+            <a:schemeClr val="lt1"/>
+          </a:fontRef>
+        </p:style>
+        <p:txBody>
+          <a:bodyPr rtlCol="0" anchor="ctr"/>
+          <a:lstStyle/>
+          <a:p>
+            <a:pPr algn="ctr"/>
+            <a:r>
+              <a:rPr lang="en-US" sz="2000" dirty="0" smtClean="0">
+                <a:solidFill>
+                  <a:schemeClr val="tx1"/>
+                </a:solidFill>
+              </a:rPr>
+              <a:t>Path predicate</a:t>
+            </a:r>
+            <a:endParaRPr lang="en-US" sz="2000" dirty="0">
+              <a:solidFill>
+                <a:schemeClr val="tx1"/>
+              </a:solidFill>
+            </a:endParaRPr>
+          </a:p>
+        </p:txBody>
+      </p:sp>
+      <p:sp>
+        <p:nvSpPr>
+          <p:cNvPr id="8" name="Rectangle 7"/>
+          <p:cNvSpPr/>
+          <p:nvPr/>
+        </p:nvSpPr>
+        <p:spPr>
+          <a:xfrm>
+            <a:off x="3517900" y="4533900"/>
+            <a:ext cx="1384300" cy="876300"/>
+          </a:xfrm>
+          <a:prstGeom prst="rect">
+            <a:avLst/>
+          </a:prstGeom>
+          <a:noFill/>
+          <a:ln>
+            <a:solidFill>
+              <a:schemeClr val="tx1"/>
+            </a:solidFill>
+          </a:ln>
+          <a:effectLst/>
+        </p:spPr>
+        <p:style>
+          <a:lnRef idx="1">
+            <a:schemeClr val="accent1"/>
+          </a:lnRef>
+          <a:fillRef idx="3">
+            <a:schemeClr val="accent1"/>
+          </a:fillRef>
+          <a:effectRef idx="2">
+            <a:schemeClr val="accent1"/>
+          </a:effectRef>
+          <a:fontRef idx="minor">
+            <a:schemeClr val="lt1"/>
+          </a:fontRef>
+        </p:style>
+        <p:txBody>
+          <a:bodyPr rtlCol="0" anchor="ctr"/>
+          <a:lstStyle/>
+          <a:p>
+            <a:pPr algn="ctr"/>
+            <a:r>
+              <a:rPr lang="en-US" sz="2000" dirty="0" smtClean="0">
+                <a:solidFill>
+                  <a:schemeClr val="tx1"/>
+                </a:solidFill>
+              </a:rPr>
+              <a:t>Range predicate</a:t>
+            </a:r>
+            <a:endParaRPr lang="en-US" sz="2000" dirty="0">
+              <a:solidFill>
+                <a:schemeClr val="tx1"/>
+              </a:solidFill>
+            </a:endParaRPr>
+          </a:p>
+        </p:txBody>
+      </p:sp>
+      <p:sp>
+        <p:nvSpPr>
+          <p:cNvPr id="9" name="Rectangle 8"/>
+          <p:cNvSpPr/>
+          <p:nvPr/>
+        </p:nvSpPr>
+        <p:spPr>
+          <a:xfrm>
+            <a:off x="6413500" y="3149600"/>
+            <a:ext cx="1651000" cy="876300"/>
+          </a:xfrm>
+          <a:prstGeom prst="rect">
+            <a:avLst/>
+          </a:prstGeom>
+          <a:noFill/>
+          <a:ln>
+            <a:solidFill>
+              <a:schemeClr val="tx1"/>
+            </a:solidFill>
+          </a:ln>
+          <a:effectLst/>
+        </p:spPr>
+        <p:style>
+          <a:lnRef idx="1">
+            <a:schemeClr val="accent1"/>
+          </a:lnRef>
+          <a:fillRef idx="3">
+            <a:schemeClr val="accent1"/>
+          </a:fillRef>
+          <a:effectRef idx="2">
+            <a:schemeClr val="accent1"/>
+          </a:effectRef>
+          <a:fontRef idx="minor">
+            <a:schemeClr val="lt1"/>
+          </a:fontRef>
+        </p:style>
+        <p:txBody>
+          <a:bodyPr rtlCol="0" anchor="ctr"/>
+          <a:lstStyle/>
+          <a:p>
+            <a:pPr algn="ctr"/>
+            <a:r>
+              <a:rPr lang="en-US" sz="2000" dirty="0" smtClean="0">
+                <a:solidFill>
+                  <a:schemeClr val="tx1"/>
+                </a:solidFill>
+              </a:rPr>
+              <a:t>Constraint solver</a:t>
+            </a:r>
+            <a:endParaRPr lang="en-US" sz="2000" dirty="0">
+              <a:solidFill>
+                <a:schemeClr val="tx1"/>
+              </a:solidFill>
+            </a:endParaRPr>
+          </a:p>
+        </p:txBody>
+      </p:sp>
+      <p:cxnSp>
+        <p:nvCxnSpPr>
+          <p:cNvPr id="11" name="Straight Arrow Connector 10"/>
+          <p:cNvCxnSpPr>
+            <a:stCxn id="4" idx="0"/>
+            <a:endCxn id="6" idx="1"/>
+          </p:cNvCxnSpPr>
+          <p:nvPr/>
+        </p:nvCxnSpPr>
+        <p:spPr>
+          <a:xfrm rot="5400000" flipH="1" flipV="1">
+            <a:off x="1955800" y="1587500"/>
+            <a:ext cx="996950" cy="2127250"/>
+          </a:xfrm>
+          <a:prstGeom prst="bentConnector2">
+            <a:avLst/>
+          </a:prstGeom>
+          <a:ln>
+            <a:solidFill>
+              <a:schemeClr val="tx1"/>
+            </a:solidFill>
+            <a:tailEnd type="arrow"/>
+          </a:ln>
+          <a:effectLst/>
+        </p:spPr>
+        <p:style>
+          <a:lnRef idx="2">
+            <a:schemeClr val="accent1"/>
+          </a:lnRef>
+          <a:fillRef idx="0">
+            <a:schemeClr val="accent1"/>
+          </a:fillRef>
+          <a:effectRef idx="1">
+            <a:schemeClr val="accent1"/>
+          </a:effectRef>
+          <a:fontRef idx="minor">
+            <a:schemeClr val="tx1"/>
+          </a:fontRef>
+        </p:style>
+      </p:cxnSp>
+      <p:cxnSp>
+        <p:nvCxnSpPr>
+          <p:cNvPr id="12" name="Straight Arrow Connector 10"/>
+          <p:cNvCxnSpPr>
+            <a:stCxn id="4" idx="2"/>
+            <a:endCxn id="8" idx="1"/>
+          </p:cNvCxnSpPr>
+          <p:nvPr/>
+        </p:nvCxnSpPr>
+        <p:spPr>
+          <a:xfrm rot="16200000" flipH="1">
+            <a:off x="1981200" y="3435350"/>
+            <a:ext cx="946150" cy="2127250"/>
+          </a:xfrm>
+          <a:prstGeom prst="bentConnector2">
+            <a:avLst/>
+          </a:prstGeom>
+          <a:ln>
+            <a:solidFill>
+              <a:schemeClr val="tx1"/>
+            </a:solidFill>
+            <a:tailEnd type="arrow"/>
+          </a:ln>
+          <a:effectLst/>
+        </p:spPr>
+        <p:style>
+          <a:lnRef idx="2">
+            <a:schemeClr val="accent1"/>
+          </a:lnRef>
+          <a:fillRef idx="0">
+            <a:schemeClr val="accent1"/>
+          </a:fillRef>
+          <a:effectRef idx="1">
+            <a:schemeClr val="accent1"/>
+          </a:effectRef>
+          <a:fontRef idx="minor">
+            <a:schemeClr val="tx1"/>
+          </a:fontRef>
+        </p:style>
+      </p:cxnSp>
+      <p:cxnSp>
+        <p:nvCxnSpPr>
+          <p:cNvPr id="15" name="Straight Arrow Connector 10"/>
+          <p:cNvCxnSpPr>
+            <a:stCxn id="4" idx="3"/>
+            <a:endCxn id="7" idx="1"/>
+          </p:cNvCxnSpPr>
+          <p:nvPr/>
+        </p:nvCxnSpPr>
+        <p:spPr>
+          <a:xfrm>
+            <a:off x="2197100" y="3587750"/>
+            <a:ext cx="1320800" cy="6350"/>
+          </a:xfrm>
+          <a:prstGeom prst="straightConnector1">
+            <a:avLst/>
+          </a:prstGeom>
+          <a:ln>
+            <a:solidFill>
+              <a:schemeClr val="tx1"/>
+            </a:solidFill>
+            <a:tailEnd type="arrow"/>
+          </a:ln>
+          <a:effectLst/>
+        </p:spPr>
+        <p:style>
+          <a:lnRef idx="2">
+            <a:schemeClr val="accent1"/>
+          </a:lnRef>
+          <a:fillRef idx="0">
+            <a:schemeClr val="accent1"/>
+          </a:fillRef>
+          <a:effectRef idx="1">
+            <a:schemeClr val="accent1"/>
+          </a:effectRef>
+          <a:fontRef idx="minor">
+            <a:schemeClr val="tx1"/>
+          </a:fontRef>
+        </p:style>
+      </p:cxnSp>
+      <p:cxnSp>
+        <p:nvCxnSpPr>
+          <p:cNvPr id="21" name="Straight Arrow Connector 10"/>
+          <p:cNvCxnSpPr>
+            <a:stCxn id="7" idx="3"/>
+            <a:endCxn id="9" idx="1"/>
+          </p:cNvCxnSpPr>
+          <p:nvPr/>
+        </p:nvCxnSpPr>
+        <p:spPr>
+          <a:xfrm flipV="1">
+            <a:off x="4902200" y="3587750"/>
+            <a:ext cx="1511300" cy="6350"/>
+          </a:xfrm>
+          <a:prstGeom prst="straightConnector1">
+            <a:avLst/>
+          </a:prstGeom>
+          <a:ln>
+            <a:solidFill>
+              <a:schemeClr val="tx1"/>
+            </a:solidFill>
+            <a:tailEnd type="arrow"/>
+          </a:ln>
+          <a:effectLst/>
+        </p:spPr>
+        <p:style>
+          <a:lnRef idx="2">
+            <a:schemeClr val="accent1"/>
+          </a:lnRef>
+          <a:fillRef idx="0">
+            <a:schemeClr val="accent1"/>
+          </a:fillRef>
+          <a:effectRef idx="1">
+            <a:schemeClr val="accent1"/>
+          </a:effectRef>
+          <a:fontRef idx="minor">
+            <a:schemeClr val="tx1"/>
+          </a:fontRef>
+        </p:style>
+      </p:cxnSp>
+      <p:cxnSp>
+        <p:nvCxnSpPr>
+          <p:cNvPr id="24" name="Straight Arrow Connector 10"/>
+          <p:cNvCxnSpPr>
+            <a:stCxn id="6" idx="3"/>
+            <a:endCxn id="9" idx="0"/>
+          </p:cNvCxnSpPr>
+          <p:nvPr/>
+        </p:nvCxnSpPr>
+        <p:spPr>
+          <a:xfrm>
+            <a:off x="4902200" y="2152650"/>
+            <a:ext cx="2336800" cy="996950"/>
+          </a:xfrm>
+          <a:prstGeom prst="bentConnector2">
+            <a:avLst/>
+          </a:prstGeom>
+          <a:ln>
+            <a:solidFill>
+              <a:schemeClr val="tx1"/>
+            </a:solidFill>
+            <a:tailEnd type="arrow"/>
+          </a:ln>
+          <a:effectLst/>
+        </p:spPr>
+        <p:style>
+          <a:lnRef idx="2">
+            <a:schemeClr val="accent1"/>
+          </a:lnRef>
+          <a:fillRef idx="0">
+            <a:schemeClr val="accent1"/>
+          </a:fillRef>
+          <a:effectRef idx="1">
+            <a:schemeClr val="accent1"/>
+          </a:effectRef>
+          <a:fontRef idx="minor">
+            <a:schemeClr val="tx1"/>
+          </a:fontRef>
+        </p:style>
+      </p:cxnSp>
+      <p:cxnSp>
+        <p:nvCxnSpPr>
+          <p:cNvPr id="29" name="Straight Arrow Connector 10"/>
+          <p:cNvCxnSpPr>
+            <a:stCxn id="8" idx="3"/>
+            <a:endCxn id="9" idx="2"/>
+          </p:cNvCxnSpPr>
+          <p:nvPr/>
+        </p:nvCxnSpPr>
+        <p:spPr>
+          <a:xfrm flipV="1">
+            <a:off x="4902200" y="4025900"/>
+            <a:ext cx="2336800" cy="946150"/>
+          </a:xfrm>
+          <a:prstGeom prst="bentConnector2">
+            <a:avLst/>
+          </a:prstGeom>
+          <a:ln>
+            <a:solidFill>
+              <a:schemeClr val="tx1"/>
+            </a:solidFill>
+            <a:tailEnd type="arrow"/>
+          </a:ln>
+          <a:effectLst/>
+        </p:spPr>
+        <p:style>
+          <a:lnRef idx="2">
+            <a:schemeClr val="accent1"/>
+          </a:lnRef>
+          <a:fillRef idx="0">
+            <a:schemeClr val="accent1"/>
+          </a:fillRef>
+          <a:effectRef idx="1">
+            <a:schemeClr val="accent1"/>
+          </a:effectRef>
+          <a:fontRef idx="minor">
+            <a:schemeClr val="tx1"/>
+          </a:fontRef>
+        </p:style>
+      </p:cxnSp>
+      <p:sp>
+        <p:nvSpPr>
+          <p:cNvPr id="45" name="Oval Callout 44"/>
+          <p:cNvSpPr/>
+          <p:nvPr/>
+        </p:nvSpPr>
+        <p:spPr>
+          <a:xfrm>
+            <a:off x="4930775" y="1104900"/>
+            <a:ext cx="1851025" cy="750888"/>
+          </a:xfrm>
+          <a:prstGeom prst="wedgeEllipseCallout">
+            <a:avLst>
+              <a:gd name="adj1" fmla="val -68836"/>
+              <a:gd name="adj2" fmla="val 85658"/>
+            </a:avLst>
+          </a:prstGeom>
+        </p:spPr>
+        <p:style>
+          <a:lnRef idx="1">
+            <a:schemeClr val="accent1"/>
+          </a:lnRef>
+          <a:fillRef idx="3">
+            <a:schemeClr val="accent1"/>
+          </a:fillRef>
+          <a:effectRef idx="2">
+            <a:schemeClr val="accent1"/>
+          </a:effectRef>
+          <a:fontRef idx="minor">
+            <a:schemeClr val="lt1"/>
+          </a:fontRef>
+        </p:style>
+        <p:txBody>
+          <a:bodyPr rtlCol="0" anchor="ctr"/>
+          <a:lstStyle/>
+          <a:p>
+            <a:pPr algn="ctr"/>
+            <a:r>
+              <a:rPr lang="en-US" dirty="0" smtClean="0"/>
+              <a:t>Can the op go wrong?</a:t>
+            </a:r>
+            <a:endParaRPr lang="en-US" dirty="0"/>
+          </a:p>
+        </p:txBody>
+      </p:sp>
+      <p:sp>
+        <p:nvSpPr>
+          <p:cNvPr id="46" name="Oval Callout 45"/>
+          <p:cNvSpPr/>
+          <p:nvPr/>
+        </p:nvSpPr>
+        <p:spPr>
+          <a:xfrm>
+            <a:off x="4902200" y="2387600"/>
+            <a:ext cx="1879600" cy="768350"/>
+          </a:xfrm>
+          <a:prstGeom prst="wedgeEllipseCallout">
+            <a:avLst>
+              <a:gd name="adj1" fmla="val -66740"/>
+              <a:gd name="adj2" fmla="val 90725"/>
+            </a:avLst>
+          </a:prstGeom>
+        </p:spPr>
+        <p:style>
+          <a:lnRef idx="1">
+            <a:schemeClr val="accent1"/>
+          </a:lnRef>
+          <a:fillRef idx="3">
+            <a:schemeClr val="accent1"/>
+          </a:fillRef>
+          <a:effectRef idx="2">
+            <a:schemeClr val="accent1"/>
+          </a:effectRef>
+          <a:fontRef idx="minor">
+            <a:schemeClr val="lt1"/>
+          </a:fontRef>
+        </p:style>
+        <p:txBody>
+          <a:bodyPr rtlCol="0" anchor="ctr"/>
+          <a:lstStyle/>
+          <a:p>
+            <a:pPr algn="ctr"/>
+            <a:r>
+              <a:rPr lang="en-US" dirty="0" smtClean="0"/>
+              <a:t>Is the op reachable?</a:t>
+            </a:r>
+            <a:endParaRPr lang="en-US" dirty="0"/>
+          </a:p>
+        </p:txBody>
+      </p:sp>
+      <p:sp>
+        <p:nvSpPr>
+          <p:cNvPr id="47" name="Oval Callout 46"/>
+          <p:cNvSpPr/>
+          <p:nvPr/>
+        </p:nvSpPr>
+        <p:spPr>
+          <a:xfrm>
+            <a:off x="4902200" y="3860800"/>
+            <a:ext cx="2438400" cy="730250"/>
+          </a:xfrm>
+          <a:prstGeom prst="wedgeEllipseCallout">
+            <a:avLst>
+              <a:gd name="adj1" fmla="val -66064"/>
+              <a:gd name="adj2" fmla="val 78225"/>
+            </a:avLst>
+          </a:prstGeom>
+        </p:spPr>
+        <p:style>
+          <a:lnRef idx="1">
+            <a:schemeClr val="accent1"/>
+          </a:lnRef>
+          <a:fillRef idx="3">
+            <a:schemeClr val="accent1"/>
+          </a:fillRef>
+          <a:effectRef idx="2">
+            <a:schemeClr val="accent1"/>
+          </a:effectRef>
+          <a:fontRef idx="minor">
+            <a:schemeClr val="lt1"/>
+          </a:fontRef>
+        </p:style>
+        <p:txBody>
+          <a:bodyPr rtlCol="0" anchor="ctr"/>
+          <a:lstStyle/>
+          <a:p>
+            <a:pPr algn="ctr"/>
+            <a:r>
+              <a:rPr lang="en-US" dirty="0" smtClean="0"/>
+              <a:t>Constraints across functions</a:t>
+            </a:r>
+            <a:endParaRPr lang="en-US" dirty="0"/>
+          </a:p>
+        </p:txBody>
+      </p:sp>
+    </p:spTree>
+    <p:extLst>
+      <p:ext uri="{BB962C8B-B14F-4D97-AF65-F5344CB8AC3E}">
+        <p14:creationId xmlns:p14="http://schemas.microsoft.com/office/powerpoint/2010/main" val="684725727"/>
+      </p:ext>
+    </p:extLst>
+  </p:cSld>
+  <p:clrMapOvr>
+    <a:masterClrMapping/>
+  </p:clrMapOvr>
+  <p:timing>
+    <p:tnLst>
+      <p:par>
+        <p:cTn xmlns:p14="http://schemas.microsoft.com/office/powerpoint/2010/main" id="1" dur="indefinite" restart="never" nodeType="tmRoot">
+          <p:childTnLst>
+            <p:seq concurrent="1" nextAc="seek">
+              <p:cTn id="2" dur="indefinite" nodeType="mainSeq">
+                <p:childTnLst>
+                  <p:par>
+                    <p:cTn id="3" fill="hold">
+                      <p:stCondLst>
+                        <p:cond delay="indefinite"/>
+                      </p:stCondLst>
+                      <p:childTnLst>
+                        <p:par>
+                          <p:cTn id="4" fill="hold">
+                            <p:stCondLst>
+                              <p:cond delay="0"/>
+                            </p:stCondLst>
+                            <p:childTnLst>
+                              <p:par>
+                                <p:cTn id="5" presetID="1" presetClass="entr" presetSubtype="0" fill="hold" grpId="0" nodeType="clickEffect">
+                                  <p:stCondLst>
+                                    <p:cond delay="0"/>
+                                  </p:stCondLst>
+                                  <p:childTnLst>
+                                    <p:set>
+                                      <p:cBhvr>
+                                        <p:cTn id="6" dur="1" fill="hold">
+                                          <p:stCondLst>
+                                            <p:cond delay="0"/>
+                                          </p:stCondLst>
+                                        </p:cTn>
+                                        <p:tgtEl>
+                                          <p:spTgt spid="45"/>
+                                        </p:tgtEl>
+                                        <p:attrNameLst>
+                                          <p:attrName>style.visibility</p:attrName>
+                                        </p:attrNameLst>
+                                      </p:cBhvr>
+                                      <p:to>
+                                        <p:strVal val="visible"/>
+                                      </p:to>
+                                    </p:set>
+                                  </p:childTnLst>
+                                </p:cTn>
+                              </p:par>
+                            </p:childTnLst>
+                          </p:cTn>
+                        </p:par>
+                      </p:childTnLst>
+                    </p:cTn>
+                  </p:par>
+                  <p:par>
+                    <p:cTn id="7" fill="hold">
+                      <p:stCondLst>
+                        <p:cond delay="indefinite"/>
+                      </p:stCondLst>
+                      <p:childTnLst>
+                        <p:par>
+                          <p:cTn id="8" fill="hold">
+                            <p:stCondLst>
+                              <p:cond delay="0"/>
+                            </p:stCondLst>
+                            <p:childTnLst>
+                              <p:par>
+                                <p:cTn id="9" presetID="1" presetClass="entr" presetSubtype="0" fill="hold" grpId="0" nodeType="clickEffect">
+                                  <p:stCondLst>
+                                    <p:cond delay="0"/>
+                                  </p:stCondLst>
+                                  <p:childTnLst>
+                                    <p:set>
+                                      <p:cBhvr>
+                                        <p:cTn id="10" dur="1" fill="hold">
+                                          <p:stCondLst>
+                                            <p:cond delay="0"/>
+                                          </p:stCondLst>
+                                        </p:cTn>
+                                        <p:tgtEl>
+                                          <p:spTgt spid="46"/>
+                                        </p:tgtEl>
+                                        <p:attrNameLst>
+                                          <p:attrName>style.visibility</p:attrName>
+                                        </p:attrNameLst>
+                                      </p:cBhvr>
+                                      <p:to>
+                                        <p:strVal val="visible"/>
+                                      </p:to>
+                                    </p:set>
+                                  </p:childTnLst>
+                                </p:cTn>
+                              </p:par>
+                            </p:childTnLst>
+                          </p:cTn>
+                        </p:par>
+                      </p:childTnLst>
+                    </p:cTn>
+                  </p:par>
+                  <p:par>
+                    <p:cTn id="11" fill="hold">
+                      <p:stCondLst>
+                        <p:cond delay="indefinite"/>
+                      </p:stCondLst>
+                      <p:childTnLst>
+                        <p:par>
+                          <p:cTn id="12" fill="hold">
+                            <p:stCondLst>
+                              <p:cond delay="0"/>
+                            </p:stCondLst>
+                            <p:childTnLst>
+                              <p:par>
+                                <p:cTn id="13" presetID="1" presetClass="entr" presetSubtype="0" fill="hold" grpId="0" nodeType="clickEffect">
+                                  <p:stCondLst>
+                                    <p:cond delay="0"/>
+                                  </p:stCondLst>
+                                  <p:childTnLst>
+                                    <p:set>
+                                      <p:cBhvr>
+                                        <p:cTn id="14" dur="1" fill="hold">
+                                          <p:stCondLst>
+                                            <p:cond delay="0"/>
+                                          </p:stCondLst>
+                                        </p:cTn>
+                                        <p:tgtEl>
+                                          <p:spTgt spid="47"/>
+                                        </p:tgtEl>
+                                        <p:attrNameLst>
+                                          <p:attrName>style.visibility</p:attrName>
+                                        </p:attrNameLst>
+                                      </p:cBhvr>
+                                      <p:to>
+                                        <p:strVal val="visible"/>
+                                      </p:to>
+                                    </p:set>
+                                  </p:childTnLst>
+                                </p:cTn>
+                              </p:par>
+                            </p:childTnLst>
+                          </p:cTn>
+                        </p:par>
+                      </p:childTnLst>
+                    </p:cTn>
+                  </p:par>
+                </p:childTnLst>
+              </p:cTn>
+              <p:prevCondLst>
+                <p:cond evt="onPrev" delay="0">
+                  <p:tgtEl>
+                    <p:sldTgt/>
+                  </p:tgtEl>
+                </p:cond>
+              </p:prevCondLst>
+              <p:nextCondLst>
+                <p:cond evt="onNext" delay="0">
+                  <p:tgtEl>
+                    <p:sldTgt/>
+                  </p:tgtEl>
+                </p:cond>
+              </p:nextCondLst>
+            </p:seq>
+          </p:childTnLst>
+        </p:cTn>
+      </p:par>
+    </p:tnLst>
+    <p:bldLst>
+      <p:bldP spid="45" grpId="0" animBg="1"/>
+      <p:bldP spid="46" grpId="0" animBg="1"/>
+      <p:bldP spid="47" grpId="0" animBg="1"/>
+    </p:bldLst>
+  </p:timing>
+</p:sld>
+</file>
+
 <file path=ppt/slides/slide14.xml><?xml version="1.0" encoding="utf-8"?>
 <p:sld xmlns:a="http://schemas.openxmlformats.org/drawingml/2006/main" xmlns:r="http://schemas.openxmlformats.org/officeDocument/2006/relationships" xmlns:p="http://schemas.openxmlformats.org/presentationml/2006/main">
   <p:cSld>
@@ -9694,10 +9693,23 @@
                 <a:latin typeface="Consolas"/>
                 <a:cs typeface="Consolas"/>
               </a:rPr>
-              <a:t>              count * </a:t>
+              <a:t>              </a:t>
+            </a:r>
+            <a:r>
+              <a:rPr lang="en-US" sz="1600" dirty="0" smtClean="0">
+                <a:solidFill>
+                  <a:srgbClr val="FF0000"/>
+                </a:solidFill>
+                <a:latin typeface="Consolas"/>
+                <a:cs typeface="Consolas"/>
+              </a:rPr>
+              <a:t>count * </a:t>
             </a:r>
             <a:r>
               <a:rPr lang="en-US" sz="1600" dirty="0" err="1" smtClean="0">
+                <a:solidFill>
+                  <a:srgbClr val="FF0000"/>
+                </a:solidFill>
                 <a:latin typeface="Consolas"/>
                 <a:cs typeface="Consolas"/>
               </a:rPr>
@@ -9705,6 +9717,9 @@
             </a:r>
             <a:r>
               <a:rPr lang="en-US" sz="1600" dirty="0" smtClean="0">
+                <a:solidFill>
+                  <a:srgbClr val="FF0000"/>
+                </a:solidFill>
                 <a:latin typeface="Consolas"/>
                 <a:cs typeface="Consolas"/>
               </a:rPr>
@@ -9712,6 +9727,9 @@
             </a:r>
             <a:r>
               <a:rPr lang="en-US" sz="1600" dirty="0" err="1" smtClean="0">
+                <a:solidFill>
+                  <a:srgbClr val="FF0000"/>
+                </a:solidFill>
                 <a:latin typeface="Consolas"/>
                 <a:cs typeface="Consolas"/>
               </a:rPr>
@@ -9719,6 +9737,9 @@
             </a:r>
             <a:r>
               <a:rPr lang="en-US" sz="1600" dirty="0" smtClean="0">
+                <a:solidFill>
+                  <a:srgbClr val="FF0000"/>
+                </a:solidFill>
                 <a:latin typeface="Consolas"/>
                 <a:cs typeface="Consolas"/>
               </a:rPr>
@@ -9726,6 +9747,9 @@
             </a:r>
             <a:r>
               <a:rPr lang="en-US" sz="1600" dirty="0" err="1" smtClean="0">
+                <a:solidFill>
+                  <a:srgbClr val="FF0000"/>
+                </a:solidFill>
                 <a:latin typeface="Consolas"/>
                 <a:cs typeface="Consolas"/>
               </a:rPr>
@@ -9733,10 +9757,20 @@
             </a:r>
             <a:r>
               <a:rPr lang="en-US" sz="1600" dirty="0" smtClean="0">
-                <a:latin typeface="Consolas"/>
-                <a:cs typeface="Consolas"/>
-              </a:rPr>
-              <a:t>), GFP_KERNEL);</a:t>
+                <a:solidFill>
+                  <a:srgbClr val="FF0000"/>
+                </a:solidFill>
+                <a:latin typeface="Consolas"/>
+                <a:cs typeface="Consolas"/>
+              </a:rPr>
+              <a:t>)</a:t>
+            </a:r>
+            <a:r>
+              <a:rPr lang="en-US" sz="1600" dirty="0" smtClean="0">
+                <a:latin typeface="Consolas"/>
+                <a:cs typeface="Consolas"/>
+              </a:rPr>
+              <a:t>, GFP_KERNEL);</a:t>
             </a:r>
           </a:p>
         </p:txBody>
@@ -9764,16 +9798,8 @@
           <a:lstStyle/>
           <a:p>
             <a:r>
-              <a:rPr lang="en-US" sz="2800" dirty="0" err="1"/>
-              <a:t>M</a:t>
-            </a:r>
-            <a:r>
-              <a:rPr lang="en-US" sz="2800" dirty="0" err="1" smtClean="0"/>
-              <a:t>ul</a:t>
-            </a:r>
-            <a:r>
               <a:rPr lang="en-US" sz="2800" dirty="0" smtClean="0"/>
-              <a:t>:		count ≤</a:t>
+              <a:t>Error:		¬(count ≤</a:t>
             </a:r>
             <a:r>
               <a:rPr lang="en-US" sz="2800" baseline="-25000" dirty="0" smtClean="0"/>
@@ -9797,7 +9823,7 @@
             </a:r>
             <a:r>
               <a:rPr lang="en-US" sz="2800" dirty="0" smtClean="0"/>
-              <a:t> 8</a:t>
+              <a:t> 8)</a:t>
             </a:r>
           </a:p>
           <a:p>
@@ -9818,7 +9844,11 @@
               <a:t>count &gt;</a:t>
             </a:r>
             <a:r>
-              <a:rPr lang="en-US" sz="2800" baseline="-25000" dirty="0"/>
+              <a:rPr lang="en-US" sz="2800" baseline="-25000" dirty="0">
+                <a:solidFill>
+                  <a:srgbClr val="FF0000"/>
+                </a:solidFill>
+              </a:rPr>
               <a:t>s</a:t>
             </a:r>
             <a:r>
@@ -9838,18 +9868,14 @@
             </a:r>
             <a:r>
               <a:rPr lang="en-US" sz="2800" dirty="0"/>
-              <a:t>	¬</a:t>
-            </a:r>
-            <a:r>
-              <a:rPr lang="en-US" sz="2800" dirty="0" err="1"/>
-              <a:t>Mul</a:t>
-            </a:r>
-            <a:r>
-              <a:rPr lang="en-US" sz="2800" dirty="0"/>
-              <a:t> </a:t>
-            </a:r>
-            <a:r>
-              <a:rPr lang="en-US" sz="2800" dirty="0" smtClean="0">
+              <a:t>	</a:t>
+            </a:r>
+            <a:r>
+              <a:rPr lang="en-US" sz="2800" dirty="0" err="1" smtClean="0"/>
+              <a:t>Error</a:t>
+            </a:r>
+            <a:r>
+              <a:rPr lang="en-US" sz="2800" dirty="0" err="1" smtClean="0">
                 <a:latin typeface="ＭＳ ゴシック"/>
                 <a:ea typeface="ＭＳ ゴシック"/>
                 <a:cs typeface="ＭＳ ゴシック"/>
@@ -9857,9 +9883,10 @@
               <a:t>∧</a:t>
             </a:r>
             <a:r>
-              <a:rPr lang="en-US" sz="2800" dirty="0" smtClean="0"/>
+              <a:rPr lang="en-US" sz="2800" dirty="0" err="1" smtClean="0"/>
               <a:t>Path</a:t>
             </a:r>
+            <a:endParaRPr lang="en-US" sz="2800" dirty="0" smtClean="0"/>
           </a:p>
         </p:txBody>
       </p:sp>
@@ -9967,7 +9994,7 @@
         </p:nvCxnSpPr>
         <p:spPr>
           <a:xfrm>
-            <a:off x="3568700" y="5194300"/>
+            <a:off x="3467100" y="5194300"/>
             <a:ext cx="660400" cy="0"/>
           </a:xfrm>
           <a:prstGeom prst="line">
@@ -10976,583 +11003,16 @@
           <a:lstStyle/>
           <a:p>
             <a:r>
-              <a:rPr lang="en-US" dirty="0" err="1" smtClean="0"/>
-              <a:t>Intraprocedual</a:t>
-            </a:r>
-            <a:r>
-              <a:rPr lang="en-US" dirty="0" smtClean="0"/>
-              <a:t> analysis</a:t>
-            </a:r>
-            <a:endParaRPr lang="en-US" dirty="0"/>
-          </a:p>
-        </p:txBody>
-      </p:sp>
-      <p:sp>
-        <p:nvSpPr>
-          <p:cNvPr id="3" name="Content Placeholder 2"/>
-          <p:cNvSpPr>
-            <a:spLocks noGrp="1"/>
-          </p:cNvSpPr>
-          <p:nvPr>
-            <p:ph idx="1"/>
-          </p:nvPr>
-        </p:nvSpPr>
-        <p:spPr/>
-        <p:txBody>
-          <a:bodyPr>
-            <a:normAutofit lnSpcReduction="10000"/>
-          </a:bodyPr>
-          <a:lstStyle/>
-          <a:p>
-            <a:r>
-              <a:rPr lang="en-US" dirty="0" smtClean="0"/>
-              <a:t>Goal: simple and scalable</a:t>
-            </a:r>
-          </a:p>
-          <a:p>
-            <a:pPr lvl="1"/>
-            <a:r>
-              <a:rPr lang="en-US" dirty="0" smtClean="0"/>
-              <a:t>Within a single function</a:t>
-            </a:r>
-          </a:p>
-          <a:p>
-            <a:r>
-              <a:rPr lang="en-US" dirty="0" smtClean="0"/>
-              <a:t>Unroll loop once --- DAG</a:t>
-            </a:r>
-          </a:p>
-          <a:p>
-            <a:pPr marL="0" lvl="1" indent="0">
-              <a:buNone/>
-            </a:pPr>
-            <a:r>
-              <a:rPr lang="en-US" dirty="0" smtClean="0"/>
-              <a:t>	“</a:t>
-            </a:r>
-            <a:r>
-              <a:rPr lang="en-US" dirty="0"/>
-              <a:t>So the kernel literally doesn't tend to have loops.” </a:t>
-            </a:r>
-            <a:r>
-              <a:rPr lang="en-US" dirty="0" smtClean="0"/>
-              <a:t>							-</a:t>
-            </a:r>
-            <a:r>
-              <a:rPr lang="en-US" dirty="0"/>
-              <a:t>-- Linus </a:t>
-            </a:r>
-            <a:r>
-              <a:rPr lang="en-US" dirty="0" smtClean="0"/>
-              <a:t>Torvalds</a:t>
-            </a:r>
-          </a:p>
-          <a:p>
-            <a:r>
-              <a:rPr lang="en-US" dirty="0" smtClean="0"/>
-              <a:t>The path predicate of block b is the logical OR of predicates from each of its predecessors</a:t>
-            </a:r>
-          </a:p>
-          <a:p>
-            <a:r>
-              <a:rPr lang="en-US" dirty="0" smtClean="0"/>
-              <a:t>Apply the algorithm recursively within a function</a:t>
-            </a:r>
-          </a:p>
-        </p:txBody>
-      </p:sp>
-    </p:spTree>
-    <p:extLst>
-      <p:ext uri="{BB962C8B-B14F-4D97-AF65-F5344CB8AC3E}">
-        <p14:creationId xmlns:p14="http://schemas.microsoft.com/office/powerpoint/2010/main" val="4132164814"/>
-      </p:ext>
-    </p:extLst>
-  </p:cSld>
-  <p:clrMapOvr>
-    <a:masterClrMapping/>
-  </p:clrMapOvr>
-  <p:timing>
-    <p:tnLst>
-      <p:par>
-        <p:cTn xmlns:p14="http://schemas.microsoft.com/office/powerpoint/2010/main" id="1" dur="indefinite" restart="never" nodeType="tmRoot"/>
-      </p:par>
-    </p:tnLst>
-  </p:timing>
-</p:sld>
-</file>
-
-<file path=ppt/slides/slide16.xml><?xml version="1.0" encoding="utf-8"?>
-<p:sld xmlns:a="http://schemas.openxmlformats.org/drawingml/2006/main" xmlns:r="http://schemas.openxmlformats.org/officeDocument/2006/relationships" xmlns:p="http://schemas.openxmlformats.org/presentationml/2006/main">
-  <p:cSld>
-    <p:spTree>
-      <p:nvGrpSpPr>
-        <p:cNvPr id="1" name=""/>
-        <p:cNvGrpSpPr/>
-        <p:nvPr/>
-      </p:nvGrpSpPr>
-      <p:grpSpPr>
-        <a:xfrm>
-          <a:off x="0" y="0"/>
-          <a:ext cx="0" cy="0"/>
-          <a:chOff x="0" y="0"/>
-          <a:chExt cx="0" cy="0"/>
-        </a:xfrm>
-      </p:grpSpPr>
-      <p:sp>
-        <p:nvSpPr>
-          <p:cNvPr id="2" name="Title 1"/>
-          <p:cNvSpPr>
-            <a:spLocks noGrp="1"/>
-          </p:cNvSpPr>
-          <p:nvPr>
-            <p:ph type="title"/>
-          </p:nvPr>
-        </p:nvSpPr>
-        <p:spPr/>
-        <p:txBody>
-          <a:bodyPr>
-            <a:normAutofit/>
-          </a:bodyPr>
-          <a:lstStyle/>
-          <a:p>
-            <a:r>
-              <a:rPr lang="en-US" dirty="0" err="1" smtClean="0"/>
-              <a:t>Interprocedual</a:t>
-            </a:r>
-            <a:r>
-              <a:rPr lang="en-US" dirty="0" smtClean="0"/>
-              <a:t> analysis</a:t>
-            </a:r>
-            <a:endParaRPr lang="en-US" dirty="0"/>
-          </a:p>
-        </p:txBody>
-      </p:sp>
-      <p:sp>
-        <p:nvSpPr>
-          <p:cNvPr id="3" name="Content Placeholder 2"/>
-          <p:cNvSpPr>
-            <a:spLocks noGrp="1"/>
-          </p:cNvSpPr>
-          <p:nvPr>
-            <p:ph idx="1"/>
-          </p:nvPr>
-        </p:nvSpPr>
-        <p:spPr/>
-        <p:txBody>
-          <a:bodyPr/>
-          <a:lstStyle/>
-          <a:p>
-            <a:r>
-              <a:rPr lang="en-US" dirty="0"/>
-              <a:t>R</a:t>
-            </a:r>
-            <a:r>
-              <a:rPr lang="en-US" dirty="0" smtClean="0"/>
-              <a:t>ange predicates across functions</a:t>
-            </a:r>
-          </a:p>
-          <a:p>
-            <a:pPr lvl="1"/>
-            <a:r>
-              <a:rPr lang="en-US" dirty="0"/>
-              <a:t>Goal: reduce false </a:t>
-            </a:r>
-            <a:r>
-              <a:rPr lang="en-US" dirty="0" smtClean="0"/>
-              <a:t>errors</a:t>
-            </a:r>
-          </a:p>
-          <a:p>
-            <a:pPr lvl="1"/>
-            <a:r>
-              <a:rPr lang="en-US" dirty="0" smtClean="0"/>
-              <a:t>Parameters, global variables, structure fields</a:t>
-            </a:r>
-          </a:p>
-          <a:p>
-            <a:r>
-              <a:rPr lang="en-US" dirty="0" smtClean="0"/>
-              <a:t>User annotations</a:t>
-            </a:r>
-          </a:p>
-          <a:p>
-            <a:pPr lvl="1"/>
-            <a:r>
-              <a:rPr lang="en-US" dirty="0" smtClean="0"/>
-              <a:t>Number of CPUs</a:t>
-            </a:r>
-          </a:p>
-          <a:p>
-            <a:r>
-              <a:rPr lang="en-US" dirty="0" smtClean="0"/>
-              <a:t>Example: x in [1, 10]</a:t>
-            </a:r>
-          </a:p>
-          <a:p>
-            <a:pPr lvl="1"/>
-            <a:r>
-              <a:rPr lang="en-US" dirty="0" smtClean="0"/>
-              <a:t>Predicate: x ≥ 1 </a:t>
-            </a:r>
-            <a:r>
-              <a:rPr lang="en-US" dirty="0" smtClean="0">
-                <a:latin typeface="ＭＳ ゴシック"/>
-                <a:ea typeface="ＭＳ ゴシック"/>
-                <a:cs typeface="ＭＳ ゴシック"/>
-              </a:rPr>
-              <a:t>∧</a:t>
-            </a:r>
-            <a:r>
-              <a:rPr lang="en-US" dirty="0"/>
-              <a:t> </a:t>
-            </a:r>
-            <a:r>
-              <a:rPr lang="en-US" dirty="0" smtClean="0"/>
-              <a:t>x ≤ 10</a:t>
-            </a:r>
-          </a:p>
-        </p:txBody>
-      </p:sp>
-    </p:spTree>
-    <p:extLst>
-      <p:ext uri="{BB962C8B-B14F-4D97-AF65-F5344CB8AC3E}">
-        <p14:creationId xmlns:p14="http://schemas.microsoft.com/office/powerpoint/2010/main" val="2426695065"/>
-      </p:ext>
-    </p:extLst>
-  </p:cSld>
-  <p:clrMapOvr>
-    <a:masterClrMapping/>
-  </p:clrMapOvr>
-  <p:timing>
-    <p:tnLst>
-      <p:par>
-        <p:cTn xmlns:p14="http://schemas.microsoft.com/office/powerpoint/2010/main" id="1" dur="indefinite" restart="never" nodeType="tmRoot"/>
-      </p:par>
-    </p:tnLst>
-  </p:timing>
-</p:sld>
-</file>
-
-<file path=ppt/slides/slide17.xml><?xml version="1.0" encoding="utf-8"?>
-<p:sld xmlns:a="http://schemas.openxmlformats.org/drawingml/2006/main" xmlns:r="http://schemas.openxmlformats.org/officeDocument/2006/relationships" xmlns:p="http://schemas.openxmlformats.org/presentationml/2006/main">
-  <p:cSld>
-    <p:spTree>
-      <p:nvGrpSpPr>
-        <p:cNvPr id="1" name=""/>
-        <p:cNvGrpSpPr/>
-        <p:nvPr/>
-      </p:nvGrpSpPr>
-      <p:grpSpPr>
-        <a:xfrm>
-          <a:off x="0" y="0"/>
-          <a:ext cx="0" cy="0"/>
-          <a:chOff x="0" y="0"/>
-          <a:chExt cx="0" cy="0"/>
-        </a:xfrm>
-      </p:grpSpPr>
-      <p:sp>
-        <p:nvSpPr>
-          <p:cNvPr id="2" name="Title 1"/>
-          <p:cNvSpPr>
-            <a:spLocks noGrp="1"/>
-          </p:cNvSpPr>
-          <p:nvPr>
-            <p:ph type="title"/>
-          </p:nvPr>
-        </p:nvSpPr>
-        <p:spPr/>
-        <p:txBody>
-          <a:bodyPr>
-            <a:normAutofit fontScale="90000"/>
-          </a:bodyPr>
-          <a:lstStyle/>
-          <a:p>
-            <a:r>
-              <a:rPr lang="en-US" dirty="0" smtClean="0"/>
-              <a:t>Optimization example: rewriting (1/2)</a:t>
-            </a:r>
-            <a:endParaRPr lang="en-US" dirty="0"/>
-          </a:p>
-        </p:txBody>
-      </p:sp>
-      <p:sp>
-        <p:nvSpPr>
-          <p:cNvPr id="3" name="Content Placeholder 2"/>
-          <p:cNvSpPr>
-            <a:spLocks noGrp="1"/>
-          </p:cNvSpPr>
-          <p:nvPr>
-            <p:ph idx="1"/>
-          </p:nvPr>
-        </p:nvSpPr>
-        <p:spPr/>
-        <p:txBody>
-          <a:bodyPr/>
-          <a:lstStyle/>
-          <a:p>
-            <a:r>
-              <a:rPr lang="en-US" dirty="0" smtClean="0">
-                <a:solidFill>
-                  <a:srgbClr val="FF0000"/>
-                </a:solidFill>
-              </a:rPr>
-              <a:t>N /</a:t>
-            </a:r>
-            <a:r>
-              <a:rPr lang="en-US" baseline="-25000" dirty="0" smtClean="0">
-                <a:solidFill>
-                  <a:srgbClr val="FF0000"/>
-                </a:solidFill>
-              </a:rPr>
-              <a:t>u</a:t>
-            </a:r>
-            <a:r>
-              <a:rPr lang="en-US" dirty="0" smtClean="0">
-                <a:solidFill>
-                  <a:srgbClr val="FF0000"/>
-                </a:solidFill>
-              </a:rPr>
-              <a:t> x &gt; y </a:t>
-            </a:r>
-            <a:r>
-              <a:rPr lang="en-US" dirty="0" smtClean="0"/>
-              <a:t>(div): solver not good at div</a:t>
-            </a:r>
-          </a:p>
-          <a:p>
-            <a:r>
-              <a:rPr lang="en-US" dirty="0" smtClean="0"/>
-              <a:t>Rewrite to: x</a:t>
-            </a:r>
-            <a:r>
-              <a:rPr lang="en-US" baseline="-25000" dirty="0" smtClean="0"/>
-              <a:t>2n</a:t>
-            </a:r>
-            <a:r>
-              <a:rPr lang="en-US" dirty="0" smtClean="0"/>
-              <a:t> * y</a:t>
-            </a:r>
-            <a:r>
-              <a:rPr lang="en-US" baseline="-25000" dirty="0" smtClean="0"/>
-              <a:t>2n</a:t>
-            </a:r>
-            <a:r>
-              <a:rPr lang="en-US" dirty="0" smtClean="0"/>
-              <a:t> &gt; N (</a:t>
-            </a:r>
-            <a:r>
-              <a:rPr lang="en-US" dirty="0" err="1" smtClean="0"/>
-              <a:t>mul</a:t>
-            </a:r>
-            <a:r>
-              <a:rPr lang="en-US" dirty="0" smtClean="0"/>
-              <a:t>)</a:t>
-            </a:r>
-          </a:p>
-          <a:p>
-            <a:r>
-              <a:rPr lang="en-US" dirty="0" smtClean="0"/>
-              <a:t>Special optimization for N = 2</a:t>
-            </a:r>
-            <a:r>
-              <a:rPr lang="en-US" baseline="30000" dirty="0" smtClean="0"/>
-              <a:t>n</a:t>
-            </a:r>
-            <a:r>
-              <a:rPr lang="en-US" dirty="0" smtClean="0"/>
-              <a:t>-1</a:t>
-            </a:r>
-          </a:p>
-        </p:txBody>
-      </p:sp>
-      <p:graphicFrame>
-        <p:nvGraphicFramePr>
-          <p:cNvPr id="4" name="Chart 3"/>
-          <p:cNvGraphicFramePr/>
-          <p:nvPr>
-            <p:extLst>
-              <p:ext uri="{D42A27DB-BD31-4B8C-83A1-F6EECF244321}">
-                <p14:modId xmlns:p14="http://schemas.microsoft.com/office/powerpoint/2010/main" val="915245093"/>
-              </p:ext>
-            </p:extLst>
-          </p:nvPr>
-        </p:nvGraphicFramePr>
-        <p:xfrm>
-          <a:off x="1358900" y="3708400"/>
-          <a:ext cx="5168900" cy="2844800"/>
-        </p:xfrm>
-        <a:graphic>
-          <a:graphicData uri="http://schemas.openxmlformats.org/drawingml/2006/chart">
-            <c:chart xmlns:c="http://schemas.openxmlformats.org/drawingml/2006/chart" xmlns:r="http://schemas.openxmlformats.org/officeDocument/2006/relationships" r:id="rId2"/>
-          </a:graphicData>
-        </a:graphic>
-      </p:graphicFrame>
-      <p:sp>
-        <p:nvSpPr>
-          <p:cNvPr id="5" name="TextBox 4"/>
-          <p:cNvSpPr txBox="1"/>
-          <p:nvPr/>
-        </p:nvSpPr>
-        <p:spPr>
-          <a:xfrm>
-            <a:off x="5486400" y="3866634"/>
-            <a:ext cx="2613140" cy="523220"/>
-          </a:xfrm>
-          <a:prstGeom prst="rect">
-            <a:avLst/>
-          </a:prstGeom>
-          <a:noFill/>
-        </p:spPr>
-        <p:txBody>
-          <a:bodyPr wrap="none" rtlCol="0">
-            <a:spAutoFit/>
-          </a:bodyPr>
-          <a:lstStyle/>
-          <a:p>
-            <a:r>
-              <a:rPr lang="en-US" sz="2800" dirty="0" smtClean="0">
-                <a:solidFill>
-                  <a:srgbClr val="FF0000"/>
-                </a:solidFill>
-              </a:rPr>
-              <a:t>Up to 2.5x faster</a:t>
-            </a:r>
-            <a:endParaRPr lang="en-US" sz="2800" dirty="0">
-              <a:solidFill>
-                <a:srgbClr val="FF0000"/>
-              </a:solidFill>
-            </a:endParaRPr>
-          </a:p>
-        </p:txBody>
-      </p:sp>
-    </p:spTree>
-    <p:extLst>
-      <p:ext uri="{BB962C8B-B14F-4D97-AF65-F5344CB8AC3E}">
-        <p14:creationId xmlns:p14="http://schemas.microsoft.com/office/powerpoint/2010/main" val="3424843033"/>
-      </p:ext>
-    </p:extLst>
-  </p:cSld>
-  <p:clrMapOvr>
-    <a:masterClrMapping/>
-  </p:clrMapOvr>
-  <p:timing>
-    <p:tnLst>
-      <p:par>
-        <p:cTn xmlns:p14="http://schemas.microsoft.com/office/powerpoint/2010/main" id="1" dur="indefinite" restart="never" nodeType="tmRoot">
-          <p:childTnLst>
-            <p:seq concurrent="1" nextAc="seek">
-              <p:cTn id="2" dur="indefinite" nodeType="mainSeq">
-                <p:childTnLst>
-                  <p:par>
-                    <p:cTn id="3" fill="hold">
-                      <p:stCondLst>
-                        <p:cond delay="indefinite"/>
-                      </p:stCondLst>
-                      <p:childTnLst>
-                        <p:par>
-                          <p:cTn id="4" fill="hold">
-                            <p:stCondLst>
-                              <p:cond delay="0"/>
-                            </p:stCondLst>
-                            <p:childTnLst>
-                              <p:par>
-                                <p:cTn id="5" presetID="1" presetClass="entr" presetSubtype="0" fill="hold" grpId="0" nodeType="clickEffect">
-                                  <p:stCondLst>
-                                    <p:cond delay="0"/>
-                                  </p:stCondLst>
-                                  <p:childTnLst>
-                                    <p:set>
-                                      <p:cBhvr>
-                                        <p:cTn id="6" dur="1" fill="hold">
-                                          <p:stCondLst>
-                                            <p:cond delay="0"/>
-                                          </p:stCondLst>
-                                        </p:cTn>
-                                        <p:tgtEl>
-                                          <p:spTgt spid="5"/>
-                                        </p:tgtEl>
-                                        <p:attrNameLst>
-                                          <p:attrName>style.visibility</p:attrName>
-                                        </p:attrNameLst>
-                                      </p:cBhvr>
-                                      <p:to>
-                                        <p:strVal val="visible"/>
-                                      </p:to>
-                                    </p:set>
-                                  </p:childTnLst>
-                                </p:cTn>
-                              </p:par>
-                            </p:childTnLst>
-                          </p:cTn>
-                        </p:par>
-                      </p:childTnLst>
-                    </p:cTn>
-                  </p:par>
-                </p:childTnLst>
-              </p:cTn>
-              <p:prevCondLst>
-                <p:cond evt="onPrev" delay="0">
-                  <p:tgtEl>
-                    <p:sldTgt/>
-                  </p:tgtEl>
-                </p:cond>
-              </p:prevCondLst>
-              <p:nextCondLst>
-                <p:cond evt="onNext" delay="0">
-                  <p:tgtEl>
-                    <p:sldTgt/>
-                  </p:tgtEl>
-                </p:cond>
-              </p:nextCondLst>
-            </p:seq>
-          </p:childTnLst>
-        </p:cTn>
-      </p:par>
-    </p:tnLst>
-    <p:bldLst>
-      <p:bldP spid="5" grpId="0"/>
-    </p:bldLst>
-  </p:timing>
-</p:sld>
-</file>
-
-<file path=ppt/slides/slide18.xml><?xml version="1.0" encoding="utf-8"?>
-<p:sld xmlns:a="http://schemas.openxmlformats.org/drawingml/2006/main" xmlns:r="http://schemas.openxmlformats.org/officeDocument/2006/relationships" xmlns:p="http://schemas.openxmlformats.org/presentationml/2006/main">
-  <p:cSld>
-    <p:spTree>
-      <p:nvGrpSpPr>
-        <p:cNvPr id="1" name=""/>
-        <p:cNvGrpSpPr/>
-        <p:nvPr/>
-      </p:nvGrpSpPr>
-      <p:grpSpPr>
-        <a:xfrm>
-          <a:off x="0" y="0"/>
-          <a:ext cx="0" cy="0"/>
-          <a:chOff x="0" y="0"/>
-          <a:chExt cx="0" cy="0"/>
-        </a:xfrm>
-      </p:grpSpPr>
-      <p:sp>
-        <p:nvSpPr>
-          <p:cNvPr id="2" name="Title 1"/>
-          <p:cNvSpPr>
-            <a:spLocks noGrp="1"/>
-          </p:cNvSpPr>
-          <p:nvPr>
-            <p:ph type="title"/>
-          </p:nvPr>
-        </p:nvSpPr>
-        <p:spPr/>
-        <p:txBody>
-          <a:bodyPr>
-            <a:normAutofit fontScale="90000"/>
-          </a:bodyPr>
-          <a:lstStyle/>
-          <a:p>
-            <a:r>
-              <a:rPr lang="en-US" dirty="0" smtClean="0"/>
-              <a:t>Optimization example: sinking (2/2)</a:t>
+              <a:rPr lang="en-US" dirty="0" smtClean="0"/>
+              <a:t>Error </a:t>
+            </a:r>
+            <a:r>
+              <a:rPr lang="en-US" dirty="0" smtClean="0"/>
+              <a:t>predicate: </a:t>
+            </a:r>
+            <a:r>
+              <a:rPr lang="en-US" dirty="0" smtClean="0"/>
+              <a:t>sinking</a:t>
             </a:r>
             <a:endParaRPr lang="en-US" dirty="0"/>
           </a:p>
@@ -12278,6 +11738,591 @@
 </p:sld>
 </file>
 
+<file path=ppt/slides/slide16.xml><?xml version="1.0" encoding="utf-8"?>
+<p:sld xmlns:a="http://schemas.openxmlformats.org/drawingml/2006/main" xmlns:r="http://schemas.openxmlformats.org/officeDocument/2006/relationships" xmlns:p="http://schemas.openxmlformats.org/presentationml/2006/main">
+  <p:cSld>
+    <p:spTree>
+      <p:nvGrpSpPr>
+        <p:cNvPr id="1" name=""/>
+        <p:cNvGrpSpPr/>
+        <p:nvPr/>
+      </p:nvGrpSpPr>
+      <p:grpSpPr>
+        <a:xfrm>
+          <a:off x="0" y="0"/>
+          <a:ext cx="0" cy="0"/>
+          <a:chOff x="0" y="0"/>
+          <a:chExt cx="0" cy="0"/>
+        </a:xfrm>
+      </p:grpSpPr>
+      <p:sp>
+        <p:nvSpPr>
+          <p:cNvPr id="2" name="Title 1"/>
+          <p:cNvSpPr>
+            <a:spLocks noGrp="1"/>
+          </p:cNvSpPr>
+          <p:nvPr>
+            <p:ph type="title"/>
+          </p:nvPr>
+        </p:nvSpPr>
+        <p:spPr/>
+        <p:txBody>
+          <a:bodyPr>
+            <a:normAutofit/>
+          </a:bodyPr>
+          <a:lstStyle/>
+          <a:p>
+            <a:r>
+              <a:rPr lang="en-US" dirty="0" smtClean="0"/>
+              <a:t>Path predicates</a:t>
+            </a:r>
+            <a:endParaRPr lang="en-US" dirty="0"/>
+          </a:p>
+        </p:txBody>
+      </p:sp>
+      <p:sp>
+        <p:nvSpPr>
+          <p:cNvPr id="3" name="Content Placeholder 2"/>
+          <p:cNvSpPr>
+            <a:spLocks noGrp="1"/>
+          </p:cNvSpPr>
+          <p:nvPr>
+            <p:ph idx="1"/>
+          </p:nvPr>
+        </p:nvSpPr>
+        <p:spPr/>
+        <p:txBody>
+          <a:bodyPr>
+            <a:normAutofit lnSpcReduction="10000"/>
+          </a:bodyPr>
+          <a:lstStyle/>
+          <a:p>
+            <a:r>
+              <a:rPr lang="en-US" dirty="0" smtClean="0"/>
+              <a:t>Goal: simple and scalable</a:t>
+            </a:r>
+          </a:p>
+          <a:p>
+            <a:pPr lvl="1"/>
+            <a:r>
+              <a:rPr lang="en-US" dirty="0" smtClean="0"/>
+              <a:t>Within a single function</a:t>
+            </a:r>
+          </a:p>
+          <a:p>
+            <a:r>
+              <a:rPr lang="en-US" dirty="0" smtClean="0"/>
+              <a:t>Unroll loop once --- DAG</a:t>
+            </a:r>
+          </a:p>
+          <a:p>
+            <a:pPr marL="0" lvl="1" indent="0">
+              <a:buNone/>
+            </a:pPr>
+            <a:r>
+              <a:rPr lang="en-US" dirty="0" smtClean="0"/>
+              <a:t>	“</a:t>
+            </a:r>
+            <a:r>
+              <a:rPr lang="en-US" dirty="0"/>
+              <a:t>So the kernel literally doesn't tend to have loops.” </a:t>
+            </a:r>
+            <a:r>
+              <a:rPr lang="en-US" dirty="0" smtClean="0"/>
+              <a:t>							-</a:t>
+            </a:r>
+            <a:r>
+              <a:rPr lang="en-US" dirty="0"/>
+              <a:t>-- Linus </a:t>
+            </a:r>
+            <a:r>
+              <a:rPr lang="en-US" dirty="0" smtClean="0"/>
+              <a:t>Torvalds</a:t>
+            </a:r>
+          </a:p>
+          <a:p>
+            <a:r>
+              <a:rPr lang="en-US" dirty="0" smtClean="0"/>
+              <a:t>The path predicate of block b is the logical OR of predicates from each of its predecessors</a:t>
+            </a:r>
+          </a:p>
+          <a:p>
+            <a:r>
+              <a:rPr lang="en-US" dirty="0" smtClean="0"/>
+              <a:t>Apply the algorithm recursively within a function</a:t>
+            </a:r>
+          </a:p>
+        </p:txBody>
+      </p:sp>
+    </p:spTree>
+    <p:extLst>
+      <p:ext uri="{BB962C8B-B14F-4D97-AF65-F5344CB8AC3E}">
+        <p14:creationId xmlns:p14="http://schemas.microsoft.com/office/powerpoint/2010/main" val="4132164814"/>
+      </p:ext>
+    </p:extLst>
+  </p:cSld>
+  <p:clrMapOvr>
+    <a:masterClrMapping/>
+  </p:clrMapOvr>
+  <p:timing>
+    <p:tnLst>
+      <p:par>
+        <p:cTn xmlns:p14="http://schemas.microsoft.com/office/powerpoint/2010/main" id="1" dur="indefinite" restart="never" nodeType="tmRoot"/>
+      </p:par>
+    </p:tnLst>
+  </p:timing>
+</p:sld>
+</file>
+
+<file path=ppt/slides/slide17.xml><?xml version="1.0" encoding="utf-8"?>
+<p:sld xmlns:a="http://schemas.openxmlformats.org/drawingml/2006/main" xmlns:r="http://schemas.openxmlformats.org/officeDocument/2006/relationships" xmlns:p="http://schemas.openxmlformats.org/presentationml/2006/main">
+  <p:cSld>
+    <p:spTree>
+      <p:nvGrpSpPr>
+        <p:cNvPr id="1" name=""/>
+        <p:cNvGrpSpPr/>
+        <p:nvPr/>
+      </p:nvGrpSpPr>
+      <p:grpSpPr>
+        <a:xfrm>
+          <a:off x="0" y="0"/>
+          <a:ext cx="0" cy="0"/>
+          <a:chOff x="0" y="0"/>
+          <a:chExt cx="0" cy="0"/>
+        </a:xfrm>
+      </p:grpSpPr>
+      <p:sp>
+        <p:nvSpPr>
+          <p:cNvPr id="2" name="Title 1"/>
+          <p:cNvSpPr>
+            <a:spLocks noGrp="1"/>
+          </p:cNvSpPr>
+          <p:nvPr>
+            <p:ph type="title"/>
+          </p:nvPr>
+        </p:nvSpPr>
+        <p:spPr/>
+        <p:txBody>
+          <a:bodyPr>
+            <a:normAutofit/>
+          </a:bodyPr>
+          <a:lstStyle/>
+          <a:p>
+            <a:r>
+              <a:rPr lang="en-US" dirty="0" smtClean="0"/>
+              <a:t>Range predicates</a:t>
+            </a:r>
+            <a:endParaRPr lang="en-US" dirty="0"/>
+          </a:p>
+        </p:txBody>
+      </p:sp>
+      <p:sp>
+        <p:nvSpPr>
+          <p:cNvPr id="3" name="Content Placeholder 2"/>
+          <p:cNvSpPr>
+            <a:spLocks noGrp="1"/>
+          </p:cNvSpPr>
+          <p:nvPr>
+            <p:ph idx="1"/>
+          </p:nvPr>
+        </p:nvSpPr>
+        <p:spPr/>
+        <p:txBody>
+          <a:bodyPr/>
+          <a:lstStyle/>
+          <a:p>
+            <a:r>
+              <a:rPr lang="en-US" dirty="0"/>
+              <a:t>R</a:t>
+            </a:r>
+            <a:r>
+              <a:rPr lang="en-US" dirty="0" smtClean="0"/>
+              <a:t>ange predicates across functions</a:t>
+            </a:r>
+          </a:p>
+          <a:p>
+            <a:pPr lvl="1"/>
+            <a:r>
+              <a:rPr lang="en-US" dirty="0"/>
+              <a:t>Goal: reduce false </a:t>
+            </a:r>
+            <a:r>
+              <a:rPr lang="en-US" dirty="0" smtClean="0"/>
+              <a:t>errors</a:t>
+            </a:r>
+          </a:p>
+          <a:p>
+            <a:pPr lvl="1"/>
+            <a:r>
+              <a:rPr lang="en-US" dirty="0" smtClean="0"/>
+              <a:t>Parameters, global variables, structure fields</a:t>
+            </a:r>
+          </a:p>
+          <a:p>
+            <a:r>
+              <a:rPr lang="en-US" dirty="0" smtClean="0"/>
+              <a:t>User annotations</a:t>
+            </a:r>
+          </a:p>
+          <a:p>
+            <a:pPr lvl="1"/>
+            <a:r>
+              <a:rPr lang="en-US" dirty="0" smtClean="0"/>
+              <a:t>Number of CPUs</a:t>
+            </a:r>
+          </a:p>
+          <a:p>
+            <a:r>
+              <a:rPr lang="en-US" dirty="0" smtClean="0"/>
+              <a:t>Example: </a:t>
+            </a:r>
+            <a:r>
+              <a:rPr lang="en-US" dirty="0" smtClean="0"/>
+              <a:t>x in </a:t>
+            </a:r>
+            <a:r>
+              <a:rPr lang="en-US" dirty="0" smtClean="0"/>
+              <a:t>[1, </a:t>
+            </a:r>
+            <a:r>
+              <a:rPr lang="en-US" dirty="0" smtClean="0"/>
+              <a:t>10]</a:t>
+            </a:r>
+            <a:endParaRPr lang="en-US" dirty="0" smtClean="0"/>
+          </a:p>
+          <a:p>
+            <a:pPr lvl="1"/>
+            <a:r>
+              <a:rPr lang="en-US" dirty="0" smtClean="0"/>
+              <a:t>Predicate: x ≥ 1 </a:t>
+            </a:r>
+            <a:r>
+              <a:rPr lang="en-US" dirty="0" smtClean="0">
+                <a:latin typeface="ＭＳ ゴシック"/>
+                <a:ea typeface="ＭＳ ゴシック"/>
+                <a:cs typeface="ＭＳ ゴシック"/>
+              </a:rPr>
+              <a:t>∧</a:t>
+            </a:r>
+            <a:r>
+              <a:rPr lang="en-US" dirty="0"/>
+              <a:t> </a:t>
+            </a:r>
+            <a:r>
+              <a:rPr lang="en-US" dirty="0" smtClean="0"/>
+              <a:t>x ≤ </a:t>
+            </a:r>
+            <a:r>
+              <a:rPr lang="en-US" dirty="0" smtClean="0"/>
+              <a:t>10</a:t>
+            </a:r>
+            <a:endParaRPr lang="en-US" dirty="0" smtClean="0"/>
+          </a:p>
+        </p:txBody>
+      </p:sp>
+    </p:spTree>
+    <p:extLst>
+      <p:ext uri="{BB962C8B-B14F-4D97-AF65-F5344CB8AC3E}">
+        <p14:creationId xmlns:p14="http://schemas.microsoft.com/office/powerpoint/2010/main" val="2426695065"/>
+      </p:ext>
+    </p:extLst>
+  </p:cSld>
+  <p:clrMapOvr>
+    <a:masterClrMapping/>
+  </p:clrMapOvr>
+  <p:timing>
+    <p:tnLst>
+      <p:par>
+        <p:cTn xmlns:p14="http://schemas.microsoft.com/office/powerpoint/2010/main" id="1" dur="indefinite" restart="never" nodeType="tmRoot"/>
+      </p:par>
+    </p:tnLst>
+  </p:timing>
+</p:sld>
+</file>
+
+<file path=ppt/slides/slide18.xml><?xml version="1.0" encoding="utf-8"?>
+<p:sld xmlns:a="http://schemas.openxmlformats.org/drawingml/2006/main" xmlns:r="http://schemas.openxmlformats.org/officeDocument/2006/relationships" xmlns:p="http://schemas.openxmlformats.org/presentationml/2006/main">
+  <p:cSld>
+    <p:spTree>
+      <p:nvGrpSpPr>
+        <p:cNvPr id="1" name=""/>
+        <p:cNvGrpSpPr/>
+        <p:nvPr/>
+      </p:nvGrpSpPr>
+      <p:grpSpPr>
+        <a:xfrm>
+          <a:off x="0" y="0"/>
+          <a:ext cx="0" cy="0"/>
+          <a:chOff x="0" y="0"/>
+          <a:chExt cx="0" cy="0"/>
+        </a:xfrm>
+      </p:grpSpPr>
+      <p:sp>
+        <p:nvSpPr>
+          <p:cNvPr id="2" name="Title 1"/>
+          <p:cNvSpPr>
+            <a:spLocks noGrp="1"/>
+          </p:cNvSpPr>
+          <p:nvPr>
+            <p:ph type="title"/>
+          </p:nvPr>
+        </p:nvSpPr>
+        <p:spPr/>
+        <p:txBody>
+          <a:bodyPr>
+            <a:normAutofit/>
+          </a:bodyPr>
+          <a:lstStyle/>
+          <a:p>
+            <a:r>
+              <a:rPr lang="en-US" dirty="0" smtClean="0"/>
+              <a:t>Solving efficiently: rewriting</a:t>
+            </a:r>
+            <a:endParaRPr lang="en-US" dirty="0"/>
+          </a:p>
+        </p:txBody>
+      </p:sp>
+      <p:sp>
+        <p:nvSpPr>
+          <p:cNvPr id="3" name="Content Placeholder 2"/>
+          <p:cNvSpPr>
+            <a:spLocks noGrp="1"/>
+          </p:cNvSpPr>
+          <p:nvPr>
+            <p:ph idx="1"/>
+          </p:nvPr>
+        </p:nvSpPr>
+        <p:spPr/>
+        <p:txBody>
+          <a:bodyPr/>
+          <a:lstStyle/>
+          <a:p>
+            <a:r>
+              <a:rPr lang="en-US" dirty="0" smtClean="0">
+                <a:solidFill>
+                  <a:srgbClr val="FF0000"/>
+                </a:solidFill>
+              </a:rPr>
+              <a:t>N /</a:t>
+            </a:r>
+            <a:r>
+              <a:rPr lang="en-US" baseline="-25000" dirty="0" smtClean="0">
+                <a:solidFill>
+                  <a:srgbClr val="FF0000"/>
+                </a:solidFill>
+              </a:rPr>
+              <a:t>u</a:t>
+            </a:r>
+            <a:r>
+              <a:rPr lang="en-US" dirty="0" smtClean="0">
+                <a:solidFill>
+                  <a:srgbClr val="FF0000"/>
+                </a:solidFill>
+              </a:rPr>
+              <a:t> x &gt; y </a:t>
+            </a:r>
+            <a:r>
+              <a:rPr lang="en-US" dirty="0" smtClean="0"/>
+              <a:t>(div): solver not good at div</a:t>
+            </a:r>
+          </a:p>
+          <a:p>
+            <a:r>
+              <a:rPr lang="en-US" dirty="0" smtClean="0"/>
+              <a:t>Rewrite to: x</a:t>
+            </a:r>
+            <a:r>
+              <a:rPr lang="en-US" baseline="-25000" dirty="0" smtClean="0"/>
+              <a:t>2n</a:t>
+            </a:r>
+            <a:r>
+              <a:rPr lang="en-US" dirty="0" smtClean="0"/>
+              <a:t> * y</a:t>
+            </a:r>
+            <a:r>
+              <a:rPr lang="en-US" baseline="-25000" dirty="0" smtClean="0"/>
+              <a:t>2n</a:t>
+            </a:r>
+            <a:r>
+              <a:rPr lang="en-US" dirty="0" smtClean="0"/>
+              <a:t> &gt; N (</a:t>
+            </a:r>
+            <a:r>
+              <a:rPr lang="en-US" dirty="0" err="1" smtClean="0"/>
+              <a:t>mul</a:t>
+            </a:r>
+            <a:r>
+              <a:rPr lang="en-US" dirty="0" smtClean="0"/>
+              <a:t>)</a:t>
+            </a:r>
+          </a:p>
+          <a:p>
+            <a:r>
+              <a:rPr lang="en-US" dirty="0" smtClean="0"/>
+              <a:t>Special optimization for N = 2</a:t>
+            </a:r>
+            <a:r>
+              <a:rPr lang="en-US" baseline="30000" dirty="0" smtClean="0"/>
+              <a:t>n</a:t>
+            </a:r>
+            <a:r>
+              <a:rPr lang="en-US" dirty="0" smtClean="0"/>
+              <a:t>-1</a:t>
+            </a:r>
+          </a:p>
+        </p:txBody>
+      </p:sp>
+      <p:graphicFrame>
+        <p:nvGraphicFramePr>
+          <p:cNvPr id="4" name="Chart 3"/>
+          <p:cNvGraphicFramePr/>
+          <p:nvPr>
+            <p:extLst>
+              <p:ext uri="{D42A27DB-BD31-4B8C-83A1-F6EECF244321}">
+                <p14:modId xmlns:p14="http://schemas.microsoft.com/office/powerpoint/2010/main" val="915245093"/>
+              </p:ext>
+            </p:extLst>
+          </p:nvPr>
+        </p:nvGraphicFramePr>
+        <p:xfrm>
+          <a:off x="1358900" y="3708400"/>
+          <a:ext cx="5168900" cy="2844800"/>
+        </p:xfrm>
+        <a:graphic>
+          <a:graphicData uri="http://schemas.openxmlformats.org/drawingml/2006/chart">
+            <c:chart xmlns:c="http://schemas.openxmlformats.org/drawingml/2006/chart" xmlns:r="http://schemas.openxmlformats.org/officeDocument/2006/relationships" r:id="rId2"/>
+          </a:graphicData>
+        </a:graphic>
+      </p:graphicFrame>
+      <p:sp>
+        <p:nvSpPr>
+          <p:cNvPr id="5" name="TextBox 4"/>
+          <p:cNvSpPr txBox="1"/>
+          <p:nvPr/>
+        </p:nvSpPr>
+        <p:spPr>
+          <a:xfrm>
+            <a:off x="5486400" y="3866634"/>
+            <a:ext cx="2613140" cy="523220"/>
+          </a:xfrm>
+          <a:prstGeom prst="rect">
+            <a:avLst/>
+          </a:prstGeom>
+          <a:noFill/>
+        </p:spPr>
+        <p:txBody>
+          <a:bodyPr wrap="none" rtlCol="0">
+            <a:spAutoFit/>
+          </a:bodyPr>
+          <a:lstStyle/>
+          <a:p>
+            <a:r>
+              <a:rPr lang="en-US" sz="2800" dirty="0" smtClean="0">
+                <a:solidFill>
+                  <a:srgbClr val="FF0000"/>
+                </a:solidFill>
+              </a:rPr>
+              <a:t>Up to 2.5x faster</a:t>
+            </a:r>
+            <a:endParaRPr lang="en-US" sz="2800" dirty="0">
+              <a:solidFill>
+                <a:srgbClr val="FF0000"/>
+              </a:solidFill>
+            </a:endParaRPr>
+          </a:p>
+        </p:txBody>
+      </p:sp>
+    </p:spTree>
+    <p:extLst>
+      <p:ext uri="{BB962C8B-B14F-4D97-AF65-F5344CB8AC3E}">
+        <p14:creationId xmlns:p14="http://schemas.microsoft.com/office/powerpoint/2010/main" val="3424843033"/>
+      </p:ext>
+    </p:extLst>
+  </p:cSld>
+  <p:clrMapOvr>
+    <a:masterClrMapping/>
+  </p:clrMapOvr>
+  <p:timing>
+    <p:tnLst>
+      <p:par>
+        <p:cTn xmlns:p14="http://schemas.microsoft.com/office/powerpoint/2010/main" id="1" dur="indefinite" restart="never" nodeType="tmRoot">
+          <p:childTnLst>
+            <p:seq concurrent="1" nextAc="seek">
+              <p:cTn id="2" dur="indefinite" nodeType="mainSeq">
+                <p:childTnLst>
+                  <p:par>
+                    <p:cTn id="3" fill="hold">
+                      <p:stCondLst>
+                        <p:cond delay="indefinite"/>
+                      </p:stCondLst>
+                      <p:childTnLst>
+                        <p:par>
+                          <p:cTn id="4" fill="hold">
+                            <p:stCondLst>
+                              <p:cond delay="0"/>
+                            </p:stCondLst>
+                            <p:childTnLst>
+                              <p:par>
+                                <p:cTn id="5" presetID="1" presetClass="entr" presetSubtype="0" fill="hold" grpId="0" nodeType="clickEffect">
+                                  <p:stCondLst>
+                                    <p:cond delay="0"/>
+                                  </p:stCondLst>
+                                  <p:childTnLst>
+                                    <p:set>
+                                      <p:cBhvr>
+                                        <p:cTn id="6" dur="1" fill="hold">
+                                          <p:stCondLst>
+                                            <p:cond delay="0"/>
+                                          </p:stCondLst>
+                                        </p:cTn>
+                                        <p:tgtEl>
+                                          <p:spTgt spid="5"/>
+                                        </p:tgtEl>
+                                        <p:attrNameLst>
+                                          <p:attrName>style.visibility</p:attrName>
+                                        </p:attrNameLst>
+                                      </p:cBhvr>
+                                      <p:to>
+                                        <p:strVal val="visible"/>
+                                      </p:to>
+                                    </p:set>
+                                  </p:childTnLst>
+                                </p:cTn>
+                              </p:par>
+                            </p:childTnLst>
+                          </p:cTn>
+                        </p:par>
+                      </p:childTnLst>
+                    </p:cTn>
+                  </p:par>
+                </p:childTnLst>
+              </p:cTn>
+              <p:prevCondLst>
+                <p:cond evt="onPrev" delay="0">
+                  <p:tgtEl>
+                    <p:sldTgt/>
+                  </p:tgtEl>
+                </p:cond>
+              </p:prevCondLst>
+              <p:nextCondLst>
+                <p:cond evt="onNext" delay="0">
+                  <p:tgtEl>
+                    <p:sldTgt/>
+                  </p:tgtEl>
+                </p:cond>
+              </p:nextCondLst>
+            </p:seq>
+          </p:childTnLst>
+        </p:cTn>
+      </p:par>
+    </p:tnLst>
+    <p:bldLst>
+      <p:bldP spid="5" grpId="0"/>
+    </p:bldLst>
+  </p:timing>
+</p:sld>
+</file>
+
 <file path=ppt/slides/slide19.xml><?xml version="1.0" encoding="utf-8"?>
 <p:sld xmlns:a="http://schemas.openxmlformats.org/drawingml/2006/main" xmlns:r="http://schemas.openxmlformats.org/officeDocument/2006/relationships" xmlns:p="http://schemas.openxmlformats.org/presentationml/2006/main">
   <p:cSld>
@@ -12330,19 +12375,29 @@
         </p:nvSpPr>
         <p:spPr/>
         <p:txBody>
-          <a:bodyPr/>
+          <a:bodyPr>
+            <a:normAutofit/>
+          </a:bodyPr>
           <a:lstStyle/>
           <a:p>
             <a:r>
               <a:rPr lang="en-US" dirty="0" smtClean="0"/>
-              <a:t>Values from untrusted channels</a:t>
+              <a:t>Values </a:t>
+            </a:r>
+            <a:r>
+              <a:rPr lang="en-US" dirty="0" smtClean="0"/>
+              <a:t>from untrusted channels</a:t>
             </a:r>
           </a:p>
           <a:p>
             <a:pPr lvl="1"/>
             <a:r>
-              <a:rPr lang="en-US" dirty="0" smtClean="0"/>
-              <a:t>User space, disk, network</a:t>
+              <a:rPr lang="en-US" dirty="0" err="1" smtClean="0"/>
+              <a:t>Userspace</a:t>
+            </a:r>
+            <a:r>
+              <a:rPr lang="en-US" dirty="0" smtClean="0"/>
+              <a:t>, disk, network</a:t>
             </a:r>
             <a:endParaRPr lang="en-US" dirty="0"/>
           </a:p>
@@ -14237,7 +14292,7 @@
           <a:p>
             <a:r>
               <a:rPr lang="en-US" dirty="0" smtClean="0"/>
-              <a:t>Implementation</a:t>
+              <a:t>KINT Implementation</a:t>
             </a:r>
             <a:endParaRPr lang="en-US" dirty="0"/>
           </a:p>
@@ -14490,15 +14545,7 @@
             <a:pPr lvl="1"/>
             <a:r>
               <a:rPr lang="en-US" dirty="0" err="1" smtClean="0"/>
-              <a:t>ioctl</a:t>
-            </a:r>
-            <a:r>
-              <a:rPr lang="en-US" dirty="0" smtClean="0"/>
-              <a:t>/</a:t>
-            </a:r>
-            <a:r>
-              <a:rPr lang="en-US" dirty="0" err="1" smtClean="0"/>
-              <a:t>setsockopt</a:t>
+              <a:t>userspace</a:t>
             </a:r>
             <a:r>
               <a:rPr lang="en-US" dirty="0" smtClean="0"/>
@@ -14507,6 +14554,28 @@
             <a:r>
               <a:rPr lang="en-US" dirty="0" err="1" smtClean="0"/>
               <a:t>usb</a:t>
+            </a:r>
+            <a:endParaRPr lang="en-US" dirty="0" smtClean="0"/>
+          </a:p>
+          <a:p>
+            <a:r>
+              <a:rPr lang="en-US" dirty="0" smtClean="0"/>
+              <a:t>Impact</a:t>
+            </a:r>
+          </a:p>
+          <a:p>
+            <a:pPr lvl="1"/>
+            <a:r>
+              <a:rPr lang="en-US" dirty="0" smtClean="0"/>
+              <a:t>Allocation </a:t>
+            </a:r>
+            <a:r>
+              <a:rPr lang="en-US" dirty="0" smtClean="0"/>
+              <a:t>size: </a:t>
+            </a:r>
+            <a:r>
+              <a:rPr lang="en-US" dirty="0" smtClean="0"/>
+              <a:t>buffer overflow</a:t>
             </a:r>
             <a:endParaRPr lang="en-US" dirty="0" smtClean="0"/>
           </a:p>
@@ -14577,7 +14646,7 @@
           <a:p>
             <a:r>
               <a:rPr lang="en-US" dirty="0" smtClean="0"/>
-              <a:t>Broken error handling example</a:t>
+              <a:t>Known bugs</a:t>
             </a:r>
             <a:endParaRPr lang="en-US" dirty="0"/>
           </a:p>
@@ -14598,238 +14667,90 @@
           <a:bodyPr/>
           <a:lstStyle/>
           <a:p>
-            <a:pPr marL="0" indent="0">
-              <a:buNone/>
-            </a:pPr>
-            <a:r>
-              <a:rPr lang="en-US" dirty="0" smtClean="0">
-                <a:latin typeface="Consolas"/>
-                <a:cs typeface="Consolas"/>
-              </a:rPr>
-              <a:t>/* </a:t>
-            </a:r>
-            <a:r>
-              <a:rPr lang="en-US" dirty="0" err="1" smtClean="0">
-                <a:latin typeface="Consolas"/>
-                <a:cs typeface="Consolas"/>
-              </a:rPr>
-              <a:t>drivers:media</a:t>
-            </a:r>
-            <a:r>
-              <a:rPr lang="en-US" dirty="0" smtClean="0">
-                <a:latin typeface="Consolas"/>
-                <a:cs typeface="Consolas"/>
-              </a:rPr>
-              <a:t> */</a:t>
-            </a:r>
-            <a:endParaRPr lang="en-US" dirty="0">
-              <a:latin typeface="Consolas"/>
-              <a:cs typeface="Consolas"/>
-            </a:endParaRPr>
-          </a:p>
-          <a:p>
-            <a:pPr marL="0" indent="0">
-              <a:buNone/>
-            </a:pPr>
-            <a:r>
-              <a:rPr lang="en-US" dirty="0" err="1" smtClean="0">
-                <a:solidFill>
-                  <a:srgbClr val="FF0000"/>
-                </a:solidFill>
-                <a:latin typeface="Consolas"/>
-                <a:cs typeface="Consolas"/>
-              </a:rPr>
-              <a:t>uchar</a:t>
-            </a:r>
-            <a:r>
-              <a:rPr lang="en-US" dirty="0" smtClean="0">
-                <a:latin typeface="Consolas"/>
-                <a:cs typeface="Consolas"/>
-              </a:rPr>
-              <a:t> i2c_read_demod_bytes(…);</a:t>
-            </a:r>
-          </a:p>
-          <a:p>
-            <a:pPr marL="0" indent="0">
-              <a:buNone/>
-            </a:pPr>
-            <a:endParaRPr lang="en-US" dirty="0" smtClean="0">
-              <a:latin typeface="Consolas"/>
-              <a:cs typeface="Consolas"/>
-            </a:endParaRPr>
-          </a:p>
-          <a:p>
-            <a:pPr marL="0" indent="0">
-              <a:buNone/>
-            </a:pPr>
-            <a:r>
-              <a:rPr lang="en-US" dirty="0" err="1" smtClean="0">
-                <a:latin typeface="Consolas"/>
-                <a:cs typeface="Consolas"/>
-              </a:rPr>
-              <a:t>int</a:t>
-            </a:r>
-            <a:r>
-              <a:rPr lang="en-US" dirty="0" smtClean="0">
-                <a:latin typeface="Consolas"/>
-                <a:cs typeface="Consolas"/>
-              </a:rPr>
-              <a:t> err = i2c_read_demod_bytes(…);</a:t>
-            </a:r>
-          </a:p>
-          <a:p>
-            <a:pPr marL="0" indent="0">
-              <a:buNone/>
-            </a:pPr>
-            <a:r>
-              <a:rPr lang="en-US" dirty="0" smtClean="0">
-                <a:latin typeface="Consolas"/>
-                <a:cs typeface="Consolas"/>
-              </a:rPr>
-              <a:t>if (</a:t>
-            </a:r>
-            <a:r>
-              <a:rPr lang="en-US" dirty="0" smtClean="0">
-                <a:solidFill>
-                  <a:srgbClr val="FF0000"/>
-                </a:solidFill>
-                <a:latin typeface="Consolas"/>
-                <a:cs typeface="Consolas"/>
-              </a:rPr>
-              <a:t>err &lt; 0</a:t>
-            </a:r>
-            <a:r>
-              <a:rPr lang="en-US" dirty="0" smtClean="0">
-                <a:latin typeface="Consolas"/>
-                <a:cs typeface="Consolas"/>
-              </a:rPr>
-              <a:t>)</a:t>
-            </a:r>
-          </a:p>
-          <a:p>
-            <a:pPr marL="0" indent="0">
-              <a:buNone/>
-            </a:pPr>
-            <a:r>
-              <a:rPr lang="en-US" dirty="0" smtClean="0">
-                <a:latin typeface="Consolas"/>
-                <a:cs typeface="Consolas"/>
-              </a:rPr>
-              <a:t>    return err;</a:t>
-            </a:r>
-            <a:endParaRPr lang="en-US" dirty="0">
-              <a:latin typeface="Consolas"/>
-              <a:cs typeface="Consolas"/>
-            </a:endParaRPr>
-          </a:p>
-        </p:txBody>
-      </p:sp>
-      <p:sp>
-        <p:nvSpPr>
-          <p:cNvPr id="4" name="Rounded Rectangular Callout 3"/>
-          <p:cNvSpPr/>
-          <p:nvPr/>
-        </p:nvSpPr>
-        <p:spPr>
-          <a:xfrm>
-            <a:off x="5384800" y="4724400"/>
-            <a:ext cx="2641600" cy="1270000"/>
-          </a:xfrm>
-          <a:prstGeom prst="wedgeRoundRectCallout">
-            <a:avLst>
-              <a:gd name="adj1" fmla="val -160054"/>
-              <a:gd name="adj2" fmla="val -122235"/>
-              <a:gd name="adj3" fmla="val 16667"/>
-            </a:avLst>
-          </a:prstGeom>
-        </p:spPr>
-        <p:style>
-          <a:lnRef idx="1">
-            <a:schemeClr val="accent1"/>
-          </a:lnRef>
-          <a:fillRef idx="3">
-            <a:schemeClr val="accent1"/>
-          </a:fillRef>
-          <a:effectRef idx="2">
-            <a:schemeClr val="accent1"/>
-          </a:effectRef>
-          <a:fontRef idx="minor">
-            <a:schemeClr val="lt1"/>
-          </a:fontRef>
-        </p:style>
-        <p:txBody>
-          <a:bodyPr rtlCol="0" anchor="ctr"/>
-          <a:lstStyle/>
-          <a:p>
-            <a:pPr algn="ctr"/>
-            <a:r>
-              <a:rPr lang="en-US" sz="3600" dirty="0" err="1" smtClean="0">
-                <a:solidFill>
-                  <a:srgbClr val="FF0000"/>
-                </a:solidFill>
-              </a:rPr>
-              <a:t>uchar</a:t>
-            </a:r>
-            <a:r>
-              <a:rPr lang="en-US" sz="3600" dirty="0" smtClean="0">
-                <a:solidFill>
-                  <a:srgbClr val="FF0000"/>
-                </a:solidFill>
-              </a:rPr>
-              <a:t> =&gt; </a:t>
-            </a:r>
-            <a:r>
-              <a:rPr lang="en-US" sz="3600" dirty="0" err="1" smtClean="0">
-                <a:solidFill>
-                  <a:srgbClr val="FF0000"/>
-                </a:solidFill>
-              </a:rPr>
-              <a:t>int</a:t>
-            </a:r>
-            <a:endParaRPr lang="en-US" sz="3600" dirty="0" smtClean="0">
-              <a:solidFill>
-                <a:srgbClr val="FF0000"/>
-              </a:solidFill>
-            </a:endParaRPr>
-          </a:p>
-          <a:p>
-            <a:pPr algn="ctr"/>
-            <a:r>
-              <a:rPr lang="en-US" sz="3600" dirty="0" smtClean="0">
-                <a:solidFill>
-                  <a:srgbClr val="FF0000"/>
-                </a:solidFill>
-              </a:rPr>
-              <a:t>(</a:t>
-            </a:r>
-            <a:r>
-              <a:rPr lang="en-US" sz="3600" dirty="0" err="1" smtClean="0">
-                <a:solidFill>
-                  <a:srgbClr val="FF0000"/>
-                </a:solidFill>
-              </a:rPr>
-              <a:t>lossy</a:t>
-            </a:r>
-            <a:r>
-              <a:rPr lang="en-US" sz="3600" dirty="0" smtClean="0">
-                <a:solidFill>
-                  <a:srgbClr val="FF0000"/>
-                </a:solidFill>
-              </a:rPr>
-              <a:t>?)</a:t>
-            </a:r>
-            <a:endParaRPr lang="en-US" sz="3600" dirty="0">
-              <a:solidFill>
-                <a:srgbClr val="FF0000"/>
-              </a:solidFill>
-            </a:endParaRPr>
+            <a:r>
+              <a:rPr lang="en-US" dirty="0"/>
+              <a:t>7 known bugs </a:t>
+            </a:r>
+            <a:r>
+              <a:rPr lang="en-US" dirty="0" smtClean="0"/>
+              <a:t>but fixed incorrectly</a:t>
+            </a:r>
+            <a:endParaRPr lang="en-US" dirty="0"/>
+          </a:p>
+          <a:p>
+            <a:r>
+              <a:rPr lang="en-US" dirty="0"/>
+              <a:t>One fixed three </a:t>
+            </a:r>
+            <a:r>
+              <a:rPr lang="en-US" dirty="0" smtClean="0"/>
+              <a:t>times incorrectly</a:t>
+            </a:r>
+          </a:p>
+          <a:p>
+            <a:pPr lvl="1"/>
+            <a:r>
+              <a:rPr lang="en-US" dirty="0"/>
+              <a:t>O</a:t>
+            </a:r>
+            <a:r>
+              <a:rPr lang="en-US" dirty="0" smtClean="0"/>
+              <a:t>ne</a:t>
+            </a:r>
+            <a:r>
+              <a:rPr lang="en-US" dirty="0"/>
+              <a:t>-line </a:t>
+            </a:r>
+            <a:r>
+              <a:rPr lang="en-US" dirty="0" smtClean="0"/>
+              <a:t>check (from </a:t>
+            </a:r>
+            <a:r>
+              <a:rPr lang="en-US" dirty="0" err="1" smtClean="0"/>
+              <a:t>git</a:t>
+            </a:r>
+            <a:r>
+              <a:rPr lang="en-US" dirty="0" smtClean="0"/>
+              <a:t> log)</a:t>
+            </a:r>
+            <a:endParaRPr lang="en-US" dirty="0"/>
+          </a:p>
+          <a:p>
+            <a:r>
+              <a:rPr lang="en-US" dirty="0"/>
+              <a:t>Two CVE </a:t>
+            </a:r>
+            <a:r>
+              <a:rPr lang="en-US" dirty="0" smtClean="0"/>
+              <a:t>cases</a:t>
+            </a:r>
+          </a:p>
+          <a:p>
+            <a:pPr lvl="1"/>
+            <a:r>
+              <a:rPr lang="en-US" dirty="0"/>
+              <a:t>R</a:t>
+            </a:r>
+            <a:r>
+              <a:rPr lang="en-US" dirty="0" smtClean="0"/>
+              <a:t>eceived </a:t>
+            </a:r>
+            <a:r>
+              <a:rPr lang="en-US" dirty="0"/>
+              <a:t>extensive </a:t>
+            </a:r>
+            <a:r>
+              <a:rPr lang="en-US" dirty="0" smtClean="0"/>
+              <a:t>review</a:t>
+            </a:r>
+            <a:endParaRPr lang="en-US" dirty="0"/>
           </a:p>
         </p:txBody>
       </p:sp>
     </p:spTree>
     <p:extLst>
       <p:ext uri="{BB962C8B-B14F-4D97-AF65-F5344CB8AC3E}">
-        <p14:creationId xmlns:p14="http://schemas.microsoft.com/office/powerpoint/2010/main" val="19979336"/>
+        <p14:creationId xmlns:p14="http://schemas.microsoft.com/office/powerpoint/2010/main" val="3486232498"/>
       </p:ext>
     </p:extLst>
   </p:cSld>
@@ -14880,153 +14801,6 @@
           <a:p>
             <a:r>
               <a:rPr lang="en-US" dirty="0" smtClean="0"/>
-              <a:t>Known bugs</a:t>
-            </a:r>
-            <a:endParaRPr lang="en-US" dirty="0"/>
-          </a:p>
-        </p:txBody>
-      </p:sp>
-      <p:sp>
-        <p:nvSpPr>
-          <p:cNvPr id="3" name="Content Placeholder 2"/>
-          <p:cNvSpPr>
-            <a:spLocks noGrp="1"/>
-          </p:cNvSpPr>
-          <p:nvPr>
-            <p:ph idx="1"/>
-          </p:nvPr>
-        </p:nvSpPr>
-        <p:spPr/>
-        <p:txBody>
-          <a:bodyPr/>
-          <a:lstStyle/>
-          <a:p>
-            <a:r>
-              <a:rPr lang="en-US" dirty="0"/>
-              <a:t>7 known bugs </a:t>
-            </a:r>
-            <a:r>
-              <a:rPr lang="en-US" dirty="0" smtClean="0"/>
-              <a:t>but fixed incorrectly</a:t>
-            </a:r>
-            <a:endParaRPr lang="en-US" dirty="0"/>
-          </a:p>
-          <a:p>
-            <a:r>
-              <a:rPr lang="en-US" dirty="0"/>
-              <a:t>One fixed three </a:t>
-            </a:r>
-            <a:r>
-              <a:rPr lang="en-US" dirty="0" smtClean="0"/>
-              <a:t>times incorrectly</a:t>
-            </a:r>
-          </a:p>
-          <a:p>
-            <a:pPr lvl="1"/>
-            <a:r>
-              <a:rPr lang="en-US" dirty="0"/>
-              <a:t>O</a:t>
-            </a:r>
-            <a:r>
-              <a:rPr lang="en-US" dirty="0" smtClean="0"/>
-              <a:t>ne</a:t>
-            </a:r>
-            <a:r>
-              <a:rPr lang="en-US" dirty="0"/>
-              <a:t>-line </a:t>
-            </a:r>
-            <a:r>
-              <a:rPr lang="en-US" dirty="0" smtClean="0"/>
-              <a:t>check</a:t>
-            </a:r>
-            <a:endParaRPr lang="en-US" dirty="0"/>
-          </a:p>
-          <a:p>
-            <a:r>
-              <a:rPr lang="en-US" dirty="0"/>
-              <a:t>Two CVE </a:t>
-            </a:r>
-            <a:r>
-              <a:rPr lang="en-US" dirty="0" smtClean="0"/>
-              <a:t>cases</a:t>
-            </a:r>
-          </a:p>
-          <a:p>
-            <a:pPr lvl="1"/>
-            <a:r>
-              <a:rPr lang="en-US" dirty="0"/>
-              <a:t>R</a:t>
-            </a:r>
-            <a:r>
-              <a:rPr lang="en-US" dirty="0" smtClean="0"/>
-              <a:t>eceived </a:t>
-            </a:r>
-            <a:r>
-              <a:rPr lang="en-US" dirty="0"/>
-              <a:t>extensive </a:t>
-            </a:r>
-            <a:r>
-              <a:rPr lang="en-US" dirty="0" smtClean="0"/>
-              <a:t>review</a:t>
-            </a:r>
-            <a:endParaRPr lang="en-US" dirty="0"/>
-          </a:p>
-        </p:txBody>
-      </p:sp>
-    </p:spTree>
-    <p:extLst>
-      <p:ext uri="{BB962C8B-B14F-4D97-AF65-F5344CB8AC3E}">
-        <p14:creationId xmlns:p14="http://schemas.microsoft.com/office/powerpoint/2010/main" val="3486232498"/>
-      </p:ext>
-    </p:extLst>
-  </p:cSld>
-  <p:clrMapOvr>
-    <a:masterClrMapping/>
-  </p:clrMapOvr>
-  <p:timing>
-    <p:tnLst>
-      <p:par>
-        <p:cTn xmlns:p14="http://schemas.microsoft.com/office/powerpoint/2010/main" id="1" dur="indefinite" restart="never" nodeType="tmRoot"/>
-      </p:par>
-    </p:tnLst>
-  </p:timing>
-</p:sld>
-</file>
-
-<file path=ppt/slides/slide25.xml><?xml version="1.0" encoding="utf-8"?>
-<p:sld xmlns:a="http://schemas.openxmlformats.org/drawingml/2006/main" xmlns:r="http://schemas.openxmlformats.org/officeDocument/2006/relationships" xmlns:p="http://schemas.openxmlformats.org/presentationml/2006/main">
-  <p:cSld>
-    <p:spTree>
-      <p:nvGrpSpPr>
-        <p:cNvPr id="1" name=""/>
-        <p:cNvGrpSpPr/>
-        <p:nvPr/>
-      </p:nvGrpSpPr>
-      <p:grpSpPr>
-        <a:xfrm>
-          <a:off x="0" y="0"/>
-          <a:ext cx="0" cy="0"/>
-          <a:chOff x="0" y="0"/>
-          <a:chExt cx="0" cy="0"/>
-        </a:xfrm>
-      </p:grpSpPr>
-      <p:sp>
-        <p:nvSpPr>
-          <p:cNvPr id="2" name="Title 1"/>
-          <p:cNvSpPr>
-            <a:spLocks noGrp="1"/>
-          </p:cNvSpPr>
-          <p:nvPr>
-            <p:ph type="title"/>
-          </p:nvPr>
-        </p:nvSpPr>
-        <p:spPr/>
-        <p:txBody>
-          <a:bodyPr/>
-          <a:lstStyle/>
-          <a:p>
-            <a:r>
-              <a:rPr lang="en-US" dirty="0" smtClean="0"/>
               <a:t>Bad fix: CVE</a:t>
             </a:r>
             <a:r>
@@ -15062,7 +14836,7 @@
         </p:spPr>
         <p:txBody>
           <a:bodyPr>
-            <a:normAutofit fontScale="85000" lnSpcReduction="10000"/>
+            <a:normAutofit fontScale="92500" lnSpcReduction="20000"/>
           </a:bodyPr>
           <a:lstStyle/>
           <a:p>
@@ -15090,84 +14864,26 @@
           </a:p>
           <a:p>
             <a:r>
-              <a:rPr lang="en-US" dirty="0"/>
-              <a:t>LHS: </a:t>
-            </a:r>
-            <a:r>
-              <a:rPr lang="en-US" dirty="0" smtClean="0">
-                <a:latin typeface="Consolas"/>
-                <a:cs typeface="Consolas"/>
-              </a:rPr>
-              <a:t>0x80000000</a:t>
-            </a:r>
-            <a:endParaRPr lang="en-US" dirty="0">
-              <a:latin typeface="Consolas"/>
-              <a:cs typeface="Consolas"/>
-            </a:endParaRPr>
-          </a:p>
-          <a:p>
-            <a:r>
-              <a:rPr lang="en-US" dirty="0" smtClean="0"/>
-              <a:t>Signed or unsigned: </a:t>
-            </a:r>
-            <a:r>
-              <a:rPr lang="en-US" dirty="0"/>
-              <a:t>-</a:t>
-            </a:r>
-            <a:r>
-              <a:rPr lang="en-US" dirty="0" smtClean="0"/>
-              <a:t>2147483648 vs</a:t>
-            </a:r>
-            <a:r>
-              <a:rPr lang="en-US" dirty="0"/>
-              <a:t>. </a:t>
-            </a:r>
-            <a:r>
-              <a:rPr lang="en-US" dirty="0" smtClean="0"/>
-              <a:t>2147483648</a:t>
-            </a:r>
-          </a:p>
-          <a:p>
-            <a:r>
-              <a:rPr lang="en-US" dirty="0"/>
-              <a:t>Correct </a:t>
-            </a:r>
-            <a:r>
-              <a:rPr lang="en-US" dirty="0" smtClean="0"/>
-              <a:t>check: </a:t>
-            </a:r>
-            <a:r>
-              <a:rPr lang="en-US" dirty="0" err="1">
-                <a:latin typeface="Consolas"/>
-                <a:cs typeface="Consolas"/>
-              </a:rPr>
-              <a:t>key_len</a:t>
-            </a:r>
-            <a:r>
-              <a:rPr lang="en-US" dirty="0">
-                <a:latin typeface="Consolas"/>
-                <a:cs typeface="Consolas"/>
-              </a:rPr>
-              <a:t> &gt; INT_MAX – </a:t>
-            </a:r>
-            <a:r>
-              <a:rPr lang="en-US" dirty="0" err="1">
-                <a:latin typeface="Consolas"/>
-                <a:cs typeface="Consolas"/>
-              </a:rPr>
-              <a:t>sizeof</a:t>
-            </a:r>
-            <a:r>
-              <a:rPr lang="en-US" dirty="0">
-                <a:latin typeface="Consolas"/>
-                <a:cs typeface="Consolas"/>
-              </a:rPr>
-              <a:t>(…)</a:t>
-            </a:r>
-            <a:endParaRPr lang="en-US" baseline="30000" dirty="0">
-              <a:latin typeface="Consolas"/>
-              <a:cs typeface="Consolas"/>
-            </a:endParaRPr>
+              <a:rPr lang="en-US" dirty="0" smtClean="0"/>
+              <a:t>LHS: negative?</a:t>
+            </a:r>
+          </a:p>
+          <a:p>
+            <a:r>
+              <a:rPr lang="en-US" dirty="0" smtClean="0"/>
+              <a:t>C 101: unsigned type promotion</a:t>
+            </a:r>
+          </a:p>
+          <a:p>
+            <a:r>
+              <a:rPr lang="en-US" dirty="0" smtClean="0"/>
+              <a:t>KINT: LHS is large positive 2</a:t>
+            </a:r>
+            <a:r>
+              <a:rPr lang="en-US" baseline="30000" dirty="0" smtClean="0"/>
+              <a:t>31</a:t>
+            </a:r>
+            <a:endParaRPr lang="en-US" baseline="30000" dirty="0" smtClean="0"/>
           </a:p>
         </p:txBody>
       </p:sp>
@@ -15208,57 +14924,7 @@
                 <a:latin typeface="Consolas"/>
                 <a:cs typeface="Consolas"/>
               </a:rPr>
-              <a:t>u32</a:t>
-            </a:r>
-            <a:r>
-              <a:rPr lang="en-US" dirty="0" smtClean="0">
-                <a:latin typeface="Consolas"/>
-                <a:cs typeface="Consolas"/>
-              </a:rPr>
-              <a:t> </a:t>
-            </a:r>
-            <a:r>
-              <a:rPr lang="en-US" dirty="0" err="1">
-                <a:latin typeface="Consolas"/>
-                <a:cs typeface="Consolas"/>
-              </a:rPr>
-              <a:t>key_len</a:t>
-            </a:r>
-            <a:r>
-              <a:rPr lang="en-US" dirty="0">
-                <a:latin typeface="Consolas"/>
-                <a:cs typeface="Consolas"/>
-              </a:rPr>
-              <a:t> *</a:t>
-            </a:r>
-            <a:r>
-              <a:rPr lang="en-US" dirty="0" smtClean="0">
-                <a:latin typeface="Consolas"/>
-                <a:cs typeface="Consolas"/>
-              </a:rPr>
-              <a:t>/</a:t>
-            </a:r>
-          </a:p>
-          <a:p>
-            <a:r>
-              <a:rPr lang="en-US" dirty="0" smtClean="0">
-                <a:solidFill>
-                  <a:srgbClr val="FF0000"/>
-                </a:solidFill>
-                <a:latin typeface="Consolas"/>
-                <a:cs typeface="Consolas"/>
-              </a:rPr>
-              <a:t>if </a:t>
-            </a:r>
-            <a:r>
-              <a:rPr lang="en-US" dirty="0">
-                <a:solidFill>
-                  <a:srgbClr val="FF0000"/>
-                </a:solidFill>
-                <a:latin typeface="Consolas"/>
-                <a:cs typeface="Consolas"/>
-              </a:rPr>
-              <a:t>(INT_MAX - </a:t>
+              <a:t>u32 </a:t>
             </a:r>
             <a:r>
               <a:rPr lang="en-US" dirty="0" err="1">
@@ -15272,13 +14938,33 @@
             </a:r>
             <a:r>
               <a:rPr lang="en-US" dirty="0">
-                <a:solidFill>
-                  <a:srgbClr val="FF0000"/>
-                </a:solidFill>
-                <a:latin typeface="Consolas"/>
-                <a:cs typeface="Consolas"/>
-              </a:rPr>
-              <a:t> &lt; </a:t>
+                <a:latin typeface="Consolas"/>
+                <a:cs typeface="Consolas"/>
+              </a:rPr>
+              <a:t> *</a:t>
+            </a:r>
+            <a:r>
+              <a:rPr lang="en-US" dirty="0" smtClean="0">
+                <a:latin typeface="Consolas"/>
+                <a:cs typeface="Consolas"/>
+              </a:rPr>
+              <a:t>/</a:t>
+            </a:r>
+          </a:p>
+          <a:p>
+            <a:r>
+              <a:rPr lang="en-US" dirty="0" smtClean="0">
+                <a:latin typeface="Consolas"/>
+                <a:cs typeface="Consolas"/>
+              </a:rPr>
+              <a:t>if </a:t>
+            </a:r>
+            <a:r>
+              <a:rPr lang="en-US" dirty="0">
+                <a:latin typeface="Consolas"/>
+                <a:cs typeface="Consolas"/>
+              </a:rPr>
+              <a:t>(INT_MAX - </a:t>
             </a:r>
             <a:r>
               <a:rPr lang="en-US" dirty="0" err="1">
@@ -15288,17 +14974,151 @@
                 <a:latin typeface="Consolas"/>
                 <a:cs typeface="Consolas"/>
               </a:rPr>
+              <a:t>key_len</a:t>
+            </a:r>
+            <a:r>
+              <a:rPr lang="en-US" dirty="0">
+                <a:latin typeface="Consolas"/>
+                <a:cs typeface="Consolas"/>
+              </a:rPr>
+              <a:t> &lt; </a:t>
+            </a:r>
+            <a:r>
+              <a:rPr lang="en-US" dirty="0" err="1">
+                <a:latin typeface="Consolas"/>
+                <a:cs typeface="Consolas"/>
+              </a:rPr>
               <a:t>sizeof</a:t>
             </a:r>
             <a:r>
               <a:rPr lang="en-US" dirty="0">
-                <a:solidFill>
-                  <a:srgbClr val="FF0000"/>
-                </a:solidFill>
                 <a:latin typeface="Consolas"/>
                 <a:cs typeface="Consolas"/>
               </a:rPr>
               <a:t>(</a:t>
+            </a:r>
+            <a:r>
+              <a:rPr lang="en-US" dirty="0" err="1">
+                <a:latin typeface="Consolas"/>
+                <a:cs typeface="Consolas"/>
+              </a:rPr>
+              <a:t>struct</a:t>
+            </a:r>
+            <a:r>
+              <a:rPr lang="en-US" dirty="0">
+                <a:latin typeface="Consolas"/>
+                <a:cs typeface="Consolas"/>
+              </a:rPr>
+              <a:t> </a:t>
+            </a:r>
+            <a:r>
+              <a:rPr lang="en-US" dirty="0" err="1">
+                <a:latin typeface="Consolas"/>
+                <a:cs typeface="Consolas"/>
+              </a:rPr>
+              <a:t>sctp_auth_bytes</a:t>
+            </a:r>
+            <a:r>
+              <a:rPr lang="en-US" dirty="0">
+                <a:latin typeface="Consolas"/>
+                <a:cs typeface="Consolas"/>
+              </a:rPr>
+              <a:t>))</a:t>
+            </a:r>
+          </a:p>
+          <a:p>
+            <a:r>
+              <a:rPr lang="en-US" dirty="0" smtClean="0">
+                <a:latin typeface="Consolas"/>
+                <a:cs typeface="Consolas"/>
+              </a:rPr>
+              <a:t>    return </a:t>
+            </a:r>
+            <a:r>
+              <a:rPr lang="en-US" dirty="0">
+                <a:latin typeface="Consolas"/>
+                <a:cs typeface="Consolas"/>
+              </a:rPr>
+              <a:t>NULL</a:t>
+            </a:r>
+            <a:r>
+              <a:rPr lang="en-US" dirty="0" smtClean="0">
+                <a:latin typeface="Consolas"/>
+                <a:cs typeface="Consolas"/>
+              </a:rPr>
+              <a:t>;</a:t>
+            </a:r>
+          </a:p>
+          <a:p>
+            <a:r>
+              <a:rPr lang="en-US" dirty="0" smtClean="0">
+                <a:latin typeface="Consolas"/>
+                <a:cs typeface="Consolas"/>
+              </a:rPr>
+              <a:t>key </a:t>
+            </a:r>
+            <a:r>
+              <a:rPr lang="en-US" dirty="0">
+                <a:latin typeface="Consolas"/>
+                <a:cs typeface="Consolas"/>
+              </a:rPr>
+              <a:t>= </a:t>
+            </a:r>
+            <a:r>
+              <a:rPr lang="en-US" dirty="0" err="1">
+                <a:latin typeface="Consolas"/>
+                <a:cs typeface="Consolas"/>
+              </a:rPr>
+              <a:t>kmalloc</a:t>
+            </a:r>
+            <a:r>
+              <a:rPr lang="en-US" dirty="0">
+                <a:latin typeface="Consolas"/>
+                <a:cs typeface="Consolas"/>
+              </a:rPr>
+              <a:t>(</a:t>
+            </a:r>
+            <a:r>
+              <a:rPr lang="en-US" dirty="0" err="1">
+                <a:latin typeface="Consolas"/>
+                <a:cs typeface="Consolas"/>
+              </a:rPr>
+              <a:t>sizeof</a:t>
+            </a:r>
+            <a:r>
+              <a:rPr lang="en-US" dirty="0">
+                <a:latin typeface="Consolas"/>
+                <a:cs typeface="Consolas"/>
+              </a:rPr>
+              <a:t>(</a:t>
+            </a:r>
+            <a:r>
+              <a:rPr lang="en-US" dirty="0" err="1">
+                <a:latin typeface="Consolas"/>
+                <a:cs typeface="Consolas"/>
+              </a:rPr>
+              <a:t>struct</a:t>
+            </a:r>
+            <a:r>
+              <a:rPr lang="en-US" dirty="0">
+                <a:latin typeface="Consolas"/>
+                <a:cs typeface="Consolas"/>
+              </a:rPr>
+              <a:t> </a:t>
+            </a:r>
+            <a:r>
+              <a:rPr lang="en-US" dirty="0" err="1">
+                <a:latin typeface="Consolas"/>
+                <a:cs typeface="Consolas"/>
+              </a:rPr>
+              <a:t>sctp_auth_bytes</a:t>
+            </a:r>
+            <a:r>
+              <a:rPr lang="en-US" dirty="0" smtClean="0">
+                <a:latin typeface="Consolas"/>
+                <a:cs typeface="Consolas"/>
+              </a:rPr>
+              <a:t>) + </a:t>
             </a:r>
             <a:r>
               <a:rPr lang="en-US" dirty="0" err="1">
@@ -15308,170 +15128,154 @@
                 <a:latin typeface="Consolas"/>
                 <a:cs typeface="Consolas"/>
               </a:rPr>
-              <a:t>struct</a:t>
+              <a:t>key_len</a:t>
             </a:r>
             <a:r>
               <a:rPr lang="en-US" dirty="0">
-                <a:solidFill>
-                  <a:srgbClr val="FF0000"/>
-                </a:solidFill>
-                <a:latin typeface="Consolas"/>
-                <a:cs typeface="Consolas"/>
-              </a:rPr>
-              <a:t> </a:t>
+                <a:latin typeface="Consolas"/>
+                <a:cs typeface="Consolas"/>
+              </a:rPr>
+              <a:t>, </a:t>
             </a:r>
             <a:r>
               <a:rPr lang="en-US" dirty="0" err="1">
-                <a:solidFill>
-                  <a:srgbClr val="FF0000"/>
-                </a:solidFill>
-                <a:latin typeface="Consolas"/>
-                <a:cs typeface="Consolas"/>
-              </a:rPr>
-              <a:t>sctp_auth_bytes</a:t>
+                <a:latin typeface="Consolas"/>
+                <a:cs typeface="Consolas"/>
+              </a:rPr>
+              <a:t>gfp</a:t>
             </a:r>
             <a:r>
               <a:rPr lang="en-US" dirty="0">
-                <a:solidFill>
-                  <a:srgbClr val="FF0000"/>
-                </a:solidFill>
-                <a:latin typeface="Consolas"/>
-                <a:cs typeface="Consolas"/>
-              </a:rPr>
-              <a:t>))</a:t>
-            </a:r>
-          </a:p>
-          <a:p>
+                <a:latin typeface="Consolas"/>
+                <a:cs typeface="Consolas"/>
+              </a:rPr>
+              <a:t>);</a:t>
+            </a:r>
+          </a:p>
+        </p:txBody>
+      </p:sp>
+      <p:sp>
+        <p:nvSpPr>
+          <p:cNvPr id="6" name="Oval 5"/>
+          <p:cNvSpPr/>
+          <p:nvPr/>
+        </p:nvSpPr>
+        <p:spPr>
+          <a:xfrm>
+            <a:off x="838200" y="1981200"/>
+            <a:ext cx="546100" cy="292100"/>
+          </a:xfrm>
+          <a:prstGeom prst="ellipse">
+            <a:avLst/>
+          </a:prstGeom>
+          <a:noFill/>
+          <a:ln w="38100" cmpd="sng">
+            <a:solidFill>
+              <a:schemeClr val="tx2"/>
+            </a:solidFill>
+            <a:prstDash val="sysDash"/>
+          </a:ln>
+          <a:effectLst/>
+        </p:spPr>
+        <p:style>
+          <a:lnRef idx="1">
+            <a:schemeClr val="accent1"/>
+          </a:lnRef>
+          <a:fillRef idx="3">
+            <a:schemeClr val="accent1"/>
+          </a:fillRef>
+          <a:effectRef idx="2">
+            <a:schemeClr val="accent1"/>
+          </a:effectRef>
+          <a:fontRef idx="minor">
+            <a:schemeClr val="lt1"/>
+          </a:fontRef>
+        </p:style>
+        <p:txBody>
+          <a:bodyPr rtlCol="0" anchor="ctr"/>
+          <a:lstStyle/>
+          <a:p>
+            <a:pPr algn="ctr"/>
+            <a:endParaRPr lang="en-US"/>
+          </a:p>
+        </p:txBody>
+      </p:sp>
+      <p:sp>
+        <p:nvSpPr>
+          <p:cNvPr id="20" name="Rectangular Callout 19"/>
+          <p:cNvSpPr/>
+          <p:nvPr/>
+        </p:nvSpPr>
+        <p:spPr>
+          <a:xfrm>
+            <a:off x="3111500" y="1384300"/>
+            <a:ext cx="3924300" cy="596900"/>
+          </a:xfrm>
+          <a:prstGeom prst="wedgeRectCallout">
+            <a:avLst>
+              <a:gd name="adj1" fmla="val -41678"/>
+              <a:gd name="adj2" fmla="val 100625"/>
+            </a:avLst>
+          </a:prstGeom>
+        </p:spPr>
+        <p:style>
+          <a:lnRef idx="1">
+            <a:schemeClr val="accent1"/>
+          </a:lnRef>
+          <a:fillRef idx="3">
+            <a:schemeClr val="accent1"/>
+          </a:fillRef>
+          <a:effectRef idx="2">
+            <a:schemeClr val="accent1"/>
+          </a:effectRef>
+          <a:fontRef idx="minor">
+            <a:schemeClr val="lt1"/>
+          </a:fontRef>
+        </p:style>
+        <p:txBody>
+          <a:bodyPr rtlCol="0" anchor="ctr"/>
+          <a:lstStyle/>
+          <a:p>
+            <a:pPr algn="ctr"/>
+            <a:r>
+              <a:rPr lang="en-US" dirty="0" err="1" smtClean="0">
+                <a:latin typeface="Consolas"/>
+                <a:cs typeface="Consolas"/>
+              </a:rPr>
+              <a:t>key_len</a:t>
+            </a:r>
             <a:r>
               <a:rPr lang="en-US" dirty="0" smtClean="0">
-                <a:solidFill>
-                  <a:srgbClr val="FF0000"/>
-                </a:solidFill>
-                <a:latin typeface="Consolas"/>
-                <a:cs typeface="Consolas"/>
-              </a:rPr>
-              <a:t>    return </a:t>
+                <a:latin typeface="Consolas"/>
+                <a:cs typeface="Consolas"/>
+              </a:rPr>
+              <a:t> &gt; INT_MAX </a:t>
             </a:r>
             <a:r>
               <a:rPr lang="en-US" dirty="0">
-                <a:solidFill>
-                  <a:srgbClr val="FF0000"/>
-                </a:solidFill>
-                <a:latin typeface="Consolas"/>
-                <a:cs typeface="Consolas"/>
-              </a:rPr>
-              <a:t>NULL</a:t>
+                <a:latin typeface="Consolas"/>
+                <a:cs typeface="Consolas"/>
+              </a:rPr>
+              <a:t>– </a:t>
+            </a:r>
+            <a:r>
+              <a:rPr lang="en-US" dirty="0" err="1" smtClean="0">
+                <a:latin typeface="Consolas"/>
+                <a:cs typeface="Consolas"/>
+              </a:rPr>
+              <a:t>sizeof</a:t>
             </a:r>
             <a:r>
               <a:rPr lang="en-US" dirty="0" smtClean="0">
-                <a:solidFill>
-                  <a:srgbClr val="FF0000"/>
-                </a:solidFill>
-                <a:latin typeface="Consolas"/>
-                <a:cs typeface="Consolas"/>
-              </a:rPr>
-              <a:t>;</a:t>
-            </a:r>
-          </a:p>
-          <a:p>
-            <a:r>
-              <a:rPr lang="en-US" dirty="0" smtClean="0">
-                <a:latin typeface="Consolas"/>
-                <a:cs typeface="Consolas"/>
-              </a:rPr>
-              <a:t>key </a:t>
-            </a:r>
-            <a:r>
-              <a:rPr lang="en-US" dirty="0">
-                <a:latin typeface="Consolas"/>
-                <a:cs typeface="Consolas"/>
-              </a:rPr>
-              <a:t>= </a:t>
-            </a:r>
-            <a:r>
-              <a:rPr lang="en-US" dirty="0" err="1">
-                <a:latin typeface="Consolas"/>
-                <a:cs typeface="Consolas"/>
-              </a:rPr>
-              <a:t>kmalloc</a:t>
-            </a:r>
-            <a:r>
-              <a:rPr lang="en-US" dirty="0">
-                <a:latin typeface="Consolas"/>
-                <a:cs typeface="Consolas"/>
-              </a:rPr>
-              <a:t>(</a:t>
-            </a:r>
-            <a:r>
-              <a:rPr lang="en-US" dirty="0" err="1">
-                <a:latin typeface="Consolas"/>
-                <a:cs typeface="Consolas"/>
-              </a:rPr>
-              <a:t>sizeof</a:t>
-            </a:r>
-            <a:r>
-              <a:rPr lang="en-US" dirty="0">
-                <a:latin typeface="Consolas"/>
-                <a:cs typeface="Consolas"/>
-              </a:rPr>
-              <a:t>(</a:t>
-            </a:r>
-            <a:r>
-              <a:rPr lang="en-US" dirty="0" err="1">
-                <a:latin typeface="Consolas"/>
-                <a:cs typeface="Consolas"/>
-              </a:rPr>
-              <a:t>struct</a:t>
-            </a:r>
-            <a:r>
-              <a:rPr lang="en-US" dirty="0">
-                <a:latin typeface="Consolas"/>
-                <a:cs typeface="Consolas"/>
-              </a:rPr>
-              <a:t> </a:t>
-            </a:r>
-            <a:r>
-              <a:rPr lang="en-US" dirty="0" err="1">
-                <a:latin typeface="Consolas"/>
-                <a:cs typeface="Consolas"/>
-              </a:rPr>
-              <a:t>sctp_auth_bytes</a:t>
-            </a:r>
-            <a:r>
-              <a:rPr lang="en-US" dirty="0" smtClean="0">
-                <a:latin typeface="Consolas"/>
-                <a:cs typeface="Consolas"/>
-              </a:rPr>
-              <a:t>) + </a:t>
-            </a:r>
-            <a:r>
-              <a:rPr lang="en-US" dirty="0" err="1">
-                <a:latin typeface="Consolas"/>
-                <a:cs typeface="Consolas"/>
-              </a:rPr>
-              <a:t>key_len</a:t>
-            </a:r>
-            <a:r>
-              <a:rPr lang="en-US" dirty="0">
-                <a:latin typeface="Consolas"/>
-                <a:cs typeface="Consolas"/>
-              </a:rPr>
-              <a:t>, </a:t>
-            </a:r>
-            <a:r>
-              <a:rPr lang="en-US" dirty="0" err="1">
-                <a:latin typeface="Consolas"/>
-                <a:cs typeface="Consolas"/>
-              </a:rPr>
-              <a:t>gfp</a:t>
-            </a:r>
-            <a:r>
-              <a:rPr lang="en-US" dirty="0">
-                <a:latin typeface="Consolas"/>
-                <a:cs typeface="Consolas"/>
-              </a:rPr>
-              <a:t>);</a:t>
-            </a:r>
+                <a:latin typeface="Consolas"/>
+                <a:cs typeface="Consolas"/>
+              </a:rPr>
+              <a:t>(…)</a:t>
+            </a:r>
+            <a:endParaRPr lang="en-US" dirty="0">
+              <a:latin typeface="Consolas"/>
+              <a:cs typeface="Consolas"/>
+            </a:endParaRPr>
           </a:p>
         </p:txBody>
       </p:sp>
@@ -15585,6 +15389,33 @@
                                   </p:childTnLst>
                                 </p:cTn>
                               </p:par>
+                              <p:par>
+                                <p:cTn id="11" presetID="1" presetClass="entr" presetSubtype="0" fill="hold" grpId="0" nodeType="withEffect">
+                                  <p:stCondLst>
+                                    <p:cond delay="0"/>
+                                  </p:stCondLst>
+                                  <p:childTnLst>
+                                    <p:set>
+                                      <p:cBhvr>
+                                        <p:cTn id="12" dur="1" fill="hold">
+                                          <p:stCondLst>
+                                            <p:cond delay="0"/>
+                                          </p:stCondLst>
+                                        </p:cTn>
+                                        <p:tgtEl>
+                                          <p:spTgt spid="6"/>
+                                        </p:tgtEl>
+                                        <p:attrNameLst>
+                                          <p:attrName>style.visibility</p:attrName>
+                                        </p:attrNameLst>
+                                      </p:cBhvr>
+                                      <p:to>
+                                        <p:strVal val="visible"/>
+                                      </p:to>
+                                    </p:set>
+                                  </p:childTnLst>
+                                </p:cTn>
+                              </p:par>
                             </p:childTnLst>
                           </p:cTn>
                         </p:par>
@@ -15592,26 +15423,26 @@
                     </p:cTn>
                   </p:par>
                   <p:par>
-                    <p:cTn id="11" fill="hold">
+                    <p:cTn id="13" fill="hold">
                       <p:stCondLst>
                         <p:cond delay="indefinite"/>
                       </p:stCondLst>
                       <p:childTnLst>
                         <p:par>
-                          <p:cTn id="12" fill="hold">
+                          <p:cTn id="14" fill="hold">
                             <p:stCondLst>
                               <p:cond delay="0"/>
                             </p:stCondLst>
                             <p:childTnLst>
                               <p:par>
-                                <p:cTn id="13" presetID="1" presetClass="entr" presetSubtype="0" fill="hold" grpId="0" nodeType="clickEffect">
+                                <p:cTn id="15" presetID="1" presetClass="entr" presetSubtype="0" fill="hold" grpId="0" nodeType="clickEffect">
                                   <p:stCondLst>
                                     <p:cond delay="0"/>
                                   </p:stCondLst>
                                   <p:childTnLst>
                                     <p:set>
                                       <p:cBhvr>
-                                        <p:cTn id="14" dur="1" fill="hold">
+                                        <p:cTn id="16" dur="1" fill="hold">
                                           <p:stCondLst>
                                             <p:cond delay="0"/>
                                           </p:stCondLst>
@@ -15622,6 +15453,51 @@
                                               <p:pRg st="3" end="3"/>
                                             </p:txEl>
                                           </p:spTgt>
+                                        </p:tgtEl>
+                                        <p:attrNameLst>
+                                          <p:attrName>style.visibility</p:attrName>
+                                        </p:attrNameLst>
+                                      </p:cBhvr>
+                                      <p:to>
+                                        <p:strVal val="visible"/>
+                                      </p:to>
+                                    </p:set>
+                                  </p:childTnLst>
+                                </p:cTn>
+                              </p:par>
+                            </p:childTnLst>
+                          </p:cTn>
+                        </p:par>
+                      </p:childTnLst>
+                    </p:cTn>
+                  </p:par>
+                  <p:par>
+                    <p:cTn id="17" fill="hold">
+                      <p:stCondLst>
+                        <p:cond delay="indefinite"/>
+                      </p:stCondLst>
+                      <p:childTnLst>
+                        <p:par>
+                          <p:cTn id="18" fill="hold">
+                            <p:stCondLst>
+                              <p:cond delay="0"/>
+                            </p:stCondLst>
+                            <p:childTnLst>
+                              <p:par>
+                                <p:cTn id="19" presetID="1" presetClass="entr" presetSubtype="0" fill="hold" grpId="0" nodeType="clickEffect">
+                                  <p:stCondLst>
+                                    <p:cond delay="0"/>
+                                  </p:stCondLst>
+                                  <p:childTnLst>
+                                    <p:set>
+                                      <p:cBhvr>
+                                        <p:cTn id="20" dur="1" fill="hold">
+                                          <p:stCondLst>
+                                            <p:cond delay="0"/>
+                                          </p:stCondLst>
+                                        </p:cTn>
+                                        <p:tgtEl>
+                                          <p:spTgt spid="20"/>
                                         </p:tgtEl>
                                         <p:attrNameLst>
                                           <p:attrName>style.visibility</p:attrName>
@@ -15663,12 +15539,14 @@
     </p:tnLst>
     <p:bldLst>
       <p:bldP spid="3" grpId="0" build="p"/>
+      <p:bldP spid="6" grpId="0" animBg="1"/>
+      <p:bldP spid="20" grpId="0" animBg="1"/>
     </p:bldLst>
   </p:timing>
 </p:sld>
 </file>
 
-<file path=ppt/slides/slide26.xml><?xml version="1.0" encoding="utf-8"?>
+<file path=ppt/slides/slide25.xml><?xml version="1.0" encoding="utf-8"?>
 <p:sld xmlns:a="http://schemas.openxmlformats.org/drawingml/2006/main" xmlns:r="http://schemas.openxmlformats.org/officeDocument/2006/relationships" xmlns:p="http://schemas.openxmlformats.org/presentationml/2006/main">
   <p:cSld>
     <p:spTree>
@@ -15985,7 +15863,7 @@
         </p:spPr>
         <p:txBody>
           <a:bodyPr vert="horz" lIns="91440" tIns="45720" rIns="91440" bIns="45720" rtlCol="0">
-            <a:normAutofit/>
+            <a:normAutofit fontScale="92500" lnSpcReduction="20000"/>
           </a:bodyPr>
           <a:lstStyle>
             <a:lvl1pPr marL="342900" indent="-342900" algn="l" defTabSz="457200" rtl="0" eaLnBrk="1" latinLnBrk="0" hangingPunct="1">
@@ -16141,14 +16019,29 @@
           <a:p>
             <a:r>
               <a:rPr lang="en-US" dirty="0" smtClean="0"/>
-              <a:t>Inconsistency: 1 &lt;&lt; 32 = 1, on x86</a:t>
-            </a:r>
-          </a:p>
-          <a:p>
-            <a:r>
-              <a:rPr lang="en-US" dirty="0" smtClean="0"/>
-              <a:t>Undefined behavior: aggressive compiler</a:t>
-            </a:r>
+              <a:t>Inconsistency: 1 &lt;&lt; 32 = 1, on </a:t>
+            </a:r>
+            <a:r>
+              <a:rPr lang="en-US" dirty="0" smtClean="0"/>
+              <a:t>x86</a:t>
+            </a:r>
+          </a:p>
+          <a:p>
+            <a:r>
+              <a:rPr lang="en-US" dirty="0" smtClean="0"/>
+              <a:t>Undefined </a:t>
+            </a:r>
+            <a:r>
+              <a:rPr lang="en-US" dirty="0" smtClean="0"/>
+              <a:t>behavior: aggressive compiler</a:t>
+            </a:r>
+          </a:p>
+          <a:p>
+            <a:r>
+              <a:rPr lang="en-US" dirty="0" smtClean="0"/>
+              <a:t>KINT: oversized shift</a:t>
+            </a:r>
+            <a:endParaRPr lang="en-US" dirty="0" smtClean="0"/>
           </a:p>
           <a:p>
             <a:r>
@@ -17069,6 +16962,55 @@
                       </p:childTnLst>
                     </p:cTn>
                   </p:par>
+                  <p:par>
+                    <p:cTn id="39" fill="hold">
+                      <p:stCondLst>
+                        <p:cond delay="indefinite"/>
+                      </p:stCondLst>
+                      <p:childTnLst>
+                        <p:par>
+                          <p:cTn id="40" fill="hold">
+                            <p:stCondLst>
+                              <p:cond delay="0"/>
+                            </p:stCondLst>
+                            <p:childTnLst>
+                              <p:par>
+                                <p:cTn id="41" presetID="1" presetClass="entr" presetSubtype="0" fill="hold" nodeType="clickEffect">
+                                  <p:stCondLst>
+                                    <p:cond delay="0"/>
+                                  </p:stCondLst>
+                                  <p:childTnLst>
+                                    <p:set>
+                                      <p:cBhvr>
+                                        <p:cTn id="42" dur="1" fill="hold">
+                                          <p:stCondLst>
+                                            <p:cond delay="0"/>
+                                          </p:stCondLst>
+                                        </p:cTn>
+                                        <p:tgtEl>
+                                          <p:spTgt spid="6">
+                                            <p:txEl>
+                                              <p:pRg st="4" end="4"/>
+                                            </p:txEl>
+                                          </p:spTgt>
+                                        </p:tgtEl>
+                                        <p:attrNameLst>
+                                          <p:attrName>style.visibility</p:attrName>
+                                        </p:attrNameLst>
+                                      </p:cBhvr>
+                                      <p:to>
+                                        <p:strVal val="visible"/>
+                                      </p:to>
+                                    </p:set>
+                                  </p:childTnLst>
+                                </p:cTn>
+                              </p:par>
+                            </p:childTnLst>
+                          </p:cTn>
+                        </p:par>
+                      </p:childTnLst>
+                    </p:cTn>
+                  </p:par>
                 </p:childTnLst>
               </p:cTn>
               <p:prevCondLst>
@@ -17093,6 +17035,134 @@
     <p:bldLst>
       <p:bldP spid="7" grpId="0"/>
     </p:bldLst>
+  </p:timing>
+</p:sld>
+</file>
+
+<file path=ppt/slides/slide26.xml><?xml version="1.0" encoding="utf-8"?>
+<p:sld xmlns:a="http://schemas.openxmlformats.org/drawingml/2006/main" xmlns:r="http://schemas.openxmlformats.org/officeDocument/2006/relationships" xmlns:p="http://schemas.openxmlformats.org/presentationml/2006/main">
+  <p:cSld>
+    <p:spTree>
+      <p:nvGrpSpPr>
+        <p:cNvPr id="1" name=""/>
+        <p:cNvGrpSpPr/>
+        <p:nvPr/>
+      </p:nvGrpSpPr>
+      <p:grpSpPr>
+        <a:xfrm>
+          <a:off x="0" y="0"/>
+          <a:ext cx="0" cy="0"/>
+          <a:chOff x="0" y="0"/>
+          <a:chExt cx="0" cy="0"/>
+        </a:xfrm>
+      </p:grpSpPr>
+      <p:sp>
+        <p:nvSpPr>
+          <p:cNvPr id="2" name="Title 1"/>
+          <p:cNvSpPr>
+            <a:spLocks noGrp="1"/>
+          </p:cNvSpPr>
+          <p:nvPr>
+            <p:ph type="title"/>
+          </p:nvPr>
+        </p:nvSpPr>
+        <p:spPr/>
+        <p:txBody>
+          <a:bodyPr/>
+          <a:lstStyle/>
+          <a:p>
+            <a:r>
+              <a:rPr lang="en-US" dirty="0" smtClean="0"/>
+              <a:t>Completeness</a:t>
+            </a:r>
+            <a:endParaRPr lang="en-US" dirty="0"/>
+          </a:p>
+        </p:txBody>
+      </p:sp>
+      <p:sp>
+        <p:nvSpPr>
+          <p:cNvPr id="3" name="Content Placeholder 2"/>
+          <p:cNvSpPr>
+            <a:spLocks noGrp="1"/>
+          </p:cNvSpPr>
+          <p:nvPr>
+            <p:ph idx="1"/>
+          </p:nvPr>
+        </p:nvSpPr>
+        <p:spPr/>
+        <p:txBody>
+          <a:bodyPr/>
+          <a:lstStyle/>
+          <a:p>
+            <a:r>
+              <a:rPr lang="en-US" dirty="0" smtClean="0"/>
+              <a:t>All 36 CVE integer errors in recent three years</a:t>
+            </a:r>
+          </a:p>
+          <a:p>
+            <a:pPr lvl="1"/>
+            <a:r>
+              <a:rPr lang="en-US" dirty="0"/>
+              <a:t>E</a:t>
+            </a:r>
+            <a:r>
+              <a:rPr lang="en-US" dirty="0" smtClean="0"/>
+              <a:t>xcluding those found by KINT</a:t>
+            </a:r>
+          </a:p>
+          <a:p>
+            <a:r>
+              <a:rPr lang="en-US" dirty="0" smtClean="0"/>
+              <a:t>KINT found 34 out of 36</a:t>
+            </a:r>
+          </a:p>
+          <a:p>
+            <a:r>
+              <a:rPr lang="en-US" dirty="0" smtClean="0"/>
+              <a:t>2 missing</a:t>
+            </a:r>
+          </a:p>
+          <a:p>
+            <a:pPr lvl="1"/>
+            <a:r>
+              <a:rPr lang="en-US" dirty="0" smtClean="0"/>
+              <a:t>1 loop</a:t>
+            </a:r>
+          </a:p>
+          <a:p>
+            <a:pPr lvl="1"/>
+            <a:r>
+              <a:rPr lang="en-US" dirty="0" smtClean="0"/>
+              <a:t>1 architecture</a:t>
+            </a:r>
+            <a:r>
+              <a:rPr lang="en-US" dirty="0"/>
+              <a:t>-</a:t>
+            </a:r>
+            <a:r>
+              <a:rPr lang="en-US" dirty="0" smtClean="0"/>
+              <a:t>specific</a:t>
+            </a:r>
+            <a:endParaRPr lang="en-US" dirty="0"/>
+          </a:p>
+        </p:txBody>
+      </p:sp>
+    </p:spTree>
+    <p:extLst>
+      <p:ext uri="{BB962C8B-B14F-4D97-AF65-F5344CB8AC3E}">
+        <p14:creationId xmlns:p14="http://schemas.microsoft.com/office/powerpoint/2010/main" val="1279707710"/>
+      </p:ext>
+    </p:extLst>
+  </p:cSld>
+  <p:clrMapOvr>
+    <a:masterClrMapping/>
+  </p:clrMapOvr>
+  <p:timing>
+    <p:tnLst>
+      <p:par>
+        <p:cTn xmlns:p14="http://schemas.microsoft.com/office/powerpoint/2010/main" id="1" dur="indefinite" restart="never" nodeType="tmRoot"/>
+      </p:par>
+    </p:tnLst>
   </p:timing>
 </p:sld>
 </file>
@@ -17131,7 +17201,7 @@
           <a:p>
             <a:r>
               <a:rPr lang="en-US" dirty="0" smtClean="0"/>
-              <a:t>Completeness</a:t>
+              <a:t>False errors</a:t>
             </a:r>
             <a:endParaRPr lang="en-US" dirty="0"/>
           </a:p>
@@ -17154,41 +17224,49 @@
           <a:p>
             <a:r>
               <a:rPr lang="en-US" dirty="0" smtClean="0"/>
-              <a:t>36 integer errors from CVE list in recent three years (excluding those found by KINT)</a:t>
-            </a:r>
-          </a:p>
-          <a:p>
-            <a:r>
-              <a:rPr lang="en-US" dirty="0" smtClean="0"/>
-              <a:t>KINT found 34 out of 36</a:t>
-            </a:r>
-          </a:p>
-          <a:p>
-            <a:r>
-              <a:rPr lang="en-US" dirty="0" smtClean="0"/>
-              <a:t>2 missing</a:t>
+              <a:t>36 CVE cases (fixed code)</a:t>
             </a:r>
           </a:p>
           <a:p>
             <a:pPr lvl="1"/>
             <a:r>
               <a:rPr lang="en-US" dirty="0" smtClean="0"/>
-              <a:t>1 loop</a:t>
+              <a:t>1 false error out of 36</a:t>
             </a:r>
           </a:p>
           <a:p>
             <a:pPr lvl="1"/>
             <a:r>
-              <a:rPr lang="en-US" dirty="0" smtClean="0"/>
-              <a:t>1 architecture</a:t>
-            </a:r>
-            <a:r>
-              <a:rPr lang="en-US" dirty="0"/>
-              <a:t>-</a:t>
-            </a:r>
-            <a:r>
-              <a:rPr lang="en-US" dirty="0" smtClean="0"/>
-              <a:t>specific</a:t>
+              <a:rPr lang="en-US" smtClean="0"/>
+              <a:t>2 bad fixes</a:t>
+            </a:r>
+            <a:endParaRPr lang="en-US" dirty="0" smtClean="0"/>
+          </a:p>
+          <a:p>
+            <a:pPr lvl="1"/>
+            <a:r>
+              <a:rPr lang="en-US" dirty="0" smtClean="0"/>
+              <a:t>Useful for verifying patches</a:t>
+            </a:r>
+          </a:p>
+          <a:p>
+            <a:r>
+              <a:rPr lang="en-US" dirty="0" smtClean="0"/>
+              <a:t>Experience on the Linux kernel</a:t>
+            </a:r>
+          </a:p>
+          <a:p>
+            <a:pPr lvl="1"/>
+            <a:r>
+              <a:rPr lang="en-US" dirty="0" smtClean="0"/>
+              <a:t>Inspected 97 allocation-related warnings</a:t>
+            </a:r>
+          </a:p>
+          <a:p>
+            <a:pPr lvl="1"/>
+            <a:r>
+              <a:rPr lang="en-US" dirty="0" smtClean="0"/>
+              <a:t>Found 6 exploitable bugs in 12 hours</a:t>
             </a:r>
             <a:endParaRPr lang="en-US" dirty="0"/>
           </a:p>
@@ -17197,7 +17275,7 @@
     </p:spTree>
     <p:extLst>
       <p:ext uri="{BB962C8B-B14F-4D97-AF65-F5344CB8AC3E}">
-        <p14:creationId xmlns:p14="http://schemas.microsoft.com/office/powerpoint/2010/main" val="1279707710"/>
+        <p14:creationId xmlns:p14="http://schemas.microsoft.com/office/powerpoint/2010/main" val="2886483235"/>
       </p:ext>
     </p:extLst>
   </p:cSld>
@@ -17248,7 +17326,7 @@
           <a:p>
             <a:r>
               <a:rPr lang="en-US" dirty="0" smtClean="0"/>
-              <a:t>False errors</a:t>
+              <a:t>Performance</a:t>
             </a:r>
             <a:endParaRPr lang="en-US" dirty="0"/>
           </a:p>
@@ -17271,41 +17349,35 @@
           <a:p>
             <a:r>
               <a:rPr lang="en-US" dirty="0" smtClean="0"/>
-              <a:t>36 CVE cases (fixed code)</a:t>
+              <a:t>6 CPU cores (SMT), Linux 3.2</a:t>
             </a:r>
           </a:p>
           <a:p>
             <a:pPr lvl="1"/>
             <a:r>
               <a:rPr lang="en-US" dirty="0" smtClean="0"/>
-              <a:t>1 false error out of 36</a:t>
+              <a:t>22 min (predicate generation + solving)</a:t>
             </a:r>
           </a:p>
           <a:p>
             <a:pPr lvl="1"/>
             <a:r>
               <a:rPr lang="en-US" dirty="0" smtClean="0"/>
-              <a:t>Useful for verifying patches</a:t>
-            </a:r>
-          </a:p>
-          <a:p>
-            <a:r>
-              <a:rPr lang="en-US" dirty="0" smtClean="0"/>
-              <a:t>Experience on the Linux kernel</a:t>
+              <a:t>8,637 C files</a:t>
             </a:r>
           </a:p>
           <a:p>
             <a:pPr lvl="1"/>
             <a:r>
               <a:rPr lang="en-US" dirty="0" smtClean="0"/>
-              <a:t>Inspected 97 allocation-related warnings</a:t>
+              <a:t>411,851 constraint solving queries</a:t>
             </a:r>
           </a:p>
           <a:p>
             <a:pPr lvl="1"/>
             <a:r>
               <a:rPr lang="en-US" dirty="0" smtClean="0"/>
-              <a:t>Found 6 exploitable bugs in 12 hours</a:t>
+              <a:t>10 timeouts (5 sec)</a:t>
             </a:r>
             <a:endParaRPr lang="en-US" dirty="0"/>
           </a:p>
@@ -17314,7 +17386,7 @@
     </p:spTree>
     <p:extLst>
       <p:ext uri="{BB962C8B-B14F-4D97-AF65-F5344CB8AC3E}">
-        <p14:creationId xmlns:p14="http://schemas.microsoft.com/office/powerpoint/2010/main" val="2886483235"/>
+        <p14:creationId xmlns:p14="http://schemas.microsoft.com/office/powerpoint/2010/main" val="3112644535"/>
       </p:ext>
     </p:extLst>
   </p:cSld>
@@ -17360,12 +17432,14 @@
         </p:nvSpPr>
         <p:spPr/>
         <p:txBody>
-          <a:bodyPr/>
+          <a:bodyPr>
+            <a:normAutofit/>
+          </a:bodyPr>
           <a:lstStyle/>
           <a:p>
             <a:r>
               <a:rPr lang="en-US" dirty="0" smtClean="0"/>
-              <a:t>Performance</a:t>
+              <a:t>Future work: mitigation</a:t>
             </a:r>
             <a:endParaRPr lang="en-US" dirty="0"/>
           </a:p>
@@ -17388,39 +17462,50 @@
           <a:p>
             <a:r>
               <a:rPr lang="en-US" dirty="0" smtClean="0"/>
-              <a:t>6 CPU cores (SMT), Linux 3.2</a:t>
+              <a:t>Warn common error patterns</a:t>
             </a:r>
           </a:p>
           <a:p>
             <a:pPr lvl="1"/>
             <a:r>
-              <a:rPr lang="en-US" dirty="0" smtClean="0"/>
-              <a:t>22 min (predicate generation + solving)</a:t>
+              <a:rPr lang="en-US" smtClean="0"/>
+              <a:t>Broken error </a:t>
+            </a:r>
+            <a:r>
+              <a:rPr lang="en-US" dirty="0" smtClean="0"/>
+              <a:t>handling: (</a:t>
+            </a:r>
+            <a:r>
+              <a:rPr lang="en-US" dirty="0" err="1" smtClean="0"/>
+              <a:t>uint</a:t>
+            </a:r>
+            <a:r>
+              <a:rPr lang="en-US" dirty="0" smtClean="0"/>
+              <a:t> &lt; 0)</a:t>
             </a:r>
           </a:p>
           <a:p>
             <a:pPr lvl="1"/>
             <a:r>
               <a:rPr lang="en-US" dirty="0" smtClean="0"/>
-              <a:t>8,637 C files</a:t>
+              <a:t>Undefined code: oversized shifting</a:t>
+            </a:r>
+          </a:p>
+          <a:p>
+            <a:r>
+              <a:rPr lang="en-US" dirty="0" smtClean="0"/>
+              <a:t>Generate runtime checks</a:t>
             </a:r>
           </a:p>
           <a:p>
             <a:pPr lvl="1"/>
             <a:r>
               <a:rPr lang="en-US" dirty="0" smtClean="0"/>
-              <a:t>411,851 constraint solving </a:t>
-            </a:r>
-            <a:r>
-              <a:rPr lang="en-US" dirty="0" smtClean="0"/>
-              <a:t>queries</a:t>
-            </a:r>
-          </a:p>
-          <a:p>
-            <a:pPr lvl="1"/>
-            <a:r>
-              <a:rPr lang="en-US" dirty="0" smtClean="0"/>
-              <a:t>10 timeouts (5 sec)</a:t>
+              <a:t>Runtime </a:t>
+            </a:r>
+            <a:r>
+              <a:rPr lang="en-US" dirty="0" smtClean="0"/>
+              <a:t>overhead &amp; error handling</a:t>
             </a:r>
             <a:endParaRPr lang="en-US" dirty="0"/>
           </a:p>
@@ -17429,7 +17514,7 @@
     </p:spTree>
     <p:extLst>
       <p:ext uri="{BB962C8B-B14F-4D97-AF65-F5344CB8AC3E}">
-        <p14:creationId xmlns:p14="http://schemas.microsoft.com/office/powerpoint/2010/main" val="3112644535"/>
+        <p14:creationId xmlns:p14="http://schemas.microsoft.com/office/powerpoint/2010/main" val="1500218723"/>
       </p:ext>
     </p:extLst>
   </p:cSld>
@@ -17480,7 +17565,7 @@
           <a:p>
             <a:r>
               <a:rPr lang="en-US" dirty="0" smtClean="0"/>
-              <a:t>Example: Pac-Man (1/3)</a:t>
+              <a:t>Example: Pac-Man</a:t>
             </a:r>
             <a:endParaRPr lang="en-US" dirty="0"/>
           </a:p>
@@ -17564,7 +17649,7 @@
           <a:p>
             <a:r>
               <a:rPr lang="en-US" dirty="0" smtClean="0"/>
-              <a:t>Mitigation (C programming)</a:t>
+              <a:t>Related work: tools</a:t>
             </a:r>
             <a:endParaRPr lang="en-US" dirty="0"/>
           </a:p>
@@ -17582,117 +17667,124 @@
         </p:nvSpPr>
         <p:spPr/>
         <p:txBody>
-          <a:bodyPr/>
+          <a:bodyPr>
+            <a:normAutofit/>
+          </a:bodyPr>
           <a:lstStyle/>
           <a:p>
             <a:r>
-              <a:rPr lang="en-US" dirty="0" smtClean="0"/>
-              <a:t>Use safe allocator</a:t>
+              <a:rPr lang="en-US" dirty="0"/>
+              <a:t>Symbolic execution</a:t>
             </a:r>
           </a:p>
           <a:p>
             <a:pPr lvl="1"/>
             <a:r>
+              <a:rPr lang="en-US" dirty="0" err="1"/>
+              <a:t>PREfix</a:t>
+            </a:r>
+            <a:r>
+              <a:rPr lang="en-US" dirty="0"/>
+              <a:t>/KLEE: scalability &amp; hardware </a:t>
+            </a:r>
+            <a:r>
+              <a:rPr lang="en-US" dirty="0" smtClean="0"/>
+              <a:t>modeling</a:t>
+            </a:r>
+          </a:p>
+          <a:p>
+            <a:r>
+              <a:rPr lang="en-US" dirty="0" smtClean="0"/>
+              <a:t>Static analysis</a:t>
+            </a:r>
+          </a:p>
+          <a:p>
+            <a:pPr lvl="1"/>
+            <a:r>
+              <a:rPr lang="en-US" dirty="0" err="1" smtClean="0"/>
+              <a:t>Metacompiler</a:t>
+            </a:r>
+            <a:r>
+              <a:rPr lang="en-US" dirty="0" smtClean="0"/>
+              <a:t>: find missing bounds checks</a:t>
+            </a:r>
+          </a:p>
+          <a:p>
+            <a:pPr lvl="1"/>
+            <a:r>
+              <a:rPr lang="en-US" dirty="0" smtClean="0"/>
+              <a:t>Saturn: solver-based analysis</a:t>
+            </a:r>
+          </a:p>
+          <a:p>
+            <a:r>
+              <a:rPr lang="en-US" dirty="0" smtClean="0"/>
+              <a:t>Runtime analysis: extend </a:t>
+            </a:r>
+            <a:r>
+              <a:rPr lang="en-US" dirty="0" err="1" smtClean="0"/>
+              <a:t>gcc</a:t>
+            </a:r>
+            <a:r>
+              <a:rPr lang="en-US" dirty="0" smtClean="0"/>
+              <a:t> </a:t>
+            </a:r>
+            <a:r>
+              <a:rPr lang="en-US" dirty="0" smtClean="0">
+                <a:latin typeface="Consolas"/>
+                <a:cs typeface="Consolas"/>
+              </a:rPr>
+              <a:t>-</a:t>
+            </a:r>
+            <a:r>
               <a:rPr lang="en-US" dirty="0" err="1" smtClean="0">
                 <a:latin typeface="Consolas"/>
                 <a:cs typeface="Consolas"/>
               </a:rPr>
-              <a:t>calloc</a:t>
-            </a:r>
-            <a:r>
-              <a:rPr lang="en-US" dirty="0" smtClean="0">
-                <a:latin typeface="Consolas"/>
-                <a:cs typeface="Consolas"/>
-              </a:rPr>
-              <a:t>(n, size) </a:t>
-            </a:r>
-            <a:r>
-              <a:rPr lang="en-US" dirty="0" smtClean="0"/>
-              <a:t>vs.</a:t>
-            </a:r>
-            <a:r>
-              <a:rPr lang="en-US" dirty="0" smtClean="0">
-                <a:latin typeface="Consolas"/>
-                <a:cs typeface="Consolas"/>
-              </a:rPr>
+              <a:t>ftrap</a:t>
+            </a:r>
+            <a:endParaRPr lang="en-US" dirty="0" smtClean="0">
+              <a:latin typeface="Consolas"/>
+              <a:cs typeface="Consolas"/>
+            </a:endParaRPr>
+          </a:p>
+          <a:p>
+            <a:pPr lvl="1"/>
+            <a:r>
+              <a:rPr lang="en-US" dirty="0" smtClean="0"/>
+              <a:t>RICH/IOC: coverage</a:t>
+            </a:r>
+          </a:p>
+          <a:p>
+            <a:pPr lvl="1"/>
+            <a:r>
+              <a:rPr lang="en-US" dirty="0" err="1" smtClean="0"/>
+              <a:t>Syscall</a:t>
+            </a:r>
+            <a:r>
+              <a:rPr lang="en-US" dirty="0"/>
+              <a:t>/</a:t>
+            </a:r>
+            <a:r>
+              <a:rPr lang="en-US" dirty="0" err="1" smtClean="0"/>
+              <a:t>filesystem</a:t>
+            </a:r>
+            <a:r>
+              <a:rPr lang="en-US" dirty="0" smtClean="0"/>
               <a:t> </a:t>
             </a:r>
             <a:r>
-              <a:rPr lang="en-US" dirty="0" err="1" smtClean="0">
-                <a:latin typeface="Consolas"/>
-                <a:cs typeface="Consolas"/>
-              </a:rPr>
-              <a:t>malloc</a:t>
-            </a:r>
-            <a:r>
-              <a:rPr lang="en-US" dirty="0" smtClean="0">
-                <a:latin typeface="Consolas"/>
-                <a:cs typeface="Consolas"/>
-              </a:rPr>
-              <a:t>(n * size)</a:t>
-            </a:r>
-          </a:p>
-          <a:p>
-            <a:r>
-              <a:rPr lang="en-US" dirty="0" smtClean="0"/>
-              <a:t>Use safe library with overflow checks</a:t>
-            </a:r>
-          </a:p>
-          <a:p>
-            <a:pPr lvl="1"/>
-            <a:r>
-              <a:rPr lang="en-US" dirty="0"/>
-              <a:t>x</a:t>
-            </a:r>
-            <a:r>
-              <a:rPr lang="en-US" dirty="0" smtClean="0"/>
-              <a:t> + y: </a:t>
-            </a:r>
-            <a:r>
-              <a:rPr lang="en-US" dirty="0" err="1" smtClean="0">
-                <a:latin typeface="Consolas"/>
-                <a:cs typeface="Consolas"/>
-              </a:rPr>
-              <a:t>addsl</a:t>
-            </a:r>
-            <a:r>
-              <a:rPr lang="en-US" dirty="0" smtClean="0">
-                <a:latin typeface="Consolas"/>
-                <a:cs typeface="Consolas"/>
-              </a:rPr>
-              <a:t>(x, y</a:t>
-            </a:r>
-            <a:r>
-              <a:rPr lang="en-US" dirty="0" smtClean="0"/>
-              <a:t>)</a:t>
-            </a:r>
-          </a:p>
-          <a:p>
-            <a:pPr lvl="1"/>
-            <a:r>
-              <a:rPr lang="en-US" dirty="0" smtClean="0"/>
-              <a:t>Examples: Microsoft’s </a:t>
-            </a:r>
-            <a:r>
               <a:rPr lang="en-US" dirty="0" err="1" smtClean="0"/>
-              <a:t>SafeInt</a:t>
-            </a:r>
-            <a:r>
-              <a:rPr lang="en-US" dirty="0" smtClean="0"/>
-              <a:t>, CERT’s </a:t>
-            </a:r>
-            <a:r>
-              <a:rPr lang="en-US" dirty="0" err="1" smtClean="0"/>
-              <a:t>IntegerLib</a:t>
-            </a:r>
-            <a:endParaRPr lang="en-US" dirty="0" smtClean="0"/>
+              <a:t>fuzzers</a:t>
+            </a:r>
+            <a:endParaRPr lang="en-US" dirty="0"/>
           </a:p>
         </p:txBody>
       </p:sp>
     </p:spTree>
     <p:extLst>
       <p:ext uri="{BB962C8B-B14F-4D97-AF65-F5344CB8AC3E}">
-        <p14:creationId xmlns:p14="http://schemas.microsoft.com/office/powerpoint/2010/main" val="2653371282"/>
+        <p14:creationId xmlns:p14="http://schemas.microsoft.com/office/powerpoint/2010/main" val="774890601"/>
       </p:ext>
     </p:extLst>
   </p:cSld>
@@ -17742,12 +17834,8 @@
           <a:lstStyle/>
           <a:p>
             <a:r>
-              <a:rPr lang="en-US" dirty="0"/>
-              <a:t>Mitigation </a:t>
-            </a:r>
-            <a:r>
-              <a:rPr lang="en-US" dirty="0" smtClean="0"/>
-              <a:t>(C compiler)</a:t>
+              <a:rPr lang="en-US" dirty="0" smtClean="0"/>
+              <a:t>Related work: languages</a:t>
             </a:r>
             <a:endParaRPr lang="en-US" dirty="0"/>
           </a:p>
@@ -17765,88 +17853,131 @@
         </p:nvSpPr>
         <p:spPr/>
         <p:txBody>
-          <a:bodyPr/>
+          <a:bodyPr>
+            <a:normAutofit fontScale="92500" lnSpcReduction="20000"/>
+          </a:bodyPr>
           <a:lstStyle/>
           <a:p>
             <a:r>
               <a:rPr lang="en-US" dirty="0" smtClean="0"/>
-              <a:t>Warn common error patterns</a:t>
-            </a:r>
+              <a:t>Memory </a:t>
+            </a:r>
+            <a:r>
+              <a:rPr lang="en-US" dirty="0" smtClean="0"/>
+              <a:t>safety: Java/C#</a:t>
+            </a:r>
+            <a:endParaRPr lang="en-US" dirty="0" smtClean="0"/>
           </a:p>
           <a:p>
             <a:pPr lvl="1"/>
             <a:r>
-              <a:rPr lang="en-US" dirty="0" smtClean="0"/>
-              <a:t>Error handling: (</a:t>
-            </a:r>
+              <a:rPr lang="en-US" dirty="0"/>
+              <a:t>A</a:t>
+            </a:r>
+            <a:r>
+              <a:rPr lang="en-US" dirty="0" smtClean="0"/>
+              <a:t>void </a:t>
+            </a:r>
+            <a:r>
+              <a:rPr lang="en-US" dirty="0" smtClean="0"/>
+              <a:t>buffer overflow</a:t>
+            </a:r>
+          </a:p>
+          <a:p>
+            <a:pPr lvl="1"/>
             <a:r>
               <a:rPr lang="en-US" dirty="0" err="1" smtClean="0"/>
-              <a:t>uint</a:t>
-            </a:r>
-            <a:r>
-              <a:rPr lang="en-US" dirty="0" smtClean="0"/>
-              <a:t> &lt; 0)</a:t>
+              <a:t>DoS</a:t>
+            </a:r>
+            <a:r>
+              <a:rPr lang="en-US" dirty="0" smtClean="0"/>
+              <a:t> attacks</a:t>
             </a:r>
           </a:p>
           <a:p>
             <a:pPr lvl="1"/>
             <a:r>
-              <a:rPr lang="en-US" dirty="0" smtClean="0"/>
-              <a:t>Undefined code: oversized shifting</a:t>
-            </a:r>
-          </a:p>
-          <a:p>
-            <a:r>
-              <a:rPr lang="en-US" dirty="0" smtClean="0"/>
-              <a:t>Generate runtime checks</a:t>
-            </a:r>
+              <a:rPr lang="en-US" dirty="0"/>
+              <a:t>L</a:t>
+            </a:r>
+            <a:r>
+              <a:rPr lang="en-US" dirty="0" smtClean="0"/>
+              <a:t>ogic bugs: data corruption, wrong process killed</a:t>
+            </a:r>
+          </a:p>
+          <a:p>
+            <a:r>
+              <a:rPr lang="en-US" dirty="0"/>
+              <a:t>R</a:t>
+            </a:r>
+            <a:r>
+              <a:rPr lang="en-US" dirty="0" smtClean="0"/>
+              <a:t>anged integer: Ada</a:t>
+            </a:r>
+            <a:endParaRPr lang="en-US" dirty="0" smtClean="0"/>
           </a:p>
           <a:p>
             <a:pPr lvl="1"/>
             <a:r>
               <a:rPr lang="en-US" dirty="0" smtClean="0"/>
-              <a:t>GCC </a:t>
-            </a:r>
-            <a:r>
-              <a:rPr lang="en-US" dirty="0">
-                <a:latin typeface="Consolas"/>
-                <a:cs typeface="Consolas"/>
-              </a:rPr>
-              <a:t>-</a:t>
-            </a:r>
-            <a:r>
-              <a:rPr lang="en-US" dirty="0" err="1" smtClean="0">
-                <a:latin typeface="Consolas"/>
-                <a:cs typeface="Consolas"/>
-              </a:rPr>
-              <a:t>ftrap</a:t>
-            </a:r>
-            <a:endParaRPr lang="en-US" dirty="0" smtClean="0">
-              <a:latin typeface="Consolas"/>
-              <a:cs typeface="Consolas"/>
-            </a:endParaRPr>
+              <a:t>Throw exception for out-of-range value</a:t>
+            </a:r>
           </a:p>
           <a:p>
             <a:pPr lvl="1"/>
             <a:r>
               <a:rPr lang="en-US" dirty="0" smtClean="0"/>
-              <a:t>Dynamic integer error detection</a:t>
-            </a:r>
+              <a:t>P</a:t>
+            </a:r>
+            <a:r>
+              <a:rPr lang="en-US" dirty="0" smtClean="0"/>
+              <a:t>erformance &amp; error </a:t>
+            </a:r>
+            <a:r>
+              <a:rPr lang="en-US" dirty="0" smtClean="0"/>
+              <a:t>handling</a:t>
+            </a:r>
+          </a:p>
+          <a:p>
+            <a:r>
+              <a:rPr lang="en-US" dirty="0"/>
+              <a:t>A</a:t>
+            </a:r>
+            <a:r>
+              <a:rPr lang="en-US" dirty="0" smtClean="0"/>
+              <a:t>rbitrary</a:t>
+            </a:r>
+            <a:r>
+              <a:rPr lang="en-US" dirty="0" smtClean="0"/>
+              <a:t>-precision </a:t>
+            </a:r>
+            <a:r>
+              <a:rPr lang="en-US" dirty="0" smtClean="0"/>
+              <a:t>integer: Lisp/Python/Ruby</a:t>
+            </a:r>
+            <a:endParaRPr lang="en-US" dirty="0" smtClean="0"/>
           </a:p>
           <a:p>
             <a:pPr lvl="1"/>
             <a:r>
               <a:rPr lang="en-US" dirty="0" smtClean="0"/>
-              <a:t>Runtime overhead &amp; error handling</a:t>
-            </a:r>
-            <a:endParaRPr lang="en-US" dirty="0"/>
+              <a:t>No overflow</a:t>
+            </a:r>
+          </a:p>
+          <a:p>
+            <a:pPr lvl="1"/>
+            <a:r>
+              <a:rPr lang="en-US" dirty="0" smtClean="0"/>
+              <a:t>Performance</a:t>
+            </a:r>
+            <a:endParaRPr lang="en-US" dirty="0" smtClean="0"/>
           </a:p>
         </p:txBody>
       </p:sp>
     </p:spTree>
     <p:extLst>
       <p:ext uri="{BB962C8B-B14F-4D97-AF65-F5344CB8AC3E}">
-        <p14:creationId xmlns:p14="http://schemas.microsoft.com/office/powerpoint/2010/main" val="1500218723"/>
+        <p14:creationId xmlns:p14="http://schemas.microsoft.com/office/powerpoint/2010/main" val="4270150674"/>
       </p:ext>
     </p:extLst>
   </p:cSld>
@@ -17897,7 +18028,7 @@
           <a:p>
             <a:r>
               <a:rPr lang="en-US" dirty="0" smtClean="0"/>
-              <a:t>Mitigation (language)</a:t>
+              <a:t>Conclusion</a:t>
             </a:r>
             <a:endParaRPr lang="en-US" dirty="0"/>
           </a:p>
@@ -17915,103 +18046,41 @@
         </p:nvSpPr>
         <p:spPr/>
         <p:txBody>
-          <a:bodyPr>
-            <a:normAutofit/>
-          </a:bodyPr>
+          <a:bodyPr/>
           <a:lstStyle/>
           <a:p>
             <a:r>
               <a:rPr lang="en-US" dirty="0" smtClean="0"/>
-              <a:t>Memory </a:t>
-            </a:r>
-            <a:r>
-              <a:rPr lang="en-US" dirty="0" smtClean="0"/>
-              <a:t>safety</a:t>
+              <a:t>Static detection of integer errors in C code</a:t>
             </a:r>
           </a:p>
           <a:p>
             <a:pPr lvl="1"/>
             <a:r>
               <a:rPr lang="en-US" dirty="0" smtClean="0"/>
-              <a:t>Java</a:t>
-            </a:r>
-            <a:r>
-              <a:rPr lang="en-US" dirty="0" smtClean="0"/>
-              <a:t>/C</a:t>
-            </a:r>
-            <a:r>
-              <a:rPr lang="en-US" dirty="0" smtClean="0"/>
-              <a:t>#: avoid </a:t>
-            </a:r>
-            <a:r>
-              <a:rPr lang="en-US" dirty="0" smtClean="0"/>
-              <a:t>buffer overflow</a:t>
+              <a:t>Pragmatic integer semantics</a:t>
             </a:r>
           </a:p>
           <a:p>
             <a:pPr lvl="1"/>
             <a:r>
-              <a:rPr lang="en-US" dirty="0" err="1" smtClean="0"/>
-              <a:t>DoS</a:t>
-            </a:r>
-            <a:r>
-              <a:rPr lang="en-US" dirty="0" smtClean="0"/>
-              <a:t> attacks &amp; logic bugs</a:t>
-            </a:r>
-          </a:p>
-          <a:p>
-            <a:r>
-              <a:rPr lang="en-US" dirty="0"/>
-              <a:t>Use ranged </a:t>
-            </a:r>
-            <a:r>
-              <a:rPr lang="en-US" dirty="0" smtClean="0"/>
-              <a:t>integers</a:t>
-            </a:r>
-          </a:p>
-          <a:p>
-            <a:pPr lvl="1"/>
-            <a:r>
-              <a:rPr lang="en-US" dirty="0" smtClean="0"/>
-              <a:t>Ada: performance </a:t>
-            </a:r>
-            <a:r>
-              <a:rPr lang="en-US" dirty="0" smtClean="0"/>
-              <a:t>&amp; error handling</a:t>
-            </a:r>
-          </a:p>
-          <a:p>
-            <a:r>
-              <a:rPr lang="en-US" dirty="0" smtClean="0"/>
-              <a:t>Use </a:t>
-            </a:r>
-            <a:r>
-              <a:rPr lang="en-US" dirty="0" smtClean="0"/>
-              <a:t>arbitrary-precision integers</a:t>
-            </a:r>
-          </a:p>
-          <a:p>
-            <a:pPr lvl="1"/>
-            <a:r>
-              <a:rPr lang="en-US" dirty="0" smtClean="0"/>
-              <a:t>LISP/Python</a:t>
-            </a:r>
-            <a:r>
-              <a:rPr lang="en-US" dirty="0" smtClean="0"/>
-              <a:t>/</a:t>
-            </a:r>
-            <a:r>
-              <a:rPr lang="en-US" dirty="0" smtClean="0"/>
-              <a:t>Ruby: performance</a:t>
-            </a:r>
-            <a:endParaRPr lang="en-US" dirty="0" smtClean="0"/>
+              <a:rPr lang="en-US" dirty="0" smtClean="0"/>
+              <a:t>Scalable analysis with tailored optimizations</a:t>
+            </a:r>
+          </a:p>
+          <a:p>
+            <a:r>
+              <a:rPr lang="en-US" dirty="0" smtClean="0"/>
+              <a:t>80+ bugs confirmed and fixed upstream</a:t>
+            </a:r>
+            <a:endParaRPr lang="en-US" dirty="0"/>
           </a:p>
         </p:txBody>
       </p:sp>
     </p:spTree>
     <p:extLst>
       <p:ext uri="{BB962C8B-B14F-4D97-AF65-F5344CB8AC3E}">
-        <p14:creationId xmlns:p14="http://schemas.microsoft.com/office/powerpoint/2010/main" val="4270150674"/>
+        <p14:creationId xmlns:p14="http://schemas.microsoft.com/office/powerpoint/2010/main" val="3967766235"/>
       </p:ext>
     </p:extLst>
   </p:cSld>
@@ -18060,11 +18129,7 @@
           <a:bodyPr/>
           <a:lstStyle/>
           <a:p>
-            <a:r>
-              <a:rPr lang="en-US" dirty="0" smtClean="0"/>
-              <a:t>Related work</a:t>
-            </a:r>
-            <a:endParaRPr lang="en-US" dirty="0"/>
+            <a:endParaRPr lang="en-US"/>
           </a:p>
         </p:txBody>
       </p:sp>
@@ -18080,121 +18145,17 @@
         </p:nvSpPr>
         <p:spPr/>
         <p:txBody>
-          <a:bodyPr>
-            <a:normAutofit/>
-          </a:bodyPr>
+          <a:bodyPr/>
           <a:lstStyle/>
           <a:p>
-            <a:r>
-              <a:rPr lang="en-US" dirty="0" smtClean="0"/>
-              <a:t>Static analysis</a:t>
-            </a:r>
-          </a:p>
-          <a:p>
-            <a:pPr lvl="1"/>
-            <a:r>
-              <a:rPr lang="en-US" dirty="0" err="1" smtClean="0"/>
-              <a:t>Metacompiler</a:t>
-            </a:r>
-            <a:r>
-              <a:rPr lang="en-US" dirty="0" smtClean="0"/>
-              <a:t>: find missing bounds checks</a:t>
-            </a:r>
-          </a:p>
-          <a:p>
-            <a:pPr lvl="1"/>
-            <a:r>
-              <a:rPr lang="en-US" dirty="0" smtClean="0"/>
-              <a:t>Saturn: solver-based analysis</a:t>
-            </a:r>
-          </a:p>
-          <a:p>
-            <a:r>
-              <a:rPr lang="en-US" dirty="0"/>
-              <a:t>Symbolic execution</a:t>
-            </a:r>
-          </a:p>
-          <a:p>
-            <a:pPr lvl="1"/>
-            <a:r>
-              <a:rPr lang="en-US" dirty="0" err="1"/>
-              <a:t>PREfix</a:t>
-            </a:r>
-            <a:r>
-              <a:rPr lang="en-US" dirty="0"/>
-              <a:t>/KLEE: </a:t>
-            </a:r>
-            <a:r>
-              <a:rPr lang="en-US" dirty="0" smtClean="0"/>
-              <a:t>scalability &amp; hardware modeling</a:t>
-            </a:r>
-            <a:endParaRPr lang="en-US" dirty="0"/>
-          </a:p>
-          <a:p>
-            <a:r>
-              <a:rPr lang="en-US" dirty="0" smtClean="0"/>
-              <a:t>Runtime analysis: extend </a:t>
-            </a:r>
-            <a:r>
-              <a:rPr lang="en-US" dirty="0" smtClean="0">
-                <a:latin typeface="Consolas"/>
-                <a:cs typeface="Consolas"/>
-              </a:rPr>
-              <a:t>-</a:t>
-            </a:r>
-            <a:r>
-              <a:rPr lang="en-US" dirty="0" err="1" smtClean="0">
-                <a:latin typeface="Consolas"/>
-                <a:cs typeface="Consolas"/>
-              </a:rPr>
-              <a:t>ftrap</a:t>
-            </a:r>
-            <a:endParaRPr lang="en-US" dirty="0" smtClean="0">
-              <a:latin typeface="Consolas"/>
-              <a:cs typeface="Consolas"/>
-            </a:endParaRPr>
-          </a:p>
-          <a:p>
-            <a:pPr lvl="1"/>
-            <a:r>
-              <a:rPr lang="en-US" dirty="0" smtClean="0"/>
-              <a:t>RICH/IOC: coverage</a:t>
-            </a:r>
-          </a:p>
-          <a:p>
-            <a:pPr lvl="1"/>
-            <a:r>
-              <a:rPr lang="en-US" dirty="0" err="1" smtClean="0"/>
-              <a:t>Syscall</a:t>
-            </a:r>
-            <a:r>
-              <a:rPr lang="en-US" dirty="0"/>
-              <a:t> </a:t>
-            </a:r>
-            <a:r>
-              <a:rPr lang="en-US" dirty="0" smtClean="0"/>
-              <a:t>&amp; </a:t>
-            </a:r>
-            <a:r>
-              <a:rPr lang="en-US" dirty="0" err="1" smtClean="0"/>
-              <a:t>filesystem</a:t>
-            </a:r>
-            <a:r>
-              <a:rPr lang="en-US" dirty="0" smtClean="0"/>
-              <a:t> </a:t>
-            </a:r>
-            <a:r>
-              <a:rPr lang="en-US" dirty="0" err="1" smtClean="0"/>
-              <a:t>fuzzers</a:t>
-            </a:r>
-            <a:endParaRPr lang="en-US" dirty="0"/>
+            <a:endParaRPr lang="en-US"/>
           </a:p>
         </p:txBody>
       </p:sp>
     </p:spTree>
     <p:extLst>
       <p:ext uri="{BB962C8B-B14F-4D97-AF65-F5344CB8AC3E}">
-        <p14:creationId xmlns:p14="http://schemas.microsoft.com/office/powerpoint/2010/main" val="774890601"/>
+        <p14:creationId xmlns:p14="http://schemas.microsoft.com/office/powerpoint/2010/main" val="1003878836"/>
       </p:ext>
     </p:extLst>
   </p:cSld>
@@ -18245,7 +18206,7 @@
           <a:p>
             <a:r>
               <a:rPr lang="en-US" dirty="0" smtClean="0"/>
-              <a:t>Conclusion</a:t>
+              <a:t>Broken error handling example</a:t>
             </a:r>
             <a:endParaRPr lang="en-US" dirty="0"/>
           </a:p>
@@ -18266,38 +18227,238 @@
           <a:bodyPr/>
           <a:lstStyle/>
           <a:p>
-            <a:r>
-              <a:rPr lang="en-US" dirty="0" smtClean="0"/>
-              <a:t>Static detection of integer errors in C code</a:t>
-            </a:r>
-          </a:p>
-          <a:p>
-            <a:pPr lvl="1"/>
-            <a:r>
-              <a:rPr lang="en-US" dirty="0" smtClean="0"/>
-              <a:t>Pragmatic integer semantics</a:t>
-            </a:r>
-          </a:p>
-          <a:p>
-            <a:pPr lvl="1"/>
-            <a:r>
-              <a:rPr lang="en-US" dirty="0" smtClean="0"/>
-              <a:t>Scalable analysis with tailored optimizations</a:t>
-            </a:r>
-          </a:p>
-          <a:p>
-            <a:r>
-              <a:rPr lang="en-US" dirty="0" smtClean="0"/>
-              <a:t>80+ bugs confirmed and fixed upstream</a:t>
-            </a:r>
-            <a:endParaRPr lang="en-US" dirty="0"/>
+            <a:pPr marL="0" indent="0">
+              <a:buNone/>
+            </a:pPr>
+            <a:r>
+              <a:rPr lang="en-US" dirty="0" smtClean="0">
+                <a:latin typeface="Consolas"/>
+                <a:cs typeface="Consolas"/>
+              </a:rPr>
+              <a:t>/* </a:t>
+            </a:r>
+            <a:r>
+              <a:rPr lang="en-US" dirty="0" err="1" smtClean="0">
+                <a:latin typeface="Consolas"/>
+                <a:cs typeface="Consolas"/>
+              </a:rPr>
+              <a:t>drivers:media</a:t>
+            </a:r>
+            <a:r>
+              <a:rPr lang="en-US" dirty="0" smtClean="0">
+                <a:latin typeface="Consolas"/>
+                <a:cs typeface="Consolas"/>
+              </a:rPr>
+              <a:t> */</a:t>
+            </a:r>
+            <a:endParaRPr lang="en-US" dirty="0">
+              <a:latin typeface="Consolas"/>
+              <a:cs typeface="Consolas"/>
+            </a:endParaRPr>
+          </a:p>
+          <a:p>
+            <a:pPr marL="0" indent="0">
+              <a:buNone/>
+            </a:pPr>
+            <a:r>
+              <a:rPr lang="en-US" dirty="0" err="1" smtClean="0">
+                <a:solidFill>
+                  <a:srgbClr val="FF0000"/>
+                </a:solidFill>
+                <a:latin typeface="Consolas"/>
+                <a:cs typeface="Consolas"/>
+              </a:rPr>
+              <a:t>uchar</a:t>
+            </a:r>
+            <a:r>
+              <a:rPr lang="en-US" dirty="0" smtClean="0">
+                <a:latin typeface="Consolas"/>
+                <a:cs typeface="Consolas"/>
+              </a:rPr>
+              <a:t> i2c_read_demod_bytes(…);</a:t>
+            </a:r>
+          </a:p>
+          <a:p>
+            <a:pPr marL="0" indent="0">
+              <a:buNone/>
+            </a:pPr>
+            <a:endParaRPr lang="en-US" dirty="0" smtClean="0">
+              <a:latin typeface="Consolas"/>
+              <a:cs typeface="Consolas"/>
+            </a:endParaRPr>
+          </a:p>
+          <a:p>
+            <a:pPr marL="0" indent="0">
+              <a:buNone/>
+            </a:pPr>
+            <a:r>
+              <a:rPr lang="en-US" dirty="0" err="1" smtClean="0">
+                <a:latin typeface="Consolas"/>
+                <a:cs typeface="Consolas"/>
+              </a:rPr>
+              <a:t>int</a:t>
+            </a:r>
+            <a:r>
+              <a:rPr lang="en-US" dirty="0" smtClean="0">
+                <a:latin typeface="Consolas"/>
+                <a:cs typeface="Consolas"/>
+              </a:rPr>
+              <a:t> err = i2c_read_demod_bytes(…);</a:t>
+            </a:r>
+          </a:p>
+          <a:p>
+            <a:pPr marL="0" indent="0">
+              <a:buNone/>
+            </a:pPr>
+            <a:r>
+              <a:rPr lang="en-US" dirty="0" smtClean="0">
+                <a:latin typeface="Consolas"/>
+                <a:cs typeface="Consolas"/>
+              </a:rPr>
+              <a:t>if (</a:t>
+            </a:r>
+            <a:r>
+              <a:rPr lang="en-US" dirty="0" smtClean="0">
+                <a:solidFill>
+                  <a:srgbClr val="FF0000"/>
+                </a:solidFill>
+                <a:latin typeface="Consolas"/>
+                <a:cs typeface="Consolas"/>
+              </a:rPr>
+              <a:t>err &lt; 0</a:t>
+            </a:r>
+            <a:r>
+              <a:rPr lang="en-US" dirty="0" smtClean="0">
+                <a:latin typeface="Consolas"/>
+                <a:cs typeface="Consolas"/>
+              </a:rPr>
+              <a:t>)</a:t>
+            </a:r>
+          </a:p>
+          <a:p>
+            <a:pPr marL="0" indent="0">
+              <a:buNone/>
+            </a:pPr>
+            <a:r>
+              <a:rPr lang="en-US" dirty="0" smtClean="0">
+                <a:latin typeface="Consolas"/>
+                <a:cs typeface="Consolas"/>
+              </a:rPr>
+              <a:t>    return err;</a:t>
+            </a:r>
+            <a:endParaRPr lang="en-US" dirty="0">
+              <a:latin typeface="Consolas"/>
+              <a:cs typeface="Consolas"/>
+            </a:endParaRPr>
+          </a:p>
+        </p:txBody>
+      </p:sp>
+      <p:sp>
+        <p:nvSpPr>
+          <p:cNvPr id="4" name="Rounded Rectangular Callout 3"/>
+          <p:cNvSpPr/>
+          <p:nvPr/>
+        </p:nvSpPr>
+        <p:spPr>
+          <a:xfrm>
+            <a:off x="5384800" y="4724400"/>
+            <a:ext cx="2641600" cy="1270000"/>
+          </a:xfrm>
+          <a:prstGeom prst="wedgeRoundRectCallout">
+            <a:avLst>
+              <a:gd name="adj1" fmla="val -160054"/>
+              <a:gd name="adj2" fmla="val -122235"/>
+              <a:gd name="adj3" fmla="val 16667"/>
+            </a:avLst>
+          </a:prstGeom>
+        </p:spPr>
+        <p:style>
+          <a:lnRef idx="1">
+            <a:schemeClr val="accent1"/>
+          </a:lnRef>
+          <a:fillRef idx="3">
+            <a:schemeClr val="accent1"/>
+          </a:fillRef>
+          <a:effectRef idx="2">
+            <a:schemeClr val="accent1"/>
+          </a:effectRef>
+          <a:fontRef idx="minor">
+            <a:schemeClr val="lt1"/>
+          </a:fontRef>
+        </p:style>
+        <p:txBody>
+          <a:bodyPr rtlCol="0" anchor="ctr"/>
+          <a:lstStyle/>
+          <a:p>
+            <a:pPr algn="ctr"/>
+            <a:r>
+              <a:rPr lang="en-US" sz="3600" dirty="0" err="1" smtClean="0">
+                <a:solidFill>
+                  <a:srgbClr val="FF0000"/>
+                </a:solidFill>
+              </a:rPr>
+              <a:t>uchar</a:t>
+            </a:r>
+            <a:r>
+              <a:rPr lang="en-US" sz="3600" dirty="0" smtClean="0">
+                <a:solidFill>
+                  <a:srgbClr val="FF0000"/>
+                </a:solidFill>
+              </a:rPr>
+              <a:t> =&gt; </a:t>
+            </a:r>
+            <a:r>
+              <a:rPr lang="en-US" sz="3600" dirty="0" err="1" smtClean="0">
+                <a:solidFill>
+                  <a:srgbClr val="FF0000"/>
+                </a:solidFill>
+              </a:rPr>
+              <a:t>int</a:t>
+            </a:r>
+            <a:endParaRPr lang="en-US" sz="3600" dirty="0" smtClean="0">
+              <a:solidFill>
+                <a:srgbClr val="FF0000"/>
+              </a:solidFill>
+            </a:endParaRPr>
+          </a:p>
+          <a:p>
+            <a:pPr algn="ctr"/>
+            <a:r>
+              <a:rPr lang="en-US" sz="3600" dirty="0" smtClean="0">
+                <a:solidFill>
+                  <a:srgbClr val="FF0000"/>
+                </a:solidFill>
+              </a:rPr>
+              <a:t>(</a:t>
+            </a:r>
+            <a:r>
+              <a:rPr lang="en-US" sz="3600" dirty="0" err="1" smtClean="0">
+                <a:solidFill>
+                  <a:srgbClr val="FF0000"/>
+                </a:solidFill>
+              </a:rPr>
+              <a:t>lossy</a:t>
+            </a:r>
+            <a:r>
+              <a:rPr lang="en-US" sz="3600" dirty="0" smtClean="0">
+                <a:solidFill>
+                  <a:srgbClr val="FF0000"/>
+                </a:solidFill>
+              </a:rPr>
+              <a:t>?)</a:t>
+            </a:r>
+            <a:endParaRPr lang="en-US" sz="3600" dirty="0">
+              <a:solidFill>
+                <a:srgbClr val="FF0000"/>
+              </a:solidFill>
+            </a:endParaRPr>
           </a:p>
         </p:txBody>
       </p:sp>
     </p:spTree>
     <p:extLst>
       <p:ext uri="{BB962C8B-B14F-4D97-AF65-F5344CB8AC3E}">
-        <p14:creationId xmlns:p14="http://schemas.microsoft.com/office/powerpoint/2010/main" val="3967766235"/>
+        <p14:creationId xmlns:p14="http://schemas.microsoft.com/office/powerpoint/2010/main" val="19979336"/>
       </p:ext>
     </p:extLst>
   </p:cSld>
@@ -18315,306 +18476,6 @@
 </file>
 
 <file path=ppt/slides/slide35.xml><?xml version="1.0" encoding="utf-8"?>
-<p:sld xmlns:a="http://schemas.openxmlformats.org/drawingml/2006/main" xmlns:r="http://schemas.openxmlformats.org/officeDocument/2006/relationships" xmlns:p="http://schemas.openxmlformats.org/presentationml/2006/main">
-  <p:cSld>
-    <p:spTree>
-      <p:nvGrpSpPr>
-        <p:cNvPr id="1" name=""/>
-        <p:cNvGrpSpPr/>
-        <p:nvPr/>
-      </p:nvGrpSpPr>
-      <p:grpSpPr>
-        <a:xfrm>
-          <a:off x="0" y="0"/>
-          <a:ext cx="0" cy="0"/>
-          <a:chOff x="0" y="0"/>
-          <a:chExt cx="0" cy="0"/>
-        </a:xfrm>
-      </p:grpSpPr>
-      <p:sp>
-        <p:nvSpPr>
-          <p:cNvPr id="2" name="Title 1"/>
-          <p:cNvSpPr>
-            <a:spLocks noGrp="1"/>
-          </p:cNvSpPr>
-          <p:nvPr>
-            <p:ph type="title"/>
-          </p:nvPr>
-        </p:nvSpPr>
-        <p:spPr/>
-        <p:txBody>
-          <a:bodyPr/>
-          <a:lstStyle/>
-          <a:p>
-            <a:endParaRPr lang="en-US"/>
-          </a:p>
-        </p:txBody>
-      </p:sp>
-      <p:sp>
-        <p:nvSpPr>
-          <p:cNvPr id="3" name="Content Placeholder 2"/>
-          <p:cNvSpPr>
-            <a:spLocks noGrp="1"/>
-          </p:cNvSpPr>
-          <p:nvPr>
-            <p:ph idx="1"/>
-          </p:nvPr>
-        </p:nvSpPr>
-        <p:spPr/>
-        <p:txBody>
-          <a:bodyPr/>
-          <a:lstStyle/>
-          <a:p>
-            <a:endParaRPr lang="en-US"/>
-          </a:p>
-        </p:txBody>
-      </p:sp>
-    </p:spTree>
-    <p:extLst>
-      <p:ext uri="{BB962C8B-B14F-4D97-AF65-F5344CB8AC3E}">
-        <p14:creationId xmlns:p14="http://schemas.microsoft.com/office/powerpoint/2010/main" val="1003878836"/>
-      </p:ext>
-    </p:extLst>
-  </p:cSld>
-  <p:clrMapOvr>
-    <a:masterClrMapping/>
-  </p:clrMapOvr>
-  <p:timing>
-    <p:tnLst>
-      <p:par>
-        <p:cTn xmlns:p14="http://schemas.microsoft.com/office/powerpoint/2010/main" id="1" dur="indefinite" restart="never" nodeType="tmRoot"/>
-      </p:par>
-    </p:tnLst>
-  </p:timing>
-</p:sld>
-</file>
-
-<file path=ppt/slides/slide36.xml><?xml version="1.0" encoding="utf-8"?>
-<p:sld xmlns:a="http://schemas.openxmlformats.org/drawingml/2006/main" xmlns:r="http://schemas.openxmlformats.org/officeDocument/2006/relationships" xmlns:p="http://schemas.openxmlformats.org/presentationml/2006/main">
-  <p:cSld>
-    <p:spTree>
-      <p:nvGrpSpPr>
-        <p:cNvPr id="1" name=""/>
-        <p:cNvGrpSpPr/>
-        <p:nvPr/>
-      </p:nvGrpSpPr>
-      <p:grpSpPr>
-        <a:xfrm>
-          <a:off x="0" y="0"/>
-          <a:ext cx="0" cy="0"/>
-          <a:chOff x="0" y="0"/>
-          <a:chExt cx="0" cy="0"/>
-        </a:xfrm>
-      </p:grpSpPr>
-      <p:sp>
-        <p:nvSpPr>
-          <p:cNvPr id="2" name="Title 1"/>
-          <p:cNvSpPr>
-            <a:spLocks noGrp="1"/>
-          </p:cNvSpPr>
-          <p:nvPr>
-            <p:ph type="title"/>
-          </p:nvPr>
-        </p:nvSpPr>
-        <p:spPr/>
-        <p:txBody>
-          <a:bodyPr/>
-          <a:lstStyle/>
-          <a:p>
-            <a:r>
-              <a:rPr lang="en-US" dirty="0" smtClean="0"/>
-              <a:t>KINT overview</a:t>
-            </a:r>
-            <a:endParaRPr lang="en-US" dirty="0"/>
-          </a:p>
-        </p:txBody>
-      </p:sp>
-      <p:sp>
-        <p:nvSpPr>
-          <p:cNvPr id="3" name="Content Placeholder 2"/>
-          <p:cNvSpPr>
-            <a:spLocks noGrp="1"/>
-          </p:cNvSpPr>
-          <p:nvPr>
-            <p:ph idx="1"/>
-          </p:nvPr>
-        </p:nvSpPr>
-        <p:spPr/>
-        <p:txBody>
-          <a:bodyPr>
-            <a:normAutofit fontScale="92500" lnSpcReduction="10000"/>
-          </a:bodyPr>
-          <a:lstStyle/>
-          <a:p>
-            <a:r>
-              <a:rPr lang="en-US" dirty="0" smtClean="0"/>
-              <a:t>Static analysis on C code</a:t>
-            </a:r>
-          </a:p>
-          <a:p>
-            <a:pPr lvl="1"/>
-            <a:r>
-              <a:rPr lang="en-US" dirty="0"/>
-              <a:t>A</a:t>
-            </a:r>
-            <a:r>
-              <a:rPr lang="en-US" dirty="0" smtClean="0"/>
-              <a:t>rithmetic overflows, oversized shifts, </a:t>
-            </a:r>
-            <a:r>
-              <a:rPr lang="en-US" dirty="0" err="1" smtClean="0"/>
-              <a:t>signedness</a:t>
-            </a:r>
-            <a:endParaRPr lang="en-US" dirty="0" smtClean="0"/>
-          </a:p>
-          <a:p>
-            <a:r>
-              <a:rPr lang="en-US" dirty="0" smtClean="0"/>
-              <a:t>Generate predicates within a function</a:t>
-            </a:r>
-          </a:p>
-          <a:p>
-            <a:pPr lvl="1"/>
-            <a:r>
-              <a:rPr lang="en-US" dirty="0" smtClean="0"/>
-              <a:t>Whether an integer operation could go wrong</a:t>
-            </a:r>
-          </a:p>
-          <a:p>
-            <a:pPr lvl="1"/>
-            <a:r>
-              <a:rPr lang="en-US" dirty="0" smtClean="0"/>
-              <a:t>Whether a code path to the operation is feasible</a:t>
-            </a:r>
-          </a:p>
-          <a:p>
-            <a:r>
-              <a:rPr lang="en-US" dirty="0" smtClean="0"/>
-              <a:t>Consult a constraint solver for satiability</a:t>
-            </a:r>
-          </a:p>
-          <a:p>
-            <a:pPr lvl="1"/>
-            <a:r>
-              <a:rPr lang="en-US" dirty="0" smtClean="0"/>
-              <a:t>Y: a possible integer error</a:t>
-            </a:r>
-          </a:p>
-          <a:p>
-            <a:pPr lvl="1"/>
-            <a:r>
-              <a:rPr lang="en-US" dirty="0" smtClean="0"/>
-              <a:t>N: no integer error</a:t>
-            </a:r>
-          </a:p>
-          <a:p>
-            <a:r>
-              <a:rPr lang="en-US" dirty="0"/>
-              <a:t>Key optimization goal: make the solver run fast</a:t>
-            </a:r>
-          </a:p>
-          <a:p>
-            <a:pPr lvl="1"/>
-            <a:endParaRPr lang="en-US" dirty="0" smtClean="0"/>
-          </a:p>
-        </p:txBody>
-      </p:sp>
-    </p:spTree>
-    <p:extLst>
-      <p:ext uri="{BB962C8B-B14F-4D97-AF65-F5344CB8AC3E}">
-        <p14:creationId xmlns:p14="http://schemas.microsoft.com/office/powerpoint/2010/main" val="714664568"/>
-      </p:ext>
-    </p:extLst>
-  </p:cSld>
-  <p:clrMapOvr>
-    <a:masterClrMapping/>
-  </p:clrMapOvr>
-  <p:timing>
-    <p:tnLst>
-      <p:par>
-        <p:cTn xmlns:p14="http://schemas.microsoft.com/office/powerpoint/2010/main" id="1" dur="indefinite" restart="never" nodeType="tmRoot"/>
-      </p:par>
-    </p:tnLst>
-  </p:timing>
-</p:sld>
-</file>
-
-<file path=ppt/slides/slide37.xml><?xml version="1.0" encoding="utf-8"?>
-<p:sld xmlns:a="http://schemas.openxmlformats.org/drawingml/2006/main" xmlns:r="http://schemas.openxmlformats.org/officeDocument/2006/relationships" xmlns:p="http://schemas.openxmlformats.org/presentationml/2006/main">
-  <p:cSld>
-    <p:spTree>
-      <p:nvGrpSpPr>
-        <p:cNvPr id="1" name=""/>
-        <p:cNvGrpSpPr/>
-        <p:nvPr/>
-      </p:nvGrpSpPr>
-      <p:grpSpPr>
-        <a:xfrm>
-          <a:off x="0" y="0"/>
-          <a:ext cx="0" cy="0"/>
-          <a:chOff x="0" y="0"/>
-          <a:chExt cx="0" cy="0"/>
-        </a:xfrm>
-      </p:grpSpPr>
-      <p:sp>
-        <p:nvSpPr>
-          <p:cNvPr id="2" name="Title 1"/>
-          <p:cNvSpPr>
-            <a:spLocks noGrp="1"/>
-          </p:cNvSpPr>
-          <p:nvPr>
-            <p:ph type="title"/>
-          </p:nvPr>
-        </p:nvSpPr>
-        <p:spPr/>
-        <p:txBody>
-          <a:bodyPr/>
-          <a:lstStyle/>
-          <a:p>
-            <a:endParaRPr lang="en-US"/>
-          </a:p>
-        </p:txBody>
-      </p:sp>
-      <p:pic>
-        <p:nvPicPr>
-          <p:cNvPr id="4" name="Content Placeholder 3"/>
-          <p:cNvPicPr>
-            <a:picLocks noGrp="1" noChangeAspect="1"/>
-          </p:cNvPicPr>
-          <p:nvPr>
-            <p:ph idx="1"/>
-          </p:nvPr>
-        </p:nvPicPr>
-        <p:blipFill>
-          <a:blip r:embed="rId2"/>
-          <a:srcRect t="750" b="750"/>
-          <a:stretch>
-            <a:fillRect/>
-          </a:stretch>
-        </p:blipFill>
-        <p:spPr/>
-      </p:pic>
-    </p:spTree>
-    <p:extLst>
-      <p:ext uri="{BB962C8B-B14F-4D97-AF65-F5344CB8AC3E}">
-        <p14:creationId xmlns:p14="http://schemas.microsoft.com/office/powerpoint/2010/main" val="1360820290"/>
-      </p:ext>
-    </p:extLst>
-  </p:cSld>
-  <p:clrMapOvr>
-    <a:masterClrMapping/>
-  </p:clrMapOvr>
-  <p:timing>
-    <p:tnLst>
-      <p:par>
-        <p:cTn xmlns:p14="http://schemas.microsoft.com/office/powerpoint/2010/main" id="1" dur="indefinite" restart="never" nodeType="tmRoot"/>
-      </p:par>
-    </p:tnLst>
-  </p:timing>
-</p:sld>
-</file>
-
-<file path=ppt/slides/slide38.xml><?xml version="1.0" encoding="utf-8"?>
 <p:sld xmlns:a="http://schemas.openxmlformats.org/drawingml/2006/main" xmlns:r="http://schemas.openxmlformats.org/officeDocument/2006/relationships" xmlns:p="http://schemas.openxmlformats.org/presentationml/2006/main">
   <p:cSld>
     <p:spTree>
@@ -19379,6 +19240,264 @@
 </p:sld>
 </file>
 
+<file path=ppt/slides/slide36.xml><?xml version="1.0" encoding="utf-8"?>
+<p:sld xmlns:a="http://schemas.openxmlformats.org/drawingml/2006/main" xmlns:r="http://schemas.openxmlformats.org/officeDocument/2006/relationships" xmlns:p="http://schemas.openxmlformats.org/presentationml/2006/main">
+  <p:cSld>
+    <p:spTree>
+      <p:nvGrpSpPr>
+        <p:cNvPr id="1" name=""/>
+        <p:cNvGrpSpPr/>
+        <p:nvPr/>
+      </p:nvGrpSpPr>
+      <p:grpSpPr>
+        <a:xfrm>
+          <a:off x="0" y="0"/>
+          <a:ext cx="0" cy="0"/>
+          <a:chOff x="0" y="0"/>
+          <a:chExt cx="0" cy="0"/>
+        </a:xfrm>
+      </p:grpSpPr>
+      <p:sp>
+        <p:nvSpPr>
+          <p:cNvPr id="2" name="Title 1"/>
+          <p:cNvSpPr>
+            <a:spLocks noGrp="1"/>
+          </p:cNvSpPr>
+          <p:nvPr>
+            <p:ph type="title"/>
+          </p:nvPr>
+        </p:nvSpPr>
+        <p:spPr/>
+        <p:txBody>
+          <a:bodyPr/>
+          <a:lstStyle/>
+          <a:p>
+            <a:endParaRPr lang="en-US"/>
+          </a:p>
+        </p:txBody>
+      </p:sp>
+      <p:pic>
+        <p:nvPicPr>
+          <p:cNvPr id="4" name="Content Placeholder 3"/>
+          <p:cNvPicPr>
+            <a:picLocks noGrp="1" noChangeAspect="1"/>
+          </p:cNvPicPr>
+          <p:nvPr>
+            <p:ph idx="1"/>
+          </p:nvPr>
+        </p:nvPicPr>
+        <p:blipFill>
+          <a:blip r:embed="rId2"/>
+          <a:srcRect t="750" b="750"/>
+          <a:stretch>
+            <a:fillRect/>
+          </a:stretch>
+        </p:blipFill>
+        <p:spPr/>
+      </p:pic>
+    </p:spTree>
+    <p:extLst>
+      <p:ext uri="{BB962C8B-B14F-4D97-AF65-F5344CB8AC3E}">
+        <p14:creationId xmlns:p14="http://schemas.microsoft.com/office/powerpoint/2010/main" val="1360820290"/>
+      </p:ext>
+    </p:extLst>
+  </p:cSld>
+  <p:clrMapOvr>
+    <a:masterClrMapping/>
+  </p:clrMapOvr>
+  <p:timing>
+    <p:tnLst>
+      <p:par>
+        <p:cTn xmlns:p14="http://schemas.microsoft.com/office/powerpoint/2010/main" id="1" dur="indefinite" restart="never" nodeType="tmRoot"/>
+      </p:par>
+    </p:tnLst>
+  </p:timing>
+</p:sld>
+</file>
+
+<file path=ppt/slides/slide37.xml><?xml version="1.0" encoding="utf-8"?>
+<p:sld xmlns:a="http://schemas.openxmlformats.org/drawingml/2006/main" xmlns:r="http://schemas.openxmlformats.org/officeDocument/2006/relationships" xmlns:p="http://schemas.openxmlformats.org/presentationml/2006/main">
+  <p:cSld>
+    <p:spTree>
+      <p:nvGrpSpPr>
+        <p:cNvPr id="1" name=""/>
+        <p:cNvGrpSpPr/>
+        <p:nvPr/>
+      </p:nvGrpSpPr>
+      <p:grpSpPr>
+        <a:xfrm>
+          <a:off x="0" y="0"/>
+          <a:ext cx="0" cy="0"/>
+          <a:chOff x="0" y="0"/>
+          <a:chExt cx="0" cy="0"/>
+        </a:xfrm>
+      </p:grpSpPr>
+      <p:sp>
+        <p:nvSpPr>
+          <p:cNvPr id="2" name="Title 1"/>
+          <p:cNvSpPr>
+            <a:spLocks noGrp="1"/>
+          </p:cNvSpPr>
+          <p:nvPr>
+            <p:ph type="title"/>
+          </p:nvPr>
+        </p:nvSpPr>
+        <p:spPr/>
+        <p:txBody>
+          <a:bodyPr/>
+          <a:lstStyle/>
+          <a:p>
+            <a:r>
+              <a:rPr lang="en-US" dirty="0" smtClean="0"/>
+              <a:t>Secure </a:t>
+            </a:r>
+            <a:r>
+              <a:rPr lang="en-US" dirty="0" smtClean="0"/>
+              <a:t>C programming</a:t>
+            </a:r>
+            <a:endParaRPr lang="en-US" dirty="0"/>
+          </a:p>
+        </p:txBody>
+      </p:sp>
+      <p:sp>
+        <p:nvSpPr>
+          <p:cNvPr id="3" name="Content Placeholder 2"/>
+          <p:cNvSpPr>
+            <a:spLocks noGrp="1"/>
+          </p:cNvSpPr>
+          <p:nvPr>
+            <p:ph idx="1"/>
+          </p:nvPr>
+        </p:nvSpPr>
+        <p:spPr/>
+        <p:txBody>
+          <a:bodyPr/>
+          <a:lstStyle/>
+          <a:p>
+            <a:r>
+              <a:rPr lang="en-US" dirty="0" smtClean="0"/>
+              <a:t>Use safe allocator</a:t>
+            </a:r>
+          </a:p>
+          <a:p>
+            <a:pPr lvl="1"/>
+            <a:r>
+              <a:rPr lang="en-US" dirty="0" err="1" smtClean="0">
+                <a:latin typeface="Consolas"/>
+                <a:cs typeface="Consolas"/>
+              </a:rPr>
+              <a:t>calloc</a:t>
+            </a:r>
+            <a:r>
+              <a:rPr lang="en-US" dirty="0" smtClean="0">
+                <a:latin typeface="Consolas"/>
+                <a:cs typeface="Consolas"/>
+              </a:rPr>
+              <a:t>(n, size) </a:t>
+            </a:r>
+            <a:r>
+              <a:rPr lang="en-US" dirty="0" smtClean="0"/>
+              <a:t>vs.</a:t>
+            </a:r>
+            <a:r>
+              <a:rPr lang="en-US" dirty="0" smtClean="0">
+                <a:latin typeface="Consolas"/>
+                <a:cs typeface="Consolas"/>
+              </a:rPr>
+              <a:t> </a:t>
+            </a:r>
+            <a:r>
+              <a:rPr lang="en-US" dirty="0" err="1" smtClean="0">
+                <a:latin typeface="Consolas"/>
+                <a:cs typeface="Consolas"/>
+              </a:rPr>
+              <a:t>malloc</a:t>
+            </a:r>
+            <a:r>
+              <a:rPr lang="en-US" dirty="0" smtClean="0">
+                <a:latin typeface="Consolas"/>
+                <a:cs typeface="Consolas"/>
+              </a:rPr>
+              <a:t>(n * size)</a:t>
+            </a:r>
+          </a:p>
+          <a:p>
+            <a:r>
+              <a:rPr lang="en-US" dirty="0" smtClean="0"/>
+              <a:t>Use safe library with overflow checks</a:t>
+            </a:r>
+          </a:p>
+          <a:p>
+            <a:pPr lvl="1"/>
+            <a:r>
+              <a:rPr lang="en-US" dirty="0"/>
+              <a:t>x</a:t>
+            </a:r>
+            <a:r>
+              <a:rPr lang="en-US" dirty="0" smtClean="0"/>
+              <a:t> + y: </a:t>
+            </a:r>
+            <a:r>
+              <a:rPr lang="en-US" dirty="0" err="1" smtClean="0">
+                <a:latin typeface="Consolas"/>
+                <a:cs typeface="Consolas"/>
+              </a:rPr>
+              <a:t>addsl</a:t>
+            </a:r>
+            <a:r>
+              <a:rPr lang="en-US" dirty="0" smtClean="0">
+                <a:latin typeface="Consolas"/>
+                <a:cs typeface="Consolas"/>
+              </a:rPr>
+              <a:t>(x, y</a:t>
+            </a:r>
+            <a:r>
+              <a:rPr lang="en-US" dirty="0" smtClean="0"/>
+              <a:t>)</a:t>
+            </a:r>
+          </a:p>
+          <a:p>
+            <a:pPr lvl="1"/>
+            <a:r>
+              <a:rPr lang="en-US" dirty="0" smtClean="0"/>
+              <a:t>Examples: Microsoft’s </a:t>
+            </a:r>
+            <a:r>
+              <a:rPr lang="en-US" dirty="0" err="1" smtClean="0"/>
+              <a:t>SafeInt</a:t>
+            </a:r>
+            <a:r>
+              <a:rPr lang="en-US" dirty="0" smtClean="0"/>
+              <a:t>, CERT’s </a:t>
+            </a:r>
+            <a:r>
+              <a:rPr lang="en-US" dirty="0" err="1" smtClean="0"/>
+              <a:t>IntegerLib</a:t>
+            </a:r>
+            <a:endParaRPr lang="en-US" dirty="0" smtClean="0"/>
+          </a:p>
+        </p:txBody>
+      </p:sp>
+    </p:spTree>
+    <p:extLst>
+      <p:ext uri="{BB962C8B-B14F-4D97-AF65-F5344CB8AC3E}">
+        <p14:creationId xmlns:p14="http://schemas.microsoft.com/office/powerpoint/2010/main" val="2653371282"/>
+      </p:ext>
+    </p:extLst>
+  </p:cSld>
+  <p:clrMapOvr>
+    <a:masterClrMapping/>
+  </p:clrMapOvr>
+  <p:timing>
+    <p:tnLst>
+      <p:par>
+        <p:cTn xmlns:p14="http://schemas.microsoft.com/office/powerpoint/2010/main" id="1" dur="indefinite" restart="never" nodeType="tmRoot"/>
+      </p:par>
+    </p:tnLst>
+  </p:timing>
+</p:sld>
+</file>
+
 <file path=ppt/slides/slide4.xml><?xml version="1.0" encoding="utf-8"?>
 <p:sld xmlns:a="http://schemas.openxmlformats.org/drawingml/2006/main" xmlns:r="http://schemas.openxmlformats.org/officeDocument/2006/relationships" xmlns:p="http://schemas.openxmlformats.org/presentationml/2006/main">
   <p:cSld>
@@ -19421,7 +19540,7 @@
             </a:r>
             <a:r>
               <a:rPr lang="en-US" dirty="0" smtClean="0"/>
-              <a:t> 501 (2/3) </a:t>
+              <a:t> 501</a:t>
             </a:r>
             <a:endParaRPr lang="en-US" dirty="0"/>
           </a:p>
@@ -19517,18 +19636,6 @@
               <a:rPr lang="en-US" dirty="0" err="1" smtClean="0"/>
               <a:t>JailbreakMe.com</a:t>
             </a:r>
-            <a:r>
-              <a:rPr lang="en-US" dirty="0" smtClean="0"/>
-              <a:t> (</a:t>
-            </a:r>
-            <a:r>
-              <a:rPr lang="en-US" dirty="0"/>
-              <a:t>3/</a:t>
-            </a:r>
-            <a:r>
-              <a:rPr lang="en-US" dirty="0" smtClean="0"/>
-              <a:t>3)</a:t>
-            </a:r>
             <a:endParaRPr lang="en-US" dirty="0"/>
           </a:p>
         </p:txBody>
@@ -19611,7 +19718,7 @@
           <a:p>
             <a:r>
               <a:rPr lang="en-US" dirty="0" smtClean="0"/>
-              <a:t>Survey</a:t>
+              <a:t>Statistics</a:t>
             </a:r>
             <a:endParaRPr lang="en-US" dirty="0"/>
           </a:p>
@@ -19666,11 +19773,27 @@
             </a:pPr>
             <a:r>
               <a:rPr lang="en-US" dirty="0"/>
-              <a:t>12 out of the 32 vulnerabilities (&gt; 1/3) that can be misused to corrupt the kernel and gain root</a:t>
-            </a:r>
-            <a:r>
-              <a:rPr lang="en-US" dirty="0" smtClean="0"/>
-              <a:t>.</a:t>
+              <a:t>12 </a:t>
+            </a:r>
+            <a:r>
+              <a:rPr lang="en-US" dirty="0" smtClean="0"/>
+              <a:t>out </a:t>
+            </a:r>
+            <a:r>
+              <a:rPr lang="en-US" dirty="0"/>
+              <a:t>of the 32 vulnerabilities (&gt; 1/3) that </a:t>
+            </a:r>
+            <a:r>
+              <a:rPr lang="en-US" dirty="0" smtClean="0"/>
+              <a:t>can be misused to corrupt </a:t>
+            </a:r>
+            <a:r>
+              <a:rPr lang="en-US" dirty="0"/>
+              <a:t>the kernel and gain </a:t>
+            </a:r>
+            <a:r>
+              <a:rPr lang="en-US" dirty="0" smtClean="0"/>
+              <a:t>root are integer errors.</a:t>
             </a:r>
             <a:endParaRPr lang="en-US" dirty="0"/>
           </a:p>
@@ -19730,7 +19853,11 @@
           <a:p>
             <a:r>
               <a:rPr lang="en-US" dirty="0" smtClean="0"/>
-              <a:t>Challenge 1: Semantics</a:t>
+              <a:t>Challenge 1: Identify real </a:t>
+            </a:r>
+            <a:r>
+              <a:rPr lang="en-US" dirty="0" smtClean="0"/>
+              <a:t>misuses</a:t>
             </a:r>
             <a:endParaRPr lang="en-US" dirty="0"/>
           </a:p>
@@ -19775,21 +19902,7 @@
                 <a:latin typeface="Consolas"/>
                 <a:cs typeface="Consolas"/>
               </a:rPr>
-              <a:t>/* expanded from </a:t>
-            </a:r>
-            <a:r>
-              <a:rPr lang="en-US" sz="2400" dirty="0" err="1" smtClean="0">
-                <a:latin typeface="Consolas"/>
-                <a:cs typeface="Consolas"/>
-              </a:rPr>
-              <a:t>endianness</a:t>
-            </a:r>
-            <a:r>
-              <a:rPr lang="en-US" sz="2400" dirty="0" smtClean="0">
-                <a:latin typeface="Consolas"/>
-                <a:cs typeface="Consolas"/>
-              </a:rPr>
-              <a:t> conversion */</a:t>
+              <a:t>/* expanded from Linux endian conversion */</a:t>
             </a:r>
           </a:p>
           <a:p>
@@ -19857,7 +19970,6 @@
               <a:rPr lang="en-US" dirty="0" smtClean="0"/>
               <a:t>Intentional overflowed operations</a:t>
             </a:r>
-            <a:endParaRPr lang="en-US" dirty="0" smtClean="0"/>
           </a:p>
           <a:p>
             <a:pPr marL="400050" lvl="1" indent="0">
@@ -19900,15 +20012,11 @@
           <a:p>
             <a:r>
               <a:rPr lang="en-US" dirty="0" smtClean="0"/>
-              <a:t>Physical</a:t>
-            </a:r>
-            <a:r>
-              <a:rPr lang="en-US" dirty="0"/>
-              <a:t> </a:t>
-            </a:r>
-            <a:r>
-              <a:rPr lang="en-US" dirty="0" smtClean="0"/>
-              <a:t>benign limits: </a:t>
+              <a:t>B</a:t>
+            </a:r>
+            <a:r>
+              <a:rPr lang="en-US" dirty="0" smtClean="0"/>
+              <a:t>enign counters: </a:t>
             </a:r>
             <a:r>
               <a:rPr lang="en-US" dirty="0" smtClean="0"/>
@@ -20040,7 +20148,17 @@
             <a:pPr lvl="1"/>
             <a:r>
               <a:rPr lang="en-US" dirty="0" smtClean="0"/>
-              <a:t>Hardware device modeling</a:t>
+              <a:t>Hardware device </a:t>
+            </a:r>
+            <a:r>
+              <a:rPr lang="en-US" dirty="0" smtClean="0"/>
+              <a:t>modeling</a:t>
+            </a:r>
+          </a:p>
+          <a:p>
+            <a:r>
+              <a:rPr lang="en-US" dirty="0" smtClean="0"/>
+              <a:t>Need scalable analysis</a:t>
             </a:r>
             <a:endParaRPr lang="en-US" dirty="0"/>
           </a:p>
@@ -20119,20 +20237,36 @@
         <p:spPr/>
         <p:txBody>
           <a:bodyPr>
-            <a:normAutofit lnSpcReduction="10000"/>
+            <a:normAutofit fontScale="92500" lnSpcReduction="20000"/>
           </a:bodyPr>
           <a:lstStyle/>
           <a:p>
             <a:r>
               <a:rPr lang="en-US" dirty="0" smtClean="0"/>
-              <a:t>A pragmatic integer model for C programs</a:t>
+              <a:t>Identify real misuses in C programs</a:t>
             </a:r>
           </a:p>
           <a:p>
             <a:pPr lvl="1"/>
             <a:r>
               <a:rPr lang="en-US" dirty="0" smtClean="0"/>
-              <a:t>Allow conversions except for “sensitive” uses: branching condition, array index, allocation size</a:t>
+              <a:t>Allow conversions except for “sensitive” </a:t>
+            </a:r>
+            <a:r>
+              <a:rPr lang="en-US" dirty="0" smtClean="0"/>
+              <a:t>uses: control </a:t>
+            </a:r>
+            <a:r>
+              <a:rPr lang="en-US" dirty="0" smtClean="0"/>
+              <a:t>flow / array index</a:t>
+            </a:r>
+            <a:r>
+              <a:rPr lang="en-US" dirty="0"/>
+              <a:t> </a:t>
+            </a:r>
+            <a:r>
+              <a:rPr lang="en-US" dirty="0" smtClean="0"/>
+              <a:t>&amp; size</a:t>
             </a:r>
           </a:p>
           <a:p>
@@ -20143,23 +20277,47 @@
             </a:r>
           </a:p>
           <a:p>
-            <a:r>
-              <a:rPr lang="en-US" dirty="0" smtClean="0"/>
-              <a:t>A scalable analysis for finding integer errors</a:t>
-            </a:r>
-          </a:p>
-          <a:p>
             <a:pPr lvl="1"/>
             <a:r>
               <a:rPr lang="en-US" dirty="0" smtClean="0"/>
+              <a:t>Code sinking</a:t>
+            </a:r>
+            <a:endParaRPr lang="en-US" dirty="0" smtClean="0"/>
+          </a:p>
+          <a:p>
+            <a:r>
+              <a:rPr lang="en-US" dirty="0"/>
+              <a:t>S</a:t>
+            </a:r>
+            <a:r>
+              <a:rPr lang="en-US" dirty="0" smtClean="0"/>
+              <a:t>calable analysis for finding integer errors</a:t>
+            </a:r>
+          </a:p>
+          <a:p>
+            <a:pPr lvl="1"/>
+            <a:r>
+              <a:rPr lang="en-US" dirty="0" smtClean="0"/>
               <a:t>Generate predicates that are efficient to solve</a:t>
             </a:r>
           </a:p>
           <a:p>
-            <a:r>
-              <a:rPr lang="en-US" dirty="0" smtClean="0"/>
-              <a:t>Confirmed bugs</a:t>
-            </a:r>
+            <a:pPr lvl="1"/>
+            <a:r>
+              <a:rPr lang="en-US" dirty="0" smtClean="0"/>
+              <a:t>Tailored optimizations</a:t>
+            </a:r>
+          </a:p>
+          <a:p>
+            <a:r>
+              <a:rPr lang="en-US" dirty="0" smtClean="0"/>
+              <a:t>Confirmed and </a:t>
+            </a:r>
+            <a:r>
+              <a:rPr lang="en-US" dirty="0" smtClean="0"/>
+              <a:t>fixed real bugs</a:t>
+            </a:r>
+            <a:endParaRPr lang="en-US" dirty="0" smtClean="0"/>
           </a:p>
           <a:p>
             <a:pPr lvl="1"/>
